--- a/pitch/pitch-next.pptx
+++ b/pitch/pitch-next.pptx
@@ -6,13 +6,11 @@
   </p:sldMasterIdLst>
   <p:sldIdLst>
     <p:sldId id="342" r:id="rId2"/>
-    <p:sldId id="333" r:id="rId3"/>
-    <p:sldId id="351" r:id="rId4"/>
-    <p:sldId id="352" r:id="rId5"/>
-    <p:sldId id="343" r:id="rId6"/>
-    <p:sldId id="340" r:id="rId7"/>
-    <p:sldId id="346" r:id="rId8"/>
-    <p:sldId id="347" r:id="rId9"/>
+    <p:sldId id="351" r:id="rId3"/>
+    <p:sldId id="352" r:id="rId4"/>
+    <p:sldId id="340" r:id="rId5"/>
+    <p:sldId id="353" r:id="rId6"/>
+    <p:sldId id="347" r:id="rId7"/>
   </p:sldIdLst>
   <p:sldSz cx="12192000" cy="6858000"/>
   <p:notesSz cx="6858000" cy="9144000"/>
@@ -4824,277 +4822,6 @@
         <p:spPr>
           <a:xfrm>
             <a:off x="512561" y="406800"/>
-            <a:ext cx="4315360" cy="461665"/>
-          </a:xfrm>
-          <a:prstGeom prst="rect">
-            <a:avLst/>
-          </a:prstGeom>
-          <a:noFill/>
-        </p:spPr>
-        <p:txBody>
-          <a:bodyPr wrap="square" rtlCol="0">
-            <a:spAutoFit/>
-          </a:bodyPr>
-          <a:lstStyle/>
-          <a:p>
-            <a:r>
-              <a:rPr lang="pt-BR" sz="2400" spc="600" dirty="0">
-                <a:solidFill>
-                  <a:schemeClr val="bg1">
-                    <a:lumMod val="65000"/>
-                  </a:schemeClr>
-                </a:solidFill>
-                <a:latin typeface="Agency FB" panose="020B0503020202020204" pitchFamily="34" charset="0"/>
-                <a:ea typeface="Batang" panose="02030600000101010101" pitchFamily="18" charset="-127"/>
-              </a:rPr>
-              <a:t>PROBLEMA</a:t>
-            </a:r>
-          </a:p>
-        </p:txBody>
-      </p:sp>
-      <p:pic>
-        <p:nvPicPr>
-          <p:cNvPr id="5" name="Imagem 4">
-            <a:extLst>
-              <a:ext uri="{FF2B5EF4-FFF2-40B4-BE49-F238E27FC236}">
-                <a16:creationId xmlns:a16="http://schemas.microsoft.com/office/drawing/2014/main" id="{BB0A6787-3AD8-46A0-920A-BEC272CD647C}"/>
-              </a:ext>
-            </a:extLst>
-          </p:cNvPr>
-          <p:cNvPicPr>
-            <a:picLocks noChangeAspect="1"/>
-          </p:cNvPicPr>
-          <p:nvPr/>
-        </p:nvPicPr>
-        <p:blipFill>
-          <a:blip r:embed="rId2" cstate="print">
-            <a:extLst>
-              <a:ext uri="{28A0092B-C50C-407E-A947-70E740481C1C}">
-                <a14:useLocalDpi xmlns:a14="http://schemas.microsoft.com/office/drawing/2010/main" val="0"/>
-              </a:ext>
-            </a:extLst>
-          </a:blip>
-          <a:stretch>
-            <a:fillRect/>
-          </a:stretch>
-        </p:blipFill>
-        <p:spPr>
-          <a:xfrm>
-            <a:off x="11703860" y="6391392"/>
-            <a:ext cx="366488" cy="366488"/>
-          </a:xfrm>
-          <a:prstGeom prst="rect">
-            <a:avLst/>
-          </a:prstGeom>
-        </p:spPr>
-      </p:pic>
-      <p:sp>
-        <p:nvSpPr>
-          <p:cNvPr id="6" name="Arredondar Retângulo em um Canto Diagonal 53">
-            <a:extLst>
-              <a:ext uri="{FF2B5EF4-FFF2-40B4-BE49-F238E27FC236}">
-                <a16:creationId xmlns:a16="http://schemas.microsoft.com/office/drawing/2014/main" id="{737288A4-C4D9-42D1-AFEE-69604EB63A24}"/>
-              </a:ext>
-            </a:extLst>
-          </p:cNvPr>
-          <p:cNvSpPr/>
-          <p:nvPr/>
-        </p:nvSpPr>
-        <p:spPr>
-          <a:xfrm flipV="1">
-            <a:off x="602012" y="1019777"/>
-            <a:ext cx="10808110" cy="36000"/>
-          </a:xfrm>
-          <a:prstGeom prst="round2DiagRect">
-            <a:avLst/>
-          </a:prstGeom>
-          <a:gradFill flip="none" rotWithShape="1">
-            <a:gsLst>
-              <a:gs pos="0">
-                <a:srgbClr val="6C5CE7"/>
-              </a:gs>
-              <a:gs pos="100000">
-                <a:srgbClr val="81ECEC"/>
-              </a:gs>
-            </a:gsLst>
-            <a:path path="circle">
-              <a:fillToRect l="100000" t="100000"/>
-            </a:path>
-            <a:tileRect r="-100000" b="-100000"/>
-          </a:gradFill>
-          <a:ln>
-            <a:noFill/>
-          </a:ln>
-        </p:spPr>
-        <p:style>
-          <a:lnRef idx="2">
-            <a:schemeClr val="accent1">
-              <a:shade val="50000"/>
-            </a:schemeClr>
-          </a:lnRef>
-          <a:fillRef idx="1">
-            <a:schemeClr val="accent1"/>
-          </a:fillRef>
-          <a:effectRef idx="0">
-            <a:schemeClr val="accent1"/>
-          </a:effectRef>
-          <a:fontRef idx="minor">
-            <a:schemeClr val="lt1"/>
-          </a:fontRef>
-        </p:style>
-        <p:txBody>
-          <a:bodyPr rtlCol="0" anchor="ctr"/>
-          <a:lstStyle/>
-          <a:p>
-            <a:pPr algn="ctr"/>
-            <a:endParaRPr lang="pt-BR" dirty="0"/>
-          </a:p>
-        </p:txBody>
-      </p:sp>
-      <p:pic>
-        <p:nvPicPr>
-          <p:cNvPr id="7" name="Imagem 6"/>
-          <p:cNvPicPr>
-            <a:picLocks noChangeAspect="1"/>
-          </p:cNvPicPr>
-          <p:nvPr/>
-        </p:nvPicPr>
-        <p:blipFill>
-          <a:blip r:embed="rId3">
-            <a:extLst>
-              <a:ext uri="{28A0092B-C50C-407E-A947-70E740481C1C}">
-                <a14:useLocalDpi xmlns:a14="http://schemas.microsoft.com/office/drawing/2010/main" val="0"/>
-              </a:ext>
-            </a:extLst>
-          </a:blip>
-          <a:stretch>
-            <a:fillRect/>
-          </a:stretch>
-        </p:blipFill>
-        <p:spPr>
-          <a:xfrm>
-            <a:off x="1529024" y="1401853"/>
-            <a:ext cx="4989539" cy="4989539"/>
-          </a:xfrm>
-          <a:prstGeom prst="rect">
-            <a:avLst/>
-          </a:prstGeom>
-        </p:spPr>
-      </p:pic>
-      <p:sp>
-        <p:nvSpPr>
-          <p:cNvPr id="3" name="Espaço Reservado para Conteúdo 2"/>
-          <p:cNvSpPr>
-            <a:spLocks noGrp="1"/>
-          </p:cNvSpPr>
-          <p:nvPr>
-            <p:ph idx="1"/>
-          </p:nvPr>
-        </p:nvSpPr>
-        <p:spPr>
-          <a:xfrm>
-            <a:off x="5605669" y="2798800"/>
-            <a:ext cx="5645427" cy="1288378"/>
-          </a:xfrm>
-        </p:spPr>
-        <p:txBody>
-          <a:bodyPr>
-            <a:normAutofit fontScale="92500"/>
-          </a:bodyPr>
-          <a:lstStyle/>
-          <a:p>
-            <a:pPr marL="0" indent="0">
-              <a:buNone/>
-            </a:pPr>
-            <a:r>
-              <a:rPr lang="pt-BR" sz="2400" dirty="0">
-                <a:solidFill>
-                  <a:schemeClr val="tx1">
-                    <a:lumMod val="75000"/>
-                    <a:lumOff val="25000"/>
-                  </a:schemeClr>
-                </a:solidFill>
-                <a:latin typeface="Lemon/Milk light" panose="020B0303050302020204" pitchFamily="34" charset="0"/>
-              </a:rPr>
-              <a:t>HOJE, NO BRASIL, EXISTEM</a:t>
-            </a:r>
-          </a:p>
-          <a:p>
-            <a:pPr marL="0" indent="0">
-              <a:buNone/>
-            </a:pPr>
-            <a:r>
-              <a:rPr lang="pt-BR" sz="3200" dirty="0">
-                <a:solidFill>
-                  <a:schemeClr val="tx1">
-                    <a:lumMod val="75000"/>
-                    <a:lumOff val="25000"/>
-                  </a:schemeClr>
-                </a:solidFill>
-                <a:latin typeface="Lemon/Milk light" panose="020B0303050302020204" pitchFamily="34" charset="0"/>
-              </a:rPr>
-              <a:t>13 MILHÕES DE DESEMPREGADOS</a:t>
-            </a:r>
-          </a:p>
-        </p:txBody>
-      </p:sp>
-    </p:spTree>
-    <p:extLst>
-      <p:ext uri="{BB962C8B-B14F-4D97-AF65-F5344CB8AC3E}">
-        <p14:creationId xmlns:p14="http://schemas.microsoft.com/office/powerpoint/2010/main" val="3485168518"/>
-      </p:ext>
-    </p:extLst>
-  </p:cSld>
-  <p:clrMapOvr>
-    <a:masterClrMapping/>
-  </p:clrMapOvr>
-  <mc:AlternateContent xmlns:mc="http://schemas.openxmlformats.org/markup-compatibility/2006" xmlns:p159="http://schemas.microsoft.com/office/powerpoint/2015/09/main">
-    <mc:Choice Requires="p159">
-      <p:transition xmlns:p14="http://schemas.microsoft.com/office/powerpoint/2010/main" spd="slow" p14:dur="2000">
-        <p159:morph option="byObject"/>
-      </p:transition>
-    </mc:Choice>
-    <mc:Fallback xmlns="">
-      <p:transition spd="slow">
-        <p:fade/>
-      </p:transition>
-    </mc:Fallback>
-  </mc:AlternateContent>
-</p:sld>
-</file>
-
-<file path=ppt/slides/slide3.xml><?xml version="1.0" encoding="utf-8"?>
-<p:sld xmlns:a="http://schemas.openxmlformats.org/drawingml/2006/main" xmlns:r="http://schemas.openxmlformats.org/officeDocument/2006/relationships" xmlns:p="http://schemas.openxmlformats.org/presentationml/2006/main">
-  <p:cSld>
-    <p:spTree>
-      <p:nvGrpSpPr>
-        <p:cNvPr id="1" name=""/>
-        <p:cNvGrpSpPr/>
-        <p:nvPr/>
-      </p:nvGrpSpPr>
-      <p:grpSpPr>
-        <a:xfrm>
-          <a:off x="0" y="0"/>
-          <a:ext cx="0" cy="0"/>
-          <a:chOff x="0" y="0"/>
-          <a:chExt cx="0" cy="0"/>
-        </a:xfrm>
-      </p:grpSpPr>
-      <p:sp>
-        <p:nvSpPr>
-          <p:cNvPr id="4" name="CaixaDeTexto 3">
-            <a:extLst>
-              <a:ext uri="{FF2B5EF4-FFF2-40B4-BE49-F238E27FC236}">
-                <a16:creationId xmlns:a16="http://schemas.microsoft.com/office/drawing/2014/main" id="{39489834-BD31-45E8-B1B6-9AA3E64A460A}"/>
-              </a:ext>
-            </a:extLst>
-          </p:cNvPr>
-          <p:cNvSpPr txBox="1"/>
-          <p:nvPr/>
-        </p:nvSpPr>
-        <p:spPr>
-          <a:xfrm>
-            <a:off x="512561" y="406800"/>
             <a:ext cx="5795474" cy="461665"/>
           </a:xfrm>
           <a:prstGeom prst="rect">
@@ -5781,7 +5508,7 @@
 </p:sld>
 </file>
 
-<file path=ppt/slides/slide4.xml><?xml version="1.0" encoding="utf-8"?>
+<file path=ppt/slides/slide3.xml><?xml version="1.0" encoding="utf-8"?>
 <p:sld xmlns:a="http://schemas.openxmlformats.org/drawingml/2006/main" xmlns:r="http://schemas.openxmlformats.org/officeDocument/2006/relationships" xmlns:p="http://schemas.openxmlformats.org/presentationml/2006/main">
   <p:cSld>
     <p:spTree>
@@ -6475,7 +6202,7 @@
 </p:sld>
 </file>
 
-<file path=ppt/slides/slide5.xml><?xml version="1.0" encoding="utf-8"?>
+<file path=ppt/slides/slide4.xml><?xml version="1.0" encoding="utf-8"?>
 <p:sld xmlns:a="http://schemas.openxmlformats.org/drawingml/2006/main" xmlns:r="http://schemas.openxmlformats.org/officeDocument/2006/relationships" xmlns:p="http://schemas.openxmlformats.org/presentationml/2006/main">
   <p:cSld>
     <p:spTree>
@@ -6506,8 +6233,8 @@
         </p:nvSpPr>
         <p:spPr>
           <a:xfrm>
-            <a:off x="512560" y="406800"/>
-            <a:ext cx="5831089" cy="461665"/>
+            <a:off x="512561" y="406800"/>
+            <a:ext cx="4315360" cy="461665"/>
           </a:xfrm>
           <a:prstGeom prst="rect">
             <a:avLst/>
@@ -6530,7 +6257,7 @@
                 <a:latin typeface="Agency FB" panose="020B0503020202020204" pitchFamily="34" charset="0"/>
                 <a:ea typeface="Batang" panose="02030600000101010101" pitchFamily="18" charset="-127"/>
               </a:rPr>
-              <a:t>DIFICULDADES NAS VAGAS</a:t>
+              <a:t>CONCORRÊNCIA</a:t>
             </a:r>
           </a:p>
         </p:txBody>
@@ -6636,10 +6363,10 @@
       </p:sp>
       <p:pic>
         <p:nvPicPr>
-          <p:cNvPr id="10" name="Imagem 9">
+          <p:cNvPr id="2" name="Imagem 1">
             <a:extLst>
               <a:ext uri="{FF2B5EF4-FFF2-40B4-BE49-F238E27FC236}">
-                <a16:creationId xmlns:a16="http://schemas.microsoft.com/office/drawing/2014/main" id="{E7A975BB-EF34-45A4-8276-4DD67A0BC863}"/>
+                <a16:creationId xmlns:a16="http://schemas.microsoft.com/office/drawing/2014/main" id="{835F4F90-4E83-467F-9520-3373894190EB}"/>
               </a:ext>
             </a:extLst>
           </p:cNvPr>
@@ -6649,7 +6376,67 @@
           <p:nvPr/>
         </p:nvPicPr>
         <p:blipFill>
-          <a:blip r:embed="rId3">
+          <a:blip r:embed="rId3"/>
+          <a:stretch>
+            <a:fillRect/>
+          </a:stretch>
+        </p:blipFill>
+        <p:spPr>
+          <a:xfrm>
+            <a:off x="602012" y="1589906"/>
+            <a:ext cx="6090336" cy="4189616"/>
+          </a:xfrm>
+          <a:prstGeom prst="rect">
+            <a:avLst/>
+          </a:prstGeom>
+        </p:spPr>
+      </p:pic>
+      <p:pic>
+        <p:nvPicPr>
+          <p:cNvPr id="3" name="Imagem 2">
+            <a:extLst>
+              <a:ext uri="{FF2B5EF4-FFF2-40B4-BE49-F238E27FC236}">
+                <a16:creationId xmlns:a16="http://schemas.microsoft.com/office/drawing/2014/main" id="{5171B872-4C15-44FC-BF0D-784613CBF443}"/>
+              </a:ext>
+            </a:extLst>
+          </p:cNvPr>
+          <p:cNvPicPr>
+            <a:picLocks noChangeAspect="1"/>
+          </p:cNvPicPr>
+          <p:nvPr/>
+        </p:nvPicPr>
+        <p:blipFill>
+          <a:blip r:embed="rId4"/>
+          <a:stretch>
+            <a:fillRect/>
+          </a:stretch>
+        </p:blipFill>
+        <p:spPr>
+          <a:xfrm>
+            <a:off x="8422998" y="1589906"/>
+            <a:ext cx="2417280" cy="4288722"/>
+          </a:xfrm>
+          <a:prstGeom prst="rect">
+            <a:avLst/>
+          </a:prstGeom>
+        </p:spPr>
+      </p:pic>
+      <p:pic>
+        <p:nvPicPr>
+          <p:cNvPr id="7" name="Imagem 6">
+            <a:extLst>
+              <a:ext uri="{FF2B5EF4-FFF2-40B4-BE49-F238E27FC236}">
+                <a16:creationId xmlns:a16="http://schemas.microsoft.com/office/drawing/2014/main" id="{42901CFB-B0AF-47E1-8297-EF8445AB3BD8}"/>
+              </a:ext>
+            </a:extLst>
+          </p:cNvPr>
+          <p:cNvPicPr>
+            <a:picLocks noChangeAspect="1"/>
+          </p:cNvPicPr>
+          <p:nvPr/>
+        </p:nvPicPr>
+        <p:blipFill>
+          <a:blip r:embed="rId5" cstate="print">
             <a:extLst>
               <a:ext uri="{28A0092B-C50C-407E-A947-70E740481C1C}">
                 <a14:useLocalDpi xmlns:a14="http://schemas.microsoft.com/office/drawing/2010/main" val="0"/>
@@ -6662,86 +6449,7 @@
         </p:blipFill>
         <p:spPr>
           <a:xfrm>
-            <a:off x="602012" y="2200363"/>
-            <a:ext cx="3637860" cy="3637860"/>
-          </a:xfrm>
-          <a:prstGeom prst="rect">
-            <a:avLst/>
-          </a:prstGeom>
-        </p:spPr>
-      </p:pic>
-      <p:sp>
-        <p:nvSpPr>
-          <p:cNvPr id="11" name="CaixaDeTexto 10">
-            <a:extLst>
-              <a:ext uri="{FF2B5EF4-FFF2-40B4-BE49-F238E27FC236}">
-                <a16:creationId xmlns:a16="http://schemas.microsoft.com/office/drawing/2014/main" id="{CEAF9B2C-09A5-4433-9C68-5D57696F1A53}"/>
-              </a:ext>
-            </a:extLst>
-          </p:cNvPr>
-          <p:cNvSpPr txBox="1"/>
-          <p:nvPr/>
-        </p:nvSpPr>
-        <p:spPr>
-          <a:xfrm>
-            <a:off x="4239871" y="2593010"/>
-            <a:ext cx="4288225" cy="461665"/>
-          </a:xfrm>
-          <a:prstGeom prst="rect">
-            <a:avLst/>
-          </a:prstGeom>
-          <a:noFill/>
-        </p:spPr>
-        <p:txBody>
-          <a:bodyPr wrap="none" rtlCol="0">
-            <a:spAutoFit/>
-          </a:bodyPr>
-          <a:lstStyle/>
-          <a:p>
-            <a:r>
-              <a:rPr lang="pt-BR" sz="2400" dirty="0">
-                <a:solidFill>
-                  <a:schemeClr val="tx1">
-                    <a:lumMod val="75000"/>
-                    <a:lumOff val="25000"/>
-                  </a:schemeClr>
-                </a:solidFill>
-                <a:latin typeface="Lemon/Milk light" panose="020B0303050302020204" pitchFamily="34" charset="0"/>
-              </a:rPr>
-              <a:t>Requisitos que você tenha</a:t>
-            </a:r>
-          </a:p>
-        </p:txBody>
-      </p:sp>
-      <p:pic>
-        <p:nvPicPr>
-          <p:cNvPr id="12" name="Imagem 11">
-            <a:extLst>
-              <a:ext uri="{FF2B5EF4-FFF2-40B4-BE49-F238E27FC236}">
-                <a16:creationId xmlns:a16="http://schemas.microsoft.com/office/drawing/2014/main" id="{538ACAAA-F6FB-4DFF-A8C8-539D9C7AE354}"/>
-              </a:ext>
-            </a:extLst>
-          </p:cNvPr>
-          <p:cNvPicPr>
-            <a:picLocks noChangeAspect="1"/>
-          </p:cNvPicPr>
-          <p:nvPr/>
-        </p:nvPicPr>
-        <p:blipFill>
-          <a:blip r:embed="rId4" cstate="print">
-            <a:extLst>
-              <a:ext uri="{28A0092B-C50C-407E-A947-70E740481C1C}">
-                <a14:useLocalDpi xmlns:a14="http://schemas.microsoft.com/office/drawing/2010/main" val="0"/>
-              </a:ext>
-            </a:extLst>
-          </a:blip>
-          <a:stretch>
-            <a:fillRect/>
-          </a:stretch>
-        </p:blipFill>
-        <p:spPr>
-          <a:xfrm>
-            <a:off x="3817247" y="2718957"/>
+            <a:off x="7452786" y="3579827"/>
             <a:ext cx="209773" cy="209773"/>
           </a:xfrm>
           <a:prstGeom prst="rect">
@@ -6749,168 +6457,10 @@
           </a:prstGeom>
         </p:spPr>
       </p:pic>
-      <p:pic>
-        <p:nvPicPr>
-          <p:cNvPr id="13" name="Imagem 12">
-            <a:extLst>
-              <a:ext uri="{FF2B5EF4-FFF2-40B4-BE49-F238E27FC236}">
-                <a16:creationId xmlns:a16="http://schemas.microsoft.com/office/drawing/2014/main" id="{486DDAA9-F8F2-45AA-93EB-C84BD18B5485}"/>
-              </a:ext>
-            </a:extLst>
-          </p:cNvPr>
-          <p:cNvPicPr>
-            <a:picLocks noChangeAspect="1"/>
-          </p:cNvPicPr>
-          <p:nvPr/>
-        </p:nvPicPr>
-        <p:blipFill>
-          <a:blip r:embed="rId4" cstate="print">
-            <a:extLst>
-              <a:ext uri="{28A0092B-C50C-407E-A947-70E740481C1C}">
-                <a14:useLocalDpi xmlns:a14="http://schemas.microsoft.com/office/drawing/2010/main" val="0"/>
-              </a:ext>
-            </a:extLst>
-          </a:blip>
-          <a:stretch>
-            <a:fillRect/>
-          </a:stretch>
-        </p:blipFill>
-        <p:spPr>
-          <a:xfrm>
-            <a:off x="3817246" y="3716803"/>
-            <a:ext cx="209773" cy="209773"/>
-          </a:xfrm>
-          <a:prstGeom prst="rect">
-            <a:avLst/>
-          </a:prstGeom>
-        </p:spPr>
-      </p:pic>
-      <p:pic>
-        <p:nvPicPr>
-          <p:cNvPr id="14" name="Imagem 13">
-            <a:extLst>
-              <a:ext uri="{FF2B5EF4-FFF2-40B4-BE49-F238E27FC236}">
-                <a16:creationId xmlns:a16="http://schemas.microsoft.com/office/drawing/2014/main" id="{417953C2-D473-4430-AE27-5324BBFB57FF}"/>
-              </a:ext>
-            </a:extLst>
-          </p:cNvPr>
-          <p:cNvPicPr>
-            <a:picLocks noChangeAspect="1"/>
-          </p:cNvPicPr>
-          <p:nvPr/>
-        </p:nvPicPr>
-        <p:blipFill>
-          <a:blip r:embed="rId4" cstate="print">
-            <a:extLst>
-              <a:ext uri="{28A0092B-C50C-407E-A947-70E740481C1C}">
-                <a14:useLocalDpi xmlns:a14="http://schemas.microsoft.com/office/drawing/2010/main" val="0"/>
-              </a:ext>
-            </a:extLst>
-          </a:blip>
-          <a:stretch>
-            <a:fillRect/>
-          </a:stretch>
-        </p:blipFill>
-        <p:spPr>
-          <a:xfrm>
-            <a:off x="3817246" y="4714649"/>
-            <a:ext cx="209773" cy="209773"/>
-          </a:xfrm>
-          <a:prstGeom prst="rect">
-            <a:avLst/>
-          </a:prstGeom>
-        </p:spPr>
-      </p:pic>
-      <p:sp>
-        <p:nvSpPr>
-          <p:cNvPr id="15" name="CaixaDeTexto 14">
-            <a:extLst>
-              <a:ext uri="{FF2B5EF4-FFF2-40B4-BE49-F238E27FC236}">
-                <a16:creationId xmlns:a16="http://schemas.microsoft.com/office/drawing/2014/main" id="{A83C456C-EC88-4194-B909-D492130C9C63}"/>
-              </a:ext>
-            </a:extLst>
-          </p:cNvPr>
-          <p:cNvSpPr txBox="1"/>
-          <p:nvPr/>
-        </p:nvSpPr>
-        <p:spPr>
-          <a:xfrm>
-            <a:off x="4239871" y="3590856"/>
-            <a:ext cx="4782399" cy="461665"/>
-          </a:xfrm>
-          <a:prstGeom prst="rect">
-            <a:avLst/>
-          </a:prstGeom>
-          <a:noFill/>
-        </p:spPr>
-        <p:txBody>
-          <a:bodyPr wrap="none" rtlCol="0">
-            <a:spAutoFit/>
-          </a:bodyPr>
-          <a:lstStyle/>
-          <a:p>
-            <a:r>
-              <a:rPr lang="pt-BR" sz="2400" dirty="0">
-                <a:solidFill>
-                  <a:schemeClr val="tx1">
-                    <a:lumMod val="75000"/>
-                    <a:lumOff val="25000"/>
-                  </a:schemeClr>
-                </a:solidFill>
-                <a:latin typeface="Lemon/Milk light" panose="020B0303050302020204" pitchFamily="34" charset="0"/>
-              </a:rPr>
-              <a:t>Relacionado com o seu perfil</a:t>
-            </a:r>
-          </a:p>
-        </p:txBody>
-      </p:sp>
-      <p:sp>
-        <p:nvSpPr>
-          <p:cNvPr id="16" name="CaixaDeTexto 15">
-            <a:extLst>
-              <a:ext uri="{FF2B5EF4-FFF2-40B4-BE49-F238E27FC236}">
-                <a16:creationId xmlns:a16="http://schemas.microsoft.com/office/drawing/2014/main" id="{2991DFE1-558C-4742-8480-1337550F9EEF}"/>
-              </a:ext>
-            </a:extLst>
-          </p:cNvPr>
-          <p:cNvSpPr txBox="1"/>
-          <p:nvPr/>
-        </p:nvSpPr>
-        <p:spPr>
-          <a:xfrm>
-            <a:off x="4239871" y="4588702"/>
-            <a:ext cx="2965427" cy="461665"/>
-          </a:xfrm>
-          <a:prstGeom prst="rect">
-            <a:avLst/>
-          </a:prstGeom>
-          <a:noFill/>
-        </p:spPr>
-        <p:txBody>
-          <a:bodyPr wrap="none" rtlCol="0">
-            <a:spAutoFit/>
-          </a:bodyPr>
-          <a:lstStyle/>
-          <a:p>
-            <a:r>
-              <a:rPr lang="pt-BR" sz="2400" dirty="0">
-                <a:solidFill>
-                  <a:schemeClr val="tx1">
-                    <a:lumMod val="75000"/>
-                    <a:lumOff val="25000"/>
-                  </a:schemeClr>
-                </a:solidFill>
-                <a:latin typeface="Lemon/Milk light" panose="020B0303050302020204" pitchFamily="34" charset="0"/>
-              </a:rPr>
-              <a:t>Perto da sua casa</a:t>
-            </a:r>
-          </a:p>
-        </p:txBody>
-      </p:sp>
     </p:spTree>
     <p:extLst>
       <p:ext uri="{BB962C8B-B14F-4D97-AF65-F5344CB8AC3E}">
-        <p14:creationId xmlns:p14="http://schemas.microsoft.com/office/powerpoint/2010/main" val="740577820"/>
+        <p14:creationId xmlns:p14="http://schemas.microsoft.com/office/powerpoint/2010/main" val="3022064786"/>
       </p:ext>
     </p:extLst>
   </p:cSld>
@@ -6963,178 +6513,7 @@
                                           </p:stCondLst>
                                         </p:cTn>
                                         <p:tgtEl>
-                                          <p:spTgt spid="12"/>
-                                        </p:tgtEl>
-                                        <p:attrNameLst>
-                                          <p:attrName>style.visibility</p:attrName>
-                                        </p:attrNameLst>
-                                      </p:cBhvr>
-                                      <p:to>
-                                        <p:strVal val="visible"/>
-                                      </p:to>
-                                    </p:set>
-                                  </p:childTnLst>
-                                </p:cTn>
-                              </p:par>
-                              <p:par>
-                                <p:cTn id="7" presetID="1" presetClass="entr" presetSubtype="0" fill="hold" grpId="0" nodeType="withEffect">
-                                  <p:stCondLst>
-                                    <p:cond delay="0"/>
-                                  </p:stCondLst>
-                                  <p:childTnLst>
-                                    <p:set>
-                                      <p:cBhvr>
-                                        <p:cTn id="8" dur="1" fill="hold">
-                                          <p:stCondLst>
-                                            <p:cond delay="0"/>
-                                          </p:stCondLst>
-                                        </p:cTn>
-                                        <p:tgtEl>
-                                          <p:spTgt spid="11"/>
-                                        </p:tgtEl>
-                                        <p:attrNameLst>
-                                          <p:attrName>style.visibility</p:attrName>
-                                        </p:attrNameLst>
-                                      </p:cBhvr>
-                                      <p:to>
-                                        <p:strVal val="visible"/>
-                                      </p:to>
-                                    </p:set>
-                                  </p:childTnLst>
-                                </p:cTn>
-                              </p:par>
-                            </p:childTnLst>
-                          </p:cTn>
-                        </p:par>
-                      </p:childTnLst>
-                    </p:cTn>
-                  </p:par>
-                  <p:par>
-                    <p:cTn id="9" fill="hold">
-                      <p:stCondLst>
-                        <p:cond delay="indefinite"/>
-                      </p:stCondLst>
-                      <p:childTnLst>
-                        <p:par>
-                          <p:cTn id="10" fill="hold">
-                            <p:stCondLst>
-                              <p:cond delay="0"/>
-                            </p:stCondLst>
-                            <p:childTnLst>
-                              <p:par>
-                                <p:cTn id="11" presetID="1" presetClass="entr" presetSubtype="0" fill="hold" nodeType="clickEffect">
-                                  <p:stCondLst>
-                                    <p:cond delay="0"/>
-                                  </p:stCondLst>
-                                  <p:childTnLst>
-                                    <p:set>
-                                      <p:cBhvr>
-                                        <p:cTn id="12" dur="1" fill="hold">
-                                          <p:stCondLst>
-                                            <p:cond delay="0"/>
-                                          </p:stCondLst>
-                                        </p:cTn>
-                                        <p:tgtEl>
-                                          <p:spTgt spid="13"/>
-                                        </p:tgtEl>
-                                        <p:attrNameLst>
-                                          <p:attrName>style.visibility</p:attrName>
-                                        </p:attrNameLst>
-                                      </p:cBhvr>
-                                      <p:to>
-                                        <p:strVal val="visible"/>
-                                      </p:to>
-                                    </p:set>
-                                  </p:childTnLst>
-                                </p:cTn>
-                              </p:par>
-                              <p:par>
-                                <p:cTn id="13" presetID="1" presetClass="entr" presetSubtype="0" fill="hold" grpId="0" nodeType="withEffect">
-                                  <p:stCondLst>
-                                    <p:cond delay="0"/>
-                                  </p:stCondLst>
-                                  <p:childTnLst>
-                                    <p:set>
-                                      <p:cBhvr>
-                                        <p:cTn id="14" dur="1" fill="hold">
-                                          <p:stCondLst>
-                                            <p:cond delay="0"/>
-                                          </p:stCondLst>
-                                        </p:cTn>
-                                        <p:tgtEl>
-                                          <p:spTgt spid="15"/>
-                                        </p:tgtEl>
-                                        <p:attrNameLst>
-                                          <p:attrName>style.visibility</p:attrName>
-                                        </p:attrNameLst>
-                                      </p:cBhvr>
-                                      <p:to>
-                                        <p:strVal val="visible"/>
-                                      </p:to>
-                                    </p:set>
-                                  </p:childTnLst>
-                                </p:cTn>
-                              </p:par>
-                            </p:childTnLst>
-                          </p:cTn>
-                        </p:par>
-                      </p:childTnLst>
-                    </p:cTn>
-                  </p:par>
-                  <p:par>
-                    <p:cTn id="15" fill="hold">
-                      <p:stCondLst>
-                        <p:cond delay="indefinite"/>
-                      </p:stCondLst>
-                      <p:childTnLst>
-                        <p:par>
-                          <p:cTn id="16" fill="hold">
-                            <p:stCondLst>
-                              <p:cond delay="0"/>
-                            </p:stCondLst>
-                            <p:childTnLst>
-                              <p:par>
-                                <p:cTn id="17" presetID="1" presetClass="entr" presetSubtype="0" fill="hold" nodeType="clickEffect">
-                                  <p:stCondLst>
-                                    <p:cond delay="0"/>
-                                  </p:stCondLst>
-                                  <p:childTnLst>
-                                    <p:set>
-                                      <p:cBhvr>
-                                        <p:cTn id="18" dur="1" fill="hold">
-                                          <p:stCondLst>
-                                            <p:cond delay="0"/>
-                                          </p:stCondLst>
-                                        </p:cTn>
-                                        <p:tgtEl>
-                                          <p:spTgt spid="14"/>
-                                        </p:tgtEl>
-                                        <p:attrNameLst>
-                                          <p:attrName>style.visibility</p:attrName>
-                                        </p:attrNameLst>
-                                      </p:cBhvr>
-                                      <p:to>
-                                        <p:strVal val="visible"/>
-                                      </p:to>
-                                    </p:set>
-                                  </p:childTnLst>
-                                </p:cTn>
-                              </p:par>
-                              <p:par>
-                                <p:cTn id="19" presetID="1" presetClass="entr" presetSubtype="0" fill="hold" grpId="0" nodeType="withEffect">
-                                  <p:stCondLst>
-                                    <p:cond delay="0"/>
-                                  </p:stCondLst>
-                                  <p:childTnLst>
-                                    <p:set>
-                                      <p:cBhvr>
-                                        <p:cTn id="20" dur="1" fill="hold">
-                                          <p:stCondLst>
-                                            <p:cond delay="0"/>
-                                          </p:stCondLst>
-                                        </p:cTn>
-                                        <p:tgtEl>
-                                          <p:spTgt spid="16"/>
+                                          <p:spTgt spid="7"/>
                                         </p:tgtEl>
                                         <p:attrNameLst>
                                           <p:attrName>style.visibility</p:attrName>
@@ -7174,16 +6553,11 @@
         </p:cTn>
       </p:par>
     </p:tnLst>
-    <p:bldLst>
-      <p:bldP spid="11" grpId="0"/>
-      <p:bldP spid="15" grpId="0"/>
-      <p:bldP spid="16" grpId="0"/>
-    </p:bldLst>
   </p:timing>
 </p:sld>
 </file>
 
-<file path=ppt/slides/slide6.xml><?xml version="1.0" encoding="utf-8"?>
+<file path=ppt/slides/slide5.xml><?xml version="1.0" encoding="utf-8"?>
 <p:sld xmlns:a="http://schemas.openxmlformats.org/drawingml/2006/main" xmlns:r="http://schemas.openxmlformats.org/officeDocument/2006/relationships" xmlns:p="http://schemas.openxmlformats.org/presentationml/2006/main">
   <p:cSld>
     <p:spTree>
@@ -7238,7 +6612,7 @@
                 <a:latin typeface="Agency FB" panose="020B0503020202020204" pitchFamily="34" charset="0"/>
                 <a:ea typeface="Batang" panose="02030600000101010101" pitchFamily="18" charset="-127"/>
               </a:rPr>
-              <a:t>CONCORRÊNCIA</a:t>
+              <a:t>MONETIZAÇÃO</a:t>
             </a:r>
           </a:p>
         </p:txBody>
@@ -7342,40 +6716,10 @@
           </a:p>
         </p:txBody>
       </p:sp>
-      <p:pic>
-        <p:nvPicPr>
-          <p:cNvPr id="2" name="Imagem 1">
-            <a:extLst>
-              <a:ext uri="{FF2B5EF4-FFF2-40B4-BE49-F238E27FC236}">
-                <a16:creationId xmlns:a16="http://schemas.microsoft.com/office/drawing/2014/main" id="{835F4F90-4E83-467F-9520-3373894190EB}"/>
-              </a:ext>
-            </a:extLst>
-          </p:cNvPr>
-          <p:cNvPicPr>
-            <a:picLocks noChangeAspect="1"/>
-          </p:cNvPicPr>
-          <p:nvPr/>
-        </p:nvPicPr>
-        <p:blipFill>
-          <a:blip r:embed="rId3"/>
-          <a:stretch>
-            <a:fillRect/>
-          </a:stretch>
-        </p:blipFill>
-        <p:spPr>
-          <a:xfrm>
-            <a:off x="602012" y="1929375"/>
-            <a:ext cx="5346887" cy="3678188"/>
-          </a:xfrm>
-          <a:prstGeom prst="rect">
-            <a:avLst/>
-          </a:prstGeom>
-        </p:spPr>
-      </p:pic>
     </p:spTree>
     <p:extLst>
       <p:ext uri="{BB962C8B-B14F-4D97-AF65-F5344CB8AC3E}">
-        <p14:creationId xmlns:p14="http://schemas.microsoft.com/office/powerpoint/2010/main" val="3022064786"/>
+        <p14:creationId xmlns:p14="http://schemas.microsoft.com/office/powerpoint/2010/main" val="941697809"/>
       </p:ext>
     </p:extLst>
   </p:cSld>
@@ -7397,227 +6741,7 @@
 </p:sld>
 </file>
 
-<file path=ppt/slides/slide7.xml><?xml version="1.0" encoding="utf-8"?>
-<p:sld xmlns:a="http://schemas.openxmlformats.org/drawingml/2006/main" xmlns:r="http://schemas.openxmlformats.org/officeDocument/2006/relationships" xmlns:p="http://schemas.openxmlformats.org/presentationml/2006/main">
-  <p:cSld>
-    <p:spTree>
-      <p:nvGrpSpPr>
-        <p:cNvPr id="1" name=""/>
-        <p:cNvGrpSpPr/>
-        <p:nvPr/>
-      </p:nvGrpSpPr>
-      <p:grpSpPr>
-        <a:xfrm>
-          <a:off x="0" y="0"/>
-          <a:ext cx="0" cy="0"/>
-          <a:chOff x="0" y="0"/>
-          <a:chExt cx="0" cy="0"/>
-        </a:xfrm>
-      </p:grpSpPr>
-      <p:sp>
-        <p:nvSpPr>
-          <p:cNvPr id="4" name="CaixaDeTexto 3">
-            <a:extLst>
-              <a:ext uri="{FF2B5EF4-FFF2-40B4-BE49-F238E27FC236}">
-                <a16:creationId xmlns:a16="http://schemas.microsoft.com/office/drawing/2014/main" id="{39489834-BD31-45E8-B1B6-9AA3E64A460A}"/>
-              </a:ext>
-            </a:extLst>
-          </p:cNvPr>
-          <p:cNvSpPr txBox="1"/>
-          <p:nvPr/>
-        </p:nvSpPr>
-        <p:spPr>
-          <a:xfrm>
-            <a:off x="512561" y="406800"/>
-            <a:ext cx="4315360" cy="461665"/>
-          </a:xfrm>
-          <a:prstGeom prst="rect">
-            <a:avLst/>
-          </a:prstGeom>
-          <a:noFill/>
-        </p:spPr>
-        <p:txBody>
-          <a:bodyPr wrap="square" rtlCol="0">
-            <a:spAutoFit/>
-          </a:bodyPr>
-          <a:lstStyle/>
-          <a:p>
-            <a:r>
-              <a:rPr lang="pt-BR" sz="2400" spc="600" dirty="0">
-                <a:solidFill>
-                  <a:schemeClr val="bg1">
-                    <a:lumMod val="65000"/>
-                  </a:schemeClr>
-                </a:solidFill>
-                <a:latin typeface="Agency FB" panose="020B0503020202020204" pitchFamily="34" charset="0"/>
-                <a:ea typeface="Batang" panose="02030600000101010101" pitchFamily="18" charset="-127"/>
-              </a:rPr>
-              <a:t>CONCORRÊNCIA</a:t>
-            </a:r>
-          </a:p>
-        </p:txBody>
-      </p:sp>
-      <p:pic>
-        <p:nvPicPr>
-          <p:cNvPr id="5" name="Imagem 4">
-            <a:extLst>
-              <a:ext uri="{FF2B5EF4-FFF2-40B4-BE49-F238E27FC236}">
-                <a16:creationId xmlns:a16="http://schemas.microsoft.com/office/drawing/2014/main" id="{BB0A6787-3AD8-46A0-920A-BEC272CD647C}"/>
-              </a:ext>
-            </a:extLst>
-          </p:cNvPr>
-          <p:cNvPicPr>
-            <a:picLocks noChangeAspect="1"/>
-          </p:cNvPicPr>
-          <p:nvPr/>
-        </p:nvPicPr>
-        <p:blipFill>
-          <a:blip r:embed="rId2" cstate="print">
-            <a:extLst>
-              <a:ext uri="{28A0092B-C50C-407E-A947-70E740481C1C}">
-                <a14:useLocalDpi xmlns:a14="http://schemas.microsoft.com/office/drawing/2010/main" val="0"/>
-              </a:ext>
-            </a:extLst>
-          </a:blip>
-          <a:stretch>
-            <a:fillRect/>
-          </a:stretch>
-        </p:blipFill>
-        <p:spPr>
-          <a:xfrm>
-            <a:off x="11703860" y="6391392"/>
-            <a:ext cx="366488" cy="366488"/>
-          </a:xfrm>
-          <a:prstGeom prst="rect">
-            <a:avLst/>
-          </a:prstGeom>
-        </p:spPr>
-      </p:pic>
-      <p:sp>
-        <p:nvSpPr>
-          <p:cNvPr id="6" name="Arredondar Retângulo em um Canto Diagonal 53">
-            <a:extLst>
-              <a:ext uri="{FF2B5EF4-FFF2-40B4-BE49-F238E27FC236}">
-                <a16:creationId xmlns:a16="http://schemas.microsoft.com/office/drawing/2014/main" id="{737288A4-C4D9-42D1-AFEE-69604EB63A24}"/>
-              </a:ext>
-            </a:extLst>
-          </p:cNvPr>
-          <p:cNvSpPr/>
-          <p:nvPr/>
-        </p:nvSpPr>
-        <p:spPr>
-          <a:xfrm flipV="1">
-            <a:off x="602012" y="1019777"/>
-            <a:ext cx="10808110" cy="36000"/>
-          </a:xfrm>
-          <a:prstGeom prst="round2DiagRect">
-            <a:avLst/>
-          </a:prstGeom>
-          <a:gradFill flip="none" rotWithShape="1">
-            <a:gsLst>
-              <a:gs pos="0">
-                <a:srgbClr val="6C5CE7"/>
-              </a:gs>
-              <a:gs pos="100000">
-                <a:srgbClr val="81ECEC"/>
-              </a:gs>
-            </a:gsLst>
-            <a:path path="circle">
-              <a:fillToRect l="100000" t="100000"/>
-            </a:path>
-            <a:tileRect r="-100000" b="-100000"/>
-          </a:gradFill>
-          <a:ln>
-            <a:noFill/>
-          </a:ln>
-        </p:spPr>
-        <p:style>
-          <a:lnRef idx="2">
-            <a:schemeClr val="accent1">
-              <a:shade val="50000"/>
-            </a:schemeClr>
-          </a:lnRef>
-          <a:fillRef idx="1">
-            <a:schemeClr val="accent1"/>
-          </a:fillRef>
-          <a:effectRef idx="0">
-            <a:schemeClr val="accent1"/>
-          </a:effectRef>
-          <a:fontRef idx="minor">
-            <a:schemeClr val="lt1"/>
-          </a:fontRef>
-        </p:style>
-        <p:txBody>
-          <a:bodyPr rtlCol="0" anchor="ctr"/>
-          <a:lstStyle/>
-          <a:p>
-            <a:pPr algn="ctr"/>
-            <a:endParaRPr lang="pt-BR" dirty="0"/>
-          </a:p>
-        </p:txBody>
-      </p:sp>
-      <p:pic>
-        <p:nvPicPr>
-          <p:cNvPr id="7" name="Imagem 6" descr="Tela de computador com texto preto sobre fundo branco&#10;&#10;Descrição gerada automaticamente">
-            <a:extLst>
-              <a:ext uri="{FF2B5EF4-FFF2-40B4-BE49-F238E27FC236}">
-                <a16:creationId xmlns:a16="http://schemas.microsoft.com/office/drawing/2014/main" id="{87397CD0-0397-4E06-BBBC-24ADA3296C28}"/>
-              </a:ext>
-            </a:extLst>
-          </p:cNvPr>
-          <p:cNvPicPr>
-            <a:picLocks noChangeAspect="1"/>
-          </p:cNvPicPr>
-          <p:nvPr/>
-        </p:nvPicPr>
-        <p:blipFill>
-          <a:blip r:embed="rId3">
-            <a:extLst>
-              <a:ext uri="{28A0092B-C50C-407E-A947-70E740481C1C}">
-                <a14:useLocalDpi xmlns:a14="http://schemas.microsoft.com/office/drawing/2010/main" val="0"/>
-              </a:ext>
-            </a:extLst>
-          </a:blip>
-          <a:stretch>
-            <a:fillRect/>
-          </a:stretch>
-        </p:blipFill>
-        <p:spPr>
-          <a:xfrm>
-            <a:off x="2544417" y="1207089"/>
-            <a:ext cx="7103165" cy="5327373"/>
-          </a:xfrm>
-          <a:prstGeom prst="rect">
-            <a:avLst/>
-          </a:prstGeom>
-        </p:spPr>
-      </p:pic>
-    </p:spTree>
-    <p:extLst>
-      <p:ext uri="{BB962C8B-B14F-4D97-AF65-F5344CB8AC3E}">
-        <p14:creationId xmlns:p14="http://schemas.microsoft.com/office/powerpoint/2010/main" val="2082824830"/>
-      </p:ext>
-    </p:extLst>
-  </p:cSld>
-  <p:clrMapOvr>
-    <a:masterClrMapping/>
-  </p:clrMapOvr>
-  <mc:AlternateContent xmlns:mc="http://schemas.openxmlformats.org/markup-compatibility/2006" xmlns:p159="http://schemas.microsoft.com/office/powerpoint/2015/09/main">
-    <mc:Choice Requires="p159">
-      <p:transition xmlns:p14="http://schemas.microsoft.com/office/powerpoint/2010/main" spd="slow" p14:dur="2000">
-        <p159:morph option="byObject"/>
-      </p:transition>
-    </mc:Choice>
-    <mc:Fallback xmlns="">
-      <p:transition spd="slow">
-        <p:fade/>
-      </p:transition>
-    </mc:Fallback>
-  </mc:AlternateContent>
-</p:sld>
-</file>
-
-<file path=ppt/slides/slide8.xml><?xml version="1.0" encoding="utf-8"?>
+<file path=ppt/slides/slide6.xml><?xml version="1.0" encoding="utf-8"?>
 <p:sld xmlns:a="http://schemas.openxmlformats.org/drawingml/2006/main" xmlns:r="http://schemas.openxmlformats.org/officeDocument/2006/relationships" xmlns:p="http://schemas.openxmlformats.org/presentationml/2006/main">
   <p:cSld>
     <p:bg>

--- a/pitch/pitch-next.pptx
+++ b/pitch/pitch-next.pptx
@@ -6,19 +6,21 @@
   </p:sldMasterIdLst>
   <p:sldIdLst>
     <p:sldId id="342" r:id="rId2"/>
-    <p:sldId id="354" r:id="rId3"/>
-    <p:sldId id="352" r:id="rId4"/>
-    <p:sldId id="356" r:id="rId5"/>
-    <p:sldId id="361" r:id="rId6"/>
-    <p:sldId id="358" r:id="rId7"/>
-    <p:sldId id="359" r:id="rId8"/>
-    <p:sldId id="360" r:id="rId9"/>
-    <p:sldId id="357" r:id="rId10"/>
+    <p:sldId id="366" r:id="rId3"/>
+    <p:sldId id="354" r:id="rId4"/>
+    <p:sldId id="352" r:id="rId5"/>
+    <p:sldId id="356" r:id="rId6"/>
+    <p:sldId id="361" r:id="rId7"/>
+    <p:sldId id="358" r:id="rId8"/>
+    <p:sldId id="359" r:id="rId9"/>
+    <p:sldId id="360" r:id="rId10"/>
     <p:sldId id="351" r:id="rId11"/>
     <p:sldId id="355" r:id="rId12"/>
-    <p:sldId id="340" r:id="rId13"/>
-    <p:sldId id="353" r:id="rId14"/>
-    <p:sldId id="347" r:id="rId15"/>
+    <p:sldId id="362" r:id="rId13"/>
+    <p:sldId id="364" r:id="rId14"/>
+    <p:sldId id="340" r:id="rId15"/>
+    <p:sldId id="365" r:id="rId16"/>
+    <p:sldId id="347" r:id="rId17"/>
   </p:sldIdLst>
   <p:sldSz cx="12192000" cy="6858000"/>
   <p:notesSz cx="6858000" cy="9144000"/>
@@ -259,6 +261,11 @@
                 </a:contourClr>
               </a:sp3d>
             </c:spPr>
+            <c:extLst>
+              <c:ext xmlns:c16="http://schemas.microsoft.com/office/drawing/2014/chart" uri="{C3380CC4-5D6E-409C-BE32-E72D297353CC}">
+                <c16:uniqueId val="{00000001-6BAA-424B-B0B6-50B981A8F76A}"/>
+              </c:ext>
+            </c:extLst>
           </c:dPt>
           <c:dPt>
             <c:idx val="1"/>
@@ -282,6 +289,11 @@
                 </a:contourClr>
               </a:sp3d>
             </c:spPr>
+            <c:extLst>
+              <c:ext xmlns:c16="http://schemas.microsoft.com/office/drawing/2014/chart" uri="{C3380CC4-5D6E-409C-BE32-E72D297353CC}">
+                <c16:uniqueId val="{00000003-6BAA-424B-B0B6-50B981A8F76A}"/>
+              </c:ext>
+            </c:extLst>
           </c:dPt>
           <c:dLbls>
             <c:spPr>
@@ -422,6 +434,656 @@
         </a:p>
       </c:txPr>
     </c:legend>
+    <c:plotVisOnly val="1"/>
+    <c:dispBlanksAs val="gap"/>
+    <c:extLst>
+      <c:ext xmlns:c16r3="http://schemas.microsoft.com/office/drawing/2017/03/chart" uri="{56B9EC1D-385E-4148-901F-78D8002777C0}">
+        <c16r3:dataDisplayOptions16>
+          <c16r3:dispNaAsBlank val="1"/>
+        </c16r3:dataDisplayOptions16>
+      </c:ext>
+    </c:extLst>
+    <c:showDLblsOverMax val="0"/>
+  </c:chart>
+  <c:spPr>
+    <a:noFill/>
+    <a:ln>
+      <a:noFill/>
+    </a:ln>
+    <a:effectLst/>
+  </c:spPr>
+  <c:txPr>
+    <a:bodyPr/>
+    <a:lstStyle/>
+    <a:p>
+      <a:pPr>
+        <a:defRPr/>
+      </a:pPr>
+      <a:endParaRPr lang="pt-BR"/>
+    </a:p>
+  </c:txPr>
+  <c:externalData r:id="rId3">
+    <c:autoUpdate val="0"/>
+  </c:externalData>
+</c:chartSpace>
+</file>
+
+<file path=ppt/charts/chart10.xml><?xml version="1.0" encoding="utf-8"?>
+<c:chartSpace xmlns:c="http://schemas.openxmlformats.org/drawingml/2006/chart" xmlns:a="http://schemas.openxmlformats.org/drawingml/2006/main" xmlns:r="http://schemas.openxmlformats.org/officeDocument/2006/relationships" xmlns:c16r2="http://schemas.microsoft.com/office/drawing/2015/06/chart">
+  <c:date1904 val="0"/>
+  <c:lang val="pt-BR"/>
+  <c:roundedCorners val="0"/>
+  <mc:AlternateContent xmlns:mc="http://schemas.openxmlformats.org/markup-compatibility/2006">
+    <mc:Choice xmlns:c14="http://schemas.microsoft.com/office/drawing/2007/8/2/chart" Requires="c14">
+      <c14:style val="103"/>
+    </mc:Choice>
+    <mc:Fallback>
+      <c:style val="3"/>
+    </mc:Fallback>
+  </mc:AlternateContent>
+  <c:chart>
+    <c:autoTitleDeleted val="1"/>
+    <c:plotArea>
+      <c:layout/>
+      <c:barChart>
+        <c:barDir val="col"/>
+        <c:grouping val="clustered"/>
+        <c:varyColors val="0"/>
+        <c:ser>
+          <c:idx val="0"/>
+          <c:order val="0"/>
+          <c:tx>
+            <c:strRef>
+              <c:f>Planilha1!$B$1</c:f>
+              <c:strCache>
+                <c:ptCount val="1"/>
+                <c:pt idx="0">
+                  <c:v>Coluna1</c:v>
+                </c:pt>
+              </c:strCache>
+            </c:strRef>
+          </c:tx>
+          <c:spPr>
+            <a:solidFill>
+              <a:schemeClr val="accent1"/>
+            </a:solidFill>
+            <a:ln>
+              <a:noFill/>
+            </a:ln>
+            <a:effectLst/>
+          </c:spPr>
+          <c:invertIfNegative val="0"/>
+          <c:dLbls>
+            <c:spPr>
+              <a:noFill/>
+              <a:ln>
+                <a:noFill/>
+              </a:ln>
+              <a:effectLst/>
+            </c:spPr>
+            <c:txPr>
+              <a:bodyPr rot="0" spcFirstLastPara="1" vertOverflow="ellipsis" vert="horz" wrap="square" lIns="38100" tIns="19050" rIns="38100" bIns="19050" anchor="ctr" anchorCtr="1">
+                <a:spAutoFit/>
+              </a:bodyPr>
+              <a:lstStyle/>
+              <a:p>
+                <a:pPr>
+                  <a:defRPr sz="1197" b="0" i="0" u="none" strike="noStrike" kern="1200" baseline="0">
+                    <a:solidFill>
+                      <a:schemeClr val="tx1">
+                        <a:lumMod val="75000"/>
+                        <a:lumOff val="25000"/>
+                      </a:schemeClr>
+                    </a:solidFill>
+                    <a:latin typeface="+mn-lt"/>
+                    <a:ea typeface="+mn-ea"/>
+                    <a:cs typeface="+mn-cs"/>
+                  </a:defRPr>
+                </a:pPr>
+                <a:endParaRPr lang="pt-BR"/>
+              </a:p>
+            </c:txPr>
+            <c:dLblPos val="inEnd"/>
+            <c:showLegendKey val="0"/>
+            <c:showVal val="1"/>
+            <c:showCatName val="0"/>
+            <c:showSerName val="0"/>
+            <c:showPercent val="0"/>
+            <c:showBubbleSize val="0"/>
+            <c:showLeaderLines val="0"/>
+            <c:extLst>
+              <c:ext xmlns:c15="http://schemas.microsoft.com/office/drawing/2012/chart" uri="{CE6537A1-D6FC-4f65-9D91-7224C49458BB}">
+                <c15:showLeaderLines val="1"/>
+                <c15:leaderLines>
+                  <c:spPr>
+                    <a:ln w="9525">
+                      <a:solidFill>
+                        <a:schemeClr val="tx1">
+                          <a:lumMod val="35000"/>
+                          <a:lumOff val="65000"/>
+                        </a:schemeClr>
+                      </a:solidFill>
+                    </a:ln>
+                    <a:effectLst/>
+                  </c:spPr>
+                </c15:leaderLines>
+              </c:ext>
+            </c:extLst>
+          </c:dLbls>
+          <c:cat>
+            <c:strRef>
+              <c:f>Planilha1!$A$2:$A$5</c:f>
+              <c:strCache>
+                <c:ptCount val="4"/>
+                <c:pt idx="0">
+                  <c:v>Falta de acessibilidade na empresa</c:v>
+                </c:pt>
+                <c:pt idx="1">
+                  <c:v>Baixa qualificação dos profissionais com deficiência</c:v>
+                </c:pt>
+                <c:pt idx="2">
+                  <c:v>Dificuldade em estabelecer vagas para PCD</c:v>
+                </c:pt>
+                <c:pt idx="3">
+                  <c:v>Falta de banco de currículos</c:v>
+                </c:pt>
+              </c:strCache>
+            </c:strRef>
+          </c:cat>
+          <c:val>
+            <c:numRef>
+              <c:f>Planilha1!$B$2:$B$5</c:f>
+              <c:numCache>
+                <c:formatCode>0%</c:formatCode>
+                <c:ptCount val="4"/>
+                <c:pt idx="0">
+                  <c:v>0.49</c:v>
+                </c:pt>
+                <c:pt idx="1">
+                  <c:v>0.46</c:v>
+                </c:pt>
+                <c:pt idx="2">
+                  <c:v>0.4</c:v>
+                </c:pt>
+                <c:pt idx="3">
+                  <c:v>0.4</c:v>
+                </c:pt>
+              </c:numCache>
+            </c:numRef>
+          </c:val>
+          <c:extLst>
+            <c:ext xmlns:c16="http://schemas.microsoft.com/office/drawing/2014/chart" uri="{C3380CC4-5D6E-409C-BE32-E72D297353CC}">
+              <c16:uniqueId val="{00000000-392D-41EE-A881-50EDF9FA266F}"/>
+            </c:ext>
+          </c:extLst>
+        </c:ser>
+        <c:dLbls>
+          <c:dLblPos val="inEnd"/>
+          <c:showLegendKey val="0"/>
+          <c:showVal val="1"/>
+          <c:showCatName val="0"/>
+          <c:showSerName val="0"/>
+          <c:showPercent val="0"/>
+          <c:showBubbleSize val="0"/>
+        </c:dLbls>
+        <c:gapWidth val="199"/>
+        <c:axId val="378621448"/>
+        <c:axId val="379199832"/>
+      </c:barChart>
+      <c:catAx>
+        <c:axId val="378621448"/>
+        <c:scaling>
+          <c:orientation val="minMax"/>
+        </c:scaling>
+        <c:delete val="0"/>
+        <c:axPos val="b"/>
+        <c:numFmt formatCode="General" sourceLinked="1"/>
+        <c:majorTickMark val="none"/>
+        <c:minorTickMark val="none"/>
+        <c:tickLblPos val="nextTo"/>
+        <c:spPr>
+          <a:noFill/>
+          <a:ln w="9525" cap="flat" cmpd="sng" algn="ctr">
+            <a:solidFill>
+              <a:schemeClr val="tx1">
+                <a:lumMod val="15000"/>
+                <a:lumOff val="85000"/>
+              </a:schemeClr>
+            </a:solidFill>
+            <a:round/>
+          </a:ln>
+          <a:effectLst/>
+        </c:spPr>
+        <c:txPr>
+          <a:bodyPr rot="-60000000" spcFirstLastPara="1" vertOverflow="ellipsis" vert="horz" wrap="square" anchor="ctr" anchorCtr="1"/>
+          <a:lstStyle/>
+          <a:p>
+            <a:pPr>
+              <a:defRPr sz="1197" b="0" i="0" u="none" strike="noStrike" kern="1200" cap="none" spc="0" normalizeH="0" baseline="0">
+                <a:solidFill>
+                  <a:schemeClr val="tx1">
+                    <a:lumMod val="65000"/>
+                    <a:lumOff val="35000"/>
+                  </a:schemeClr>
+                </a:solidFill>
+                <a:latin typeface="+mn-lt"/>
+                <a:ea typeface="+mn-ea"/>
+                <a:cs typeface="+mn-cs"/>
+              </a:defRPr>
+            </a:pPr>
+            <a:endParaRPr lang="pt-BR"/>
+          </a:p>
+        </c:txPr>
+        <c:crossAx val="379199832"/>
+        <c:crosses val="autoZero"/>
+        <c:auto val="1"/>
+        <c:lblAlgn val="ctr"/>
+        <c:lblOffset val="100"/>
+        <c:noMultiLvlLbl val="0"/>
+      </c:catAx>
+      <c:valAx>
+        <c:axId val="379199832"/>
+        <c:scaling>
+          <c:orientation val="minMax"/>
+        </c:scaling>
+        <c:delete val="0"/>
+        <c:axPos val="l"/>
+        <c:majorGridlines>
+          <c:spPr>
+            <a:ln w="9525" cap="flat" cmpd="sng" algn="ctr">
+              <a:solidFill>
+                <a:schemeClr val="tx1">
+                  <a:lumMod val="15000"/>
+                  <a:lumOff val="85000"/>
+                </a:schemeClr>
+              </a:solidFill>
+              <a:round/>
+            </a:ln>
+            <a:effectLst/>
+          </c:spPr>
+        </c:majorGridlines>
+        <c:minorGridlines>
+          <c:spPr>
+            <a:ln w="9525" cap="flat" cmpd="sng" algn="ctr">
+              <a:solidFill>
+                <a:schemeClr val="tx1">
+                  <a:lumMod val="5000"/>
+                  <a:lumOff val="95000"/>
+                </a:schemeClr>
+              </a:solidFill>
+              <a:round/>
+            </a:ln>
+            <a:effectLst/>
+          </c:spPr>
+        </c:minorGridlines>
+        <c:numFmt formatCode="0%" sourceLinked="1"/>
+        <c:majorTickMark val="none"/>
+        <c:minorTickMark val="none"/>
+        <c:tickLblPos val="nextTo"/>
+        <c:spPr>
+          <a:noFill/>
+          <a:ln>
+            <a:noFill/>
+          </a:ln>
+          <a:effectLst/>
+        </c:spPr>
+        <c:txPr>
+          <a:bodyPr rot="-60000000" spcFirstLastPara="1" vertOverflow="ellipsis" vert="horz" wrap="square" anchor="ctr" anchorCtr="1"/>
+          <a:lstStyle/>
+          <a:p>
+            <a:pPr>
+              <a:defRPr sz="1197" b="0" i="0" u="none" strike="noStrike" kern="1200" baseline="0">
+                <a:solidFill>
+                  <a:schemeClr val="tx1">
+                    <a:lumMod val="65000"/>
+                    <a:lumOff val="35000"/>
+                  </a:schemeClr>
+                </a:solidFill>
+                <a:latin typeface="+mn-lt"/>
+                <a:ea typeface="+mn-ea"/>
+                <a:cs typeface="+mn-cs"/>
+              </a:defRPr>
+            </a:pPr>
+            <a:endParaRPr lang="pt-BR"/>
+          </a:p>
+        </c:txPr>
+        <c:crossAx val="378621448"/>
+        <c:crosses val="autoZero"/>
+        <c:crossBetween val="between"/>
+      </c:valAx>
+      <c:spPr>
+        <a:noFill/>
+        <a:ln>
+          <a:noFill/>
+        </a:ln>
+        <a:effectLst/>
+      </c:spPr>
+    </c:plotArea>
+    <c:plotVisOnly val="1"/>
+    <c:dispBlanksAs val="gap"/>
+    <c:extLst>
+      <c:ext xmlns:c16r3="http://schemas.microsoft.com/office/drawing/2017/03/chart" uri="{56B9EC1D-385E-4148-901F-78D8002777C0}">
+        <c16r3:dataDisplayOptions16>
+          <c16r3:dispNaAsBlank val="1"/>
+        </c16r3:dataDisplayOptions16>
+      </c:ext>
+    </c:extLst>
+    <c:showDLblsOverMax val="0"/>
+  </c:chart>
+  <c:spPr>
+    <a:noFill/>
+    <a:ln>
+      <a:noFill/>
+    </a:ln>
+    <a:effectLst/>
+  </c:spPr>
+  <c:txPr>
+    <a:bodyPr/>
+    <a:lstStyle/>
+    <a:p>
+      <a:pPr>
+        <a:defRPr/>
+      </a:pPr>
+      <a:endParaRPr lang="pt-BR"/>
+    </a:p>
+  </c:txPr>
+  <c:externalData r:id="rId3">
+    <c:autoUpdate val="0"/>
+  </c:externalData>
+</c:chartSpace>
+</file>
+
+<file path=ppt/charts/chart11.xml><?xml version="1.0" encoding="utf-8"?>
+<c:chartSpace xmlns:c="http://schemas.openxmlformats.org/drawingml/2006/chart" xmlns:a="http://schemas.openxmlformats.org/drawingml/2006/main" xmlns:r="http://schemas.openxmlformats.org/officeDocument/2006/relationships" xmlns:c16r2="http://schemas.microsoft.com/office/drawing/2015/06/chart">
+  <c:date1904 val="0"/>
+  <c:lang val="pt-BR"/>
+  <c:roundedCorners val="0"/>
+  <mc:AlternateContent xmlns:mc="http://schemas.openxmlformats.org/markup-compatibility/2006">
+    <mc:Choice xmlns:c14="http://schemas.microsoft.com/office/drawing/2007/8/2/chart" Requires="c14">
+      <c14:style val="103"/>
+    </mc:Choice>
+    <mc:Fallback>
+      <c:style val="3"/>
+    </mc:Fallback>
+  </mc:AlternateContent>
+  <c:chart>
+    <c:autoTitleDeleted val="1"/>
+    <c:plotArea>
+      <c:layout/>
+      <c:barChart>
+        <c:barDir val="col"/>
+        <c:grouping val="clustered"/>
+        <c:varyColors val="0"/>
+        <c:ser>
+          <c:idx val="0"/>
+          <c:order val="0"/>
+          <c:tx>
+            <c:strRef>
+              <c:f>Planilha1!$B$1</c:f>
+              <c:strCache>
+                <c:ptCount val="1"/>
+                <c:pt idx="0">
+                  <c:v>Coluna1</c:v>
+                </c:pt>
+              </c:strCache>
+            </c:strRef>
+          </c:tx>
+          <c:spPr>
+            <a:solidFill>
+              <a:schemeClr val="accent1"/>
+            </a:solidFill>
+            <a:ln>
+              <a:noFill/>
+            </a:ln>
+            <a:effectLst/>
+          </c:spPr>
+          <c:invertIfNegative val="0"/>
+          <c:dLbls>
+            <c:spPr>
+              <a:noFill/>
+              <a:ln>
+                <a:noFill/>
+              </a:ln>
+              <a:effectLst/>
+            </c:spPr>
+            <c:txPr>
+              <a:bodyPr rot="0" spcFirstLastPara="1" vertOverflow="ellipsis" vert="horz" wrap="square" lIns="38100" tIns="19050" rIns="38100" bIns="19050" anchor="ctr" anchorCtr="1">
+                <a:spAutoFit/>
+              </a:bodyPr>
+              <a:lstStyle/>
+              <a:p>
+                <a:pPr>
+                  <a:defRPr sz="1197" b="0" i="0" u="none" strike="noStrike" kern="1200" baseline="0">
+                    <a:solidFill>
+                      <a:schemeClr val="tx1">
+                        <a:lumMod val="75000"/>
+                        <a:lumOff val="25000"/>
+                      </a:schemeClr>
+                    </a:solidFill>
+                    <a:latin typeface="+mn-lt"/>
+                    <a:ea typeface="+mn-ea"/>
+                    <a:cs typeface="+mn-cs"/>
+                  </a:defRPr>
+                </a:pPr>
+                <a:endParaRPr lang="pt-BR"/>
+              </a:p>
+            </c:txPr>
+            <c:dLblPos val="inEnd"/>
+            <c:showLegendKey val="0"/>
+            <c:showVal val="1"/>
+            <c:showCatName val="0"/>
+            <c:showSerName val="0"/>
+            <c:showPercent val="0"/>
+            <c:showBubbleSize val="0"/>
+            <c:showLeaderLines val="0"/>
+            <c:extLst>
+              <c:ext xmlns:c15="http://schemas.microsoft.com/office/drawing/2012/chart" uri="{CE6537A1-D6FC-4f65-9D91-7224C49458BB}">
+                <c15:showLeaderLines val="1"/>
+                <c15:leaderLines>
+                  <c:spPr>
+                    <a:ln w="9525">
+                      <a:solidFill>
+                        <a:schemeClr val="tx1">
+                          <a:lumMod val="35000"/>
+                          <a:lumOff val="65000"/>
+                        </a:schemeClr>
+                      </a:solidFill>
+                    </a:ln>
+                    <a:effectLst/>
+                  </c:spPr>
+                </c15:leaderLines>
+              </c:ext>
+            </c:extLst>
+          </c:dLbls>
+          <c:cat>
+            <c:strRef>
+              <c:f>Planilha1!$A$2:$A$5</c:f>
+              <c:strCache>
+                <c:ptCount val="4"/>
+                <c:pt idx="0">
+                  <c:v>Falta de acessibilidade na empresa</c:v>
+                </c:pt>
+                <c:pt idx="1">
+                  <c:v>Baixa qualificação dos profissionais com deficiência</c:v>
+                </c:pt>
+                <c:pt idx="2">
+                  <c:v>Dificuldade em estabelecer vagas para PCD</c:v>
+                </c:pt>
+                <c:pt idx="3">
+                  <c:v>Falta de banco de currículos</c:v>
+                </c:pt>
+              </c:strCache>
+            </c:strRef>
+          </c:cat>
+          <c:val>
+            <c:numRef>
+              <c:f>Planilha1!$B$2:$B$5</c:f>
+              <c:numCache>
+                <c:formatCode>0%</c:formatCode>
+                <c:ptCount val="4"/>
+                <c:pt idx="0">
+                  <c:v>0.49</c:v>
+                </c:pt>
+                <c:pt idx="1">
+                  <c:v>0.46</c:v>
+                </c:pt>
+                <c:pt idx="2">
+                  <c:v>0.4</c:v>
+                </c:pt>
+                <c:pt idx="3">
+                  <c:v>0.4</c:v>
+                </c:pt>
+              </c:numCache>
+            </c:numRef>
+          </c:val>
+          <c:extLst>
+            <c:ext xmlns:c16="http://schemas.microsoft.com/office/drawing/2014/chart" uri="{C3380CC4-5D6E-409C-BE32-E72D297353CC}">
+              <c16:uniqueId val="{00000000-392D-41EE-A881-50EDF9FA266F}"/>
+            </c:ext>
+          </c:extLst>
+        </c:ser>
+        <c:dLbls>
+          <c:dLblPos val="inEnd"/>
+          <c:showLegendKey val="0"/>
+          <c:showVal val="1"/>
+          <c:showCatName val="0"/>
+          <c:showSerName val="0"/>
+          <c:showPercent val="0"/>
+          <c:showBubbleSize val="0"/>
+        </c:dLbls>
+        <c:gapWidth val="199"/>
+        <c:axId val="378621448"/>
+        <c:axId val="379199832"/>
+      </c:barChart>
+      <c:catAx>
+        <c:axId val="378621448"/>
+        <c:scaling>
+          <c:orientation val="minMax"/>
+        </c:scaling>
+        <c:delete val="0"/>
+        <c:axPos val="b"/>
+        <c:numFmt formatCode="General" sourceLinked="1"/>
+        <c:majorTickMark val="none"/>
+        <c:minorTickMark val="none"/>
+        <c:tickLblPos val="nextTo"/>
+        <c:spPr>
+          <a:noFill/>
+          <a:ln w="9525" cap="flat" cmpd="sng" algn="ctr">
+            <a:solidFill>
+              <a:schemeClr val="tx1">
+                <a:lumMod val="15000"/>
+                <a:lumOff val="85000"/>
+              </a:schemeClr>
+            </a:solidFill>
+            <a:round/>
+          </a:ln>
+          <a:effectLst/>
+        </c:spPr>
+        <c:txPr>
+          <a:bodyPr rot="-60000000" spcFirstLastPara="1" vertOverflow="ellipsis" vert="horz" wrap="square" anchor="ctr" anchorCtr="1"/>
+          <a:lstStyle/>
+          <a:p>
+            <a:pPr>
+              <a:defRPr sz="1197" b="0" i="0" u="none" strike="noStrike" kern="1200" cap="none" spc="0" normalizeH="0" baseline="0">
+                <a:solidFill>
+                  <a:schemeClr val="tx1">
+                    <a:lumMod val="65000"/>
+                    <a:lumOff val="35000"/>
+                  </a:schemeClr>
+                </a:solidFill>
+                <a:latin typeface="+mn-lt"/>
+                <a:ea typeface="+mn-ea"/>
+                <a:cs typeface="+mn-cs"/>
+              </a:defRPr>
+            </a:pPr>
+            <a:endParaRPr lang="pt-BR"/>
+          </a:p>
+        </c:txPr>
+        <c:crossAx val="379199832"/>
+        <c:crosses val="autoZero"/>
+        <c:auto val="1"/>
+        <c:lblAlgn val="ctr"/>
+        <c:lblOffset val="100"/>
+        <c:noMultiLvlLbl val="0"/>
+      </c:catAx>
+      <c:valAx>
+        <c:axId val="379199832"/>
+        <c:scaling>
+          <c:orientation val="minMax"/>
+        </c:scaling>
+        <c:delete val="0"/>
+        <c:axPos val="l"/>
+        <c:majorGridlines>
+          <c:spPr>
+            <a:ln w="9525" cap="flat" cmpd="sng" algn="ctr">
+              <a:solidFill>
+                <a:schemeClr val="tx1">
+                  <a:lumMod val="15000"/>
+                  <a:lumOff val="85000"/>
+                </a:schemeClr>
+              </a:solidFill>
+              <a:round/>
+            </a:ln>
+            <a:effectLst/>
+          </c:spPr>
+        </c:majorGridlines>
+        <c:minorGridlines>
+          <c:spPr>
+            <a:ln w="9525" cap="flat" cmpd="sng" algn="ctr">
+              <a:solidFill>
+                <a:schemeClr val="tx1">
+                  <a:lumMod val="5000"/>
+                  <a:lumOff val="95000"/>
+                </a:schemeClr>
+              </a:solidFill>
+              <a:round/>
+            </a:ln>
+            <a:effectLst/>
+          </c:spPr>
+        </c:minorGridlines>
+        <c:numFmt formatCode="0%" sourceLinked="1"/>
+        <c:majorTickMark val="none"/>
+        <c:minorTickMark val="none"/>
+        <c:tickLblPos val="nextTo"/>
+        <c:spPr>
+          <a:noFill/>
+          <a:ln>
+            <a:noFill/>
+          </a:ln>
+          <a:effectLst/>
+        </c:spPr>
+        <c:txPr>
+          <a:bodyPr rot="-60000000" spcFirstLastPara="1" vertOverflow="ellipsis" vert="horz" wrap="square" anchor="ctr" anchorCtr="1"/>
+          <a:lstStyle/>
+          <a:p>
+            <a:pPr>
+              <a:defRPr sz="1197" b="0" i="0" u="none" strike="noStrike" kern="1200" baseline="0">
+                <a:solidFill>
+                  <a:schemeClr val="tx1">
+                    <a:lumMod val="65000"/>
+                    <a:lumOff val="35000"/>
+                  </a:schemeClr>
+                </a:solidFill>
+                <a:latin typeface="+mn-lt"/>
+                <a:ea typeface="+mn-ea"/>
+                <a:cs typeface="+mn-cs"/>
+              </a:defRPr>
+            </a:pPr>
+            <a:endParaRPr lang="pt-BR"/>
+          </a:p>
+        </c:txPr>
+        <c:crossAx val="378621448"/>
+        <c:crosses val="autoZero"/>
+        <c:crossBetween val="between"/>
+      </c:valAx>
+      <c:spPr>
+        <a:noFill/>
+        <a:ln>
+          <a:noFill/>
+        </a:ln>
+        <a:effectLst/>
+      </c:spPr>
+    </c:plotArea>
     <c:plotVisOnly val="1"/>
     <c:dispBlanksAs val="gap"/>
     <c:extLst>
@@ -3096,6 +3758,18 @@
 </cs:colorStyle>
 </file>
 
+<file path=ppt/charts/colors10.xml><?xml version="1.0" encoding="utf-8"?>
+<cs:colorStyle xmlns:cs="http://schemas.microsoft.com/office/drawing/2012/chartStyle" xmlns:a="http://schemas.openxmlformats.org/drawingml/2006/main" meth="withinLinearReversed" id="21">
+  <a:schemeClr val="accent1"/>
+</cs:colorStyle>
+</file>
+
+<file path=ppt/charts/colors11.xml><?xml version="1.0" encoding="utf-8"?>
+<cs:colorStyle xmlns:cs="http://schemas.microsoft.com/office/drawing/2012/chartStyle" xmlns:a="http://schemas.openxmlformats.org/drawingml/2006/main" meth="withinLinearReversed" id="21">
+  <a:schemeClr val="accent1"/>
+</cs:colorStyle>
+</file>
+
 <file path=ppt/charts/colors2.xml><?xml version="1.0" encoding="utf-8"?>
 <cs:colorStyle xmlns:cs="http://schemas.microsoft.com/office/drawing/2012/chartStyle" xmlns:a="http://schemas.openxmlformats.org/drawingml/2006/main" meth="withinLinearReversed" id="21">
   <a:schemeClr val="accent1"/>
@@ -3657,6 +4331,1006 @@
         <a:noFill/>
       </a:ln>
     </cs:spPr>
+  </cs:wall>
+</cs:chartStyle>
+</file>
+
+<file path=ppt/charts/style10.xml><?xml version="1.0" encoding="utf-8"?>
+<cs:chartStyle xmlns:cs="http://schemas.microsoft.com/office/drawing/2012/chartStyle" xmlns:a="http://schemas.openxmlformats.org/drawingml/2006/main" id="212">
+  <cs:axisTitle>
+    <cs:lnRef idx="0"/>
+    <cs:fillRef idx="0"/>
+    <cs:effectRef idx="0"/>
+    <cs:fontRef idx="minor">
+      <a:schemeClr val="tx1">
+        <a:lumMod val="65000"/>
+        <a:lumOff val="35000"/>
+      </a:schemeClr>
+    </cs:fontRef>
+    <cs:defRPr sz="1197" kern="1200" cap="all"/>
+  </cs:axisTitle>
+  <cs:categoryAxis>
+    <cs:lnRef idx="0"/>
+    <cs:fillRef idx="0"/>
+    <cs:effectRef idx="0"/>
+    <cs:fontRef idx="minor">
+      <a:schemeClr val="tx1">
+        <a:lumMod val="65000"/>
+        <a:lumOff val="35000"/>
+      </a:schemeClr>
+    </cs:fontRef>
+    <cs:spPr>
+      <a:ln w="9525" cap="flat" cmpd="sng" algn="ctr">
+        <a:solidFill>
+          <a:schemeClr val="tx1">
+            <a:lumMod val="15000"/>
+            <a:lumOff val="85000"/>
+          </a:schemeClr>
+        </a:solidFill>
+        <a:round/>
+      </a:ln>
+    </cs:spPr>
+    <cs:defRPr sz="1197" b="0" kern="1200" cap="none" spc="0" normalizeH="0" baseline="0"/>
+  </cs:categoryAxis>
+  <cs:chartArea mods="allowNoFillOverride allowNoLineOverride">
+    <cs:lnRef idx="0"/>
+    <cs:fillRef idx="0"/>
+    <cs:effectRef idx="0"/>
+    <cs:fontRef idx="minor">
+      <a:schemeClr val="dk1"/>
+    </cs:fontRef>
+    <cs:spPr>
+      <a:solidFill>
+        <a:schemeClr val="bg1"/>
+      </a:solidFill>
+      <a:ln w="9525" cap="flat" cmpd="sng" algn="ctr">
+        <a:solidFill>
+          <a:schemeClr val="tx1">
+            <a:lumMod val="15000"/>
+            <a:lumOff val="85000"/>
+          </a:schemeClr>
+        </a:solidFill>
+        <a:round/>
+      </a:ln>
+    </cs:spPr>
+    <cs:defRPr sz="1197" kern="1200"/>
+  </cs:chartArea>
+  <cs:dataLabel>
+    <cs:lnRef idx="0"/>
+    <cs:fillRef idx="0"/>
+    <cs:effectRef idx="0"/>
+    <cs:fontRef idx="minor">
+      <a:schemeClr val="tx1">
+        <a:lumMod val="75000"/>
+        <a:lumOff val="25000"/>
+      </a:schemeClr>
+    </cs:fontRef>
+    <cs:defRPr sz="1197" kern="1200"/>
+  </cs:dataLabel>
+  <cs:dataLabelCallout>
+    <cs:lnRef idx="0"/>
+    <cs:fillRef idx="0"/>
+    <cs:effectRef idx="0"/>
+    <cs:fontRef idx="minor">
+      <a:schemeClr val="dk1">
+        <a:lumMod val="75000"/>
+        <a:lumOff val="25000"/>
+      </a:schemeClr>
+    </cs:fontRef>
+    <cs:spPr>
+      <a:solidFill>
+        <a:schemeClr val="dk1">
+          <a:lumMod val="15000"/>
+          <a:lumOff val="85000"/>
+        </a:schemeClr>
+      </a:solidFill>
+    </cs:spPr>
+    <cs:defRPr sz="1197" kern="1200"/>
+    <cs:bodyPr rot="0" spcFirstLastPara="1" vertOverflow="clip" horzOverflow="clip" vert="horz" wrap="square" lIns="36576" tIns="18288" rIns="36576" bIns="18288" anchor="ctr" anchorCtr="1">
+      <a:spAutoFit/>
+    </cs:bodyPr>
+  </cs:dataLabelCallout>
+  <cs:dataPoint>
+    <cs:lnRef idx="0"/>
+    <cs:fillRef idx="0">
+      <cs:styleClr val="auto"/>
+    </cs:fillRef>
+    <cs:effectRef idx="0"/>
+    <cs:fontRef idx="minor">
+      <a:schemeClr val="dk1"/>
+    </cs:fontRef>
+    <cs:spPr>
+      <a:solidFill>
+        <a:schemeClr val="phClr"/>
+      </a:solidFill>
+    </cs:spPr>
+  </cs:dataPoint>
+  <cs:dataPoint3D>
+    <cs:lnRef idx="0"/>
+    <cs:fillRef idx="0">
+      <cs:styleClr val="auto"/>
+    </cs:fillRef>
+    <cs:effectRef idx="0"/>
+    <cs:fontRef idx="minor">
+      <a:schemeClr val="dk1"/>
+    </cs:fontRef>
+    <cs:spPr>
+      <a:solidFill>
+        <a:schemeClr val="phClr"/>
+      </a:solidFill>
+    </cs:spPr>
+  </cs:dataPoint3D>
+  <cs:dataPointLine>
+    <cs:lnRef idx="0">
+      <cs:styleClr val="auto"/>
+    </cs:lnRef>
+    <cs:fillRef idx="0"/>
+    <cs:effectRef idx="0"/>
+    <cs:fontRef idx="minor">
+      <a:schemeClr val="dk1"/>
+    </cs:fontRef>
+    <cs:spPr>
+      <a:ln w="38100" cap="rnd">
+        <a:solidFill>
+          <a:schemeClr val="phClr"/>
+        </a:solidFill>
+        <a:round/>
+      </a:ln>
+    </cs:spPr>
+  </cs:dataPointLine>
+  <cs:dataPointMarker>
+    <cs:lnRef idx="0"/>
+    <cs:fillRef idx="0">
+      <cs:styleClr val="auto"/>
+    </cs:fillRef>
+    <cs:effectRef idx="0"/>
+    <cs:fontRef idx="minor">
+      <a:schemeClr val="dk1"/>
+    </cs:fontRef>
+    <cs:spPr>
+      <a:solidFill>
+        <a:schemeClr val="phClr"/>
+      </a:solidFill>
+    </cs:spPr>
+  </cs:dataPointMarker>
+  <cs:dataPointMarkerLayout symbol="circle" size="8"/>
+  <cs:dataPointWireframe>
+    <cs:lnRef idx="0">
+      <cs:styleClr val="auto"/>
+    </cs:lnRef>
+    <cs:fillRef idx="0"/>
+    <cs:effectRef idx="0"/>
+    <cs:fontRef idx="minor">
+      <a:schemeClr val="dk1"/>
+    </cs:fontRef>
+    <cs:spPr>
+      <a:ln w="9525" cap="rnd">
+        <a:solidFill>
+          <a:schemeClr val="phClr"/>
+        </a:solidFill>
+        <a:round/>
+      </a:ln>
+    </cs:spPr>
+  </cs:dataPointWireframe>
+  <cs:dataTable>
+    <cs:lnRef idx="0"/>
+    <cs:fillRef idx="0"/>
+    <cs:effectRef idx="0"/>
+    <cs:fontRef idx="minor">
+      <a:schemeClr val="tx1">
+        <a:lumMod val="65000"/>
+        <a:lumOff val="35000"/>
+      </a:schemeClr>
+    </cs:fontRef>
+    <cs:spPr>
+      <a:ln w="9525">
+        <a:solidFill>
+          <a:schemeClr val="tx1">
+            <a:lumMod val="15000"/>
+            <a:lumOff val="85000"/>
+          </a:schemeClr>
+        </a:solidFill>
+      </a:ln>
+    </cs:spPr>
+    <cs:defRPr sz="1197" kern="1200"/>
+  </cs:dataTable>
+  <cs:downBar>
+    <cs:lnRef idx="0"/>
+    <cs:fillRef idx="0"/>
+    <cs:effectRef idx="0"/>
+    <cs:fontRef idx="minor">
+      <a:schemeClr val="dk1"/>
+    </cs:fontRef>
+    <cs:spPr>
+      <a:solidFill>
+        <a:schemeClr val="dk1">
+          <a:lumMod val="75000"/>
+          <a:lumOff val="25000"/>
+        </a:schemeClr>
+      </a:solidFill>
+      <a:ln w="9525">
+        <a:solidFill>
+          <a:schemeClr val="tx1">
+            <a:lumMod val="50000"/>
+            <a:lumOff val="50000"/>
+          </a:schemeClr>
+        </a:solidFill>
+      </a:ln>
+    </cs:spPr>
+  </cs:downBar>
+  <cs:dropLine>
+    <cs:lnRef idx="0"/>
+    <cs:fillRef idx="0"/>
+    <cs:effectRef idx="0"/>
+    <cs:fontRef idx="minor">
+      <a:schemeClr val="dk1"/>
+    </cs:fontRef>
+    <cs:spPr>
+      <a:ln w="9525">
+        <a:solidFill>
+          <a:schemeClr val="tx1">
+            <a:lumMod val="50000"/>
+            <a:lumOff val="50000"/>
+          </a:schemeClr>
+        </a:solidFill>
+        <a:prstDash val="dash"/>
+      </a:ln>
+    </cs:spPr>
+  </cs:dropLine>
+  <cs:errorBar>
+    <cs:lnRef idx="0"/>
+    <cs:fillRef idx="0"/>
+    <cs:effectRef idx="0"/>
+    <cs:fontRef idx="minor">
+      <a:schemeClr val="dk1"/>
+    </cs:fontRef>
+    <cs:spPr>
+      <a:ln w="9525">
+        <a:solidFill>
+          <a:schemeClr val="tx1">
+            <a:lumMod val="50000"/>
+            <a:lumOff val="50000"/>
+          </a:schemeClr>
+        </a:solidFill>
+        <a:round/>
+      </a:ln>
+    </cs:spPr>
+  </cs:errorBar>
+  <cs:floor>
+    <cs:lnRef idx="0"/>
+    <cs:fillRef idx="0"/>
+    <cs:effectRef idx="0"/>
+    <cs:fontRef idx="minor">
+      <a:schemeClr val="dk1"/>
+    </cs:fontRef>
+  </cs:floor>
+  <cs:gridlineMajor>
+    <cs:lnRef idx="0"/>
+    <cs:fillRef idx="0"/>
+    <cs:effectRef idx="0"/>
+    <cs:fontRef idx="minor">
+      <a:schemeClr val="dk1"/>
+    </cs:fontRef>
+    <cs:spPr>
+      <a:ln w="9525" cap="flat" cmpd="sng" algn="ctr">
+        <a:solidFill>
+          <a:schemeClr val="tx1">
+            <a:lumMod val="15000"/>
+            <a:lumOff val="85000"/>
+          </a:schemeClr>
+        </a:solidFill>
+        <a:round/>
+      </a:ln>
+    </cs:spPr>
+  </cs:gridlineMajor>
+  <cs:gridlineMinor>
+    <cs:lnRef idx="0"/>
+    <cs:fillRef idx="0"/>
+    <cs:effectRef idx="0"/>
+    <cs:fontRef idx="minor">
+      <a:schemeClr val="dk1"/>
+    </cs:fontRef>
+    <cs:spPr>
+      <a:ln w="9525" cap="flat" cmpd="sng" algn="ctr">
+        <a:solidFill>
+          <a:schemeClr val="tx1">
+            <a:lumMod val="5000"/>
+            <a:lumOff val="95000"/>
+          </a:schemeClr>
+        </a:solidFill>
+        <a:round/>
+      </a:ln>
+    </cs:spPr>
+  </cs:gridlineMinor>
+  <cs:hiLoLine>
+    <cs:lnRef idx="0"/>
+    <cs:fillRef idx="0"/>
+    <cs:effectRef idx="0"/>
+    <cs:fontRef idx="minor">
+      <a:schemeClr val="dk1"/>
+    </cs:fontRef>
+    <cs:spPr>
+      <a:ln w="9525">
+        <a:solidFill>
+          <a:schemeClr val="tx1">
+            <a:lumMod val="50000"/>
+            <a:lumOff val="50000"/>
+          </a:schemeClr>
+        </a:solidFill>
+        <a:prstDash val="dash"/>
+      </a:ln>
+    </cs:spPr>
+  </cs:hiLoLine>
+  <cs:leaderLine>
+    <cs:lnRef idx="0"/>
+    <cs:fillRef idx="0"/>
+    <cs:effectRef idx="0"/>
+    <cs:fontRef idx="minor">
+      <a:schemeClr val="dk1"/>
+    </cs:fontRef>
+    <cs:spPr>
+      <a:ln w="9525">
+        <a:solidFill>
+          <a:schemeClr val="tx1">
+            <a:lumMod val="35000"/>
+            <a:lumOff val="65000"/>
+          </a:schemeClr>
+        </a:solidFill>
+      </a:ln>
+    </cs:spPr>
+  </cs:leaderLine>
+  <cs:legend>
+    <cs:lnRef idx="0"/>
+    <cs:fillRef idx="0"/>
+    <cs:effectRef idx="0"/>
+    <cs:fontRef idx="minor">
+      <a:schemeClr val="tx1">
+        <a:lumMod val="65000"/>
+        <a:lumOff val="35000"/>
+      </a:schemeClr>
+    </cs:fontRef>
+    <cs:defRPr sz="1197" kern="1200"/>
+  </cs:legend>
+  <cs:plotArea mods="allowNoFillOverride allowNoLineOverride">
+    <cs:lnRef idx="0"/>
+    <cs:fillRef idx="0"/>
+    <cs:effectRef idx="0"/>
+    <cs:fontRef idx="minor">
+      <a:schemeClr val="dk1"/>
+    </cs:fontRef>
+  </cs:plotArea>
+  <cs:plotArea3D mods="allowNoFillOverride allowNoLineOverride">
+    <cs:lnRef idx="0"/>
+    <cs:fillRef idx="0"/>
+    <cs:effectRef idx="0"/>
+    <cs:fontRef idx="minor">
+      <a:schemeClr val="dk1"/>
+    </cs:fontRef>
+  </cs:plotArea3D>
+  <cs:seriesAxis>
+    <cs:lnRef idx="0"/>
+    <cs:fillRef idx="0"/>
+    <cs:effectRef idx="0"/>
+    <cs:fontRef idx="minor">
+      <a:schemeClr val="tx1">
+        <a:lumMod val="65000"/>
+        <a:lumOff val="35000"/>
+      </a:schemeClr>
+    </cs:fontRef>
+    <cs:spPr>
+      <a:ln w="9525" cap="flat" cmpd="sng" algn="ctr">
+        <a:solidFill>
+          <a:schemeClr val="tx1">
+            <a:lumMod val="15000"/>
+            <a:lumOff val="85000"/>
+          </a:schemeClr>
+        </a:solidFill>
+        <a:round/>
+      </a:ln>
+    </cs:spPr>
+    <cs:defRPr sz="1197" kern="1200"/>
+  </cs:seriesAxis>
+  <cs:seriesLine>
+    <cs:lnRef idx="0"/>
+    <cs:fillRef idx="0"/>
+    <cs:effectRef idx="0"/>
+    <cs:fontRef idx="minor">
+      <a:schemeClr val="dk1"/>
+    </cs:fontRef>
+    <cs:spPr>
+      <a:ln w="9525">
+        <a:solidFill>
+          <a:schemeClr val="tx1">
+            <a:lumMod val="35000"/>
+            <a:lumOff val="65000"/>
+          </a:schemeClr>
+        </a:solidFill>
+        <a:round/>
+      </a:ln>
+    </cs:spPr>
+  </cs:seriesLine>
+  <cs:title>
+    <cs:lnRef idx="0"/>
+    <cs:fillRef idx="0"/>
+    <cs:effectRef idx="0"/>
+    <cs:fontRef idx="major">
+      <a:schemeClr val="tx1">
+        <a:lumMod val="65000"/>
+        <a:lumOff val="35000"/>
+      </a:schemeClr>
+    </cs:fontRef>
+    <cs:defRPr sz="2200" b="0" kern="1200" cap="none" spc="0" normalizeH="0" baseline="0"/>
+  </cs:title>
+  <cs:trendline>
+    <cs:lnRef idx="0">
+      <cs:styleClr val="auto"/>
+    </cs:lnRef>
+    <cs:fillRef idx="0"/>
+    <cs:effectRef idx="0"/>
+    <cs:fontRef idx="minor">
+      <a:schemeClr val="dk1"/>
+    </cs:fontRef>
+    <cs:spPr>
+      <a:ln w="19050" cap="rnd">
+        <a:solidFill>
+          <a:schemeClr val="phClr"/>
+        </a:solidFill>
+        <a:round/>
+      </a:ln>
+    </cs:spPr>
+  </cs:trendline>
+  <cs:trendlineLabel>
+    <cs:lnRef idx="0"/>
+    <cs:fillRef idx="0"/>
+    <cs:effectRef idx="0"/>
+    <cs:fontRef idx="minor">
+      <a:schemeClr val="tx1">
+        <a:lumMod val="65000"/>
+        <a:lumOff val="35000"/>
+      </a:schemeClr>
+    </cs:fontRef>
+    <cs:defRPr sz="1197" kern="1200"/>
+  </cs:trendlineLabel>
+  <cs:upBar>
+    <cs:lnRef idx="0"/>
+    <cs:fillRef idx="0"/>
+    <cs:effectRef idx="0"/>
+    <cs:fontRef idx="minor">
+      <a:schemeClr val="dk1"/>
+    </cs:fontRef>
+    <cs:spPr>
+      <a:solidFill>
+        <a:schemeClr val="lt1"/>
+      </a:solidFill>
+      <a:ln w="9525">
+        <a:solidFill>
+          <a:schemeClr val="tx1">
+            <a:lumMod val="50000"/>
+            <a:lumOff val="50000"/>
+          </a:schemeClr>
+        </a:solidFill>
+      </a:ln>
+    </cs:spPr>
+  </cs:upBar>
+  <cs:valueAxis>
+    <cs:lnRef idx="0"/>
+    <cs:fillRef idx="0"/>
+    <cs:effectRef idx="0"/>
+    <cs:fontRef idx="minor">
+      <a:schemeClr val="tx1">
+        <a:lumMod val="65000"/>
+        <a:lumOff val="35000"/>
+      </a:schemeClr>
+    </cs:fontRef>
+    <cs:defRPr sz="1197" kern="1200"/>
+  </cs:valueAxis>
+  <cs:wall>
+    <cs:lnRef idx="0"/>
+    <cs:fillRef idx="0"/>
+    <cs:effectRef idx="0"/>
+    <cs:fontRef idx="minor">
+      <a:schemeClr val="dk1"/>
+    </cs:fontRef>
+  </cs:wall>
+</cs:chartStyle>
+</file>
+
+<file path=ppt/charts/style11.xml><?xml version="1.0" encoding="utf-8"?>
+<cs:chartStyle xmlns:cs="http://schemas.microsoft.com/office/drawing/2012/chartStyle" xmlns:a="http://schemas.openxmlformats.org/drawingml/2006/main" id="212">
+  <cs:axisTitle>
+    <cs:lnRef idx="0"/>
+    <cs:fillRef idx="0"/>
+    <cs:effectRef idx="0"/>
+    <cs:fontRef idx="minor">
+      <a:schemeClr val="tx1">
+        <a:lumMod val="65000"/>
+        <a:lumOff val="35000"/>
+      </a:schemeClr>
+    </cs:fontRef>
+    <cs:defRPr sz="1197" kern="1200" cap="all"/>
+  </cs:axisTitle>
+  <cs:categoryAxis>
+    <cs:lnRef idx="0"/>
+    <cs:fillRef idx="0"/>
+    <cs:effectRef idx="0"/>
+    <cs:fontRef idx="minor">
+      <a:schemeClr val="tx1">
+        <a:lumMod val="65000"/>
+        <a:lumOff val="35000"/>
+      </a:schemeClr>
+    </cs:fontRef>
+    <cs:spPr>
+      <a:ln w="9525" cap="flat" cmpd="sng" algn="ctr">
+        <a:solidFill>
+          <a:schemeClr val="tx1">
+            <a:lumMod val="15000"/>
+            <a:lumOff val="85000"/>
+          </a:schemeClr>
+        </a:solidFill>
+        <a:round/>
+      </a:ln>
+    </cs:spPr>
+    <cs:defRPr sz="1197" b="0" kern="1200" cap="none" spc="0" normalizeH="0" baseline="0"/>
+  </cs:categoryAxis>
+  <cs:chartArea mods="allowNoFillOverride allowNoLineOverride">
+    <cs:lnRef idx="0"/>
+    <cs:fillRef idx="0"/>
+    <cs:effectRef idx="0"/>
+    <cs:fontRef idx="minor">
+      <a:schemeClr val="dk1"/>
+    </cs:fontRef>
+    <cs:spPr>
+      <a:solidFill>
+        <a:schemeClr val="bg1"/>
+      </a:solidFill>
+      <a:ln w="9525" cap="flat" cmpd="sng" algn="ctr">
+        <a:solidFill>
+          <a:schemeClr val="tx1">
+            <a:lumMod val="15000"/>
+            <a:lumOff val="85000"/>
+          </a:schemeClr>
+        </a:solidFill>
+        <a:round/>
+      </a:ln>
+    </cs:spPr>
+    <cs:defRPr sz="1197" kern="1200"/>
+  </cs:chartArea>
+  <cs:dataLabel>
+    <cs:lnRef idx="0"/>
+    <cs:fillRef idx="0"/>
+    <cs:effectRef idx="0"/>
+    <cs:fontRef idx="minor">
+      <a:schemeClr val="tx1">
+        <a:lumMod val="75000"/>
+        <a:lumOff val="25000"/>
+      </a:schemeClr>
+    </cs:fontRef>
+    <cs:defRPr sz="1197" kern="1200"/>
+  </cs:dataLabel>
+  <cs:dataLabelCallout>
+    <cs:lnRef idx="0"/>
+    <cs:fillRef idx="0"/>
+    <cs:effectRef idx="0"/>
+    <cs:fontRef idx="minor">
+      <a:schemeClr val="dk1">
+        <a:lumMod val="75000"/>
+        <a:lumOff val="25000"/>
+      </a:schemeClr>
+    </cs:fontRef>
+    <cs:spPr>
+      <a:solidFill>
+        <a:schemeClr val="dk1">
+          <a:lumMod val="15000"/>
+          <a:lumOff val="85000"/>
+        </a:schemeClr>
+      </a:solidFill>
+    </cs:spPr>
+    <cs:defRPr sz="1197" kern="1200"/>
+    <cs:bodyPr rot="0" spcFirstLastPara="1" vertOverflow="clip" horzOverflow="clip" vert="horz" wrap="square" lIns="36576" tIns="18288" rIns="36576" bIns="18288" anchor="ctr" anchorCtr="1">
+      <a:spAutoFit/>
+    </cs:bodyPr>
+  </cs:dataLabelCallout>
+  <cs:dataPoint>
+    <cs:lnRef idx="0"/>
+    <cs:fillRef idx="0">
+      <cs:styleClr val="auto"/>
+    </cs:fillRef>
+    <cs:effectRef idx="0"/>
+    <cs:fontRef idx="minor">
+      <a:schemeClr val="dk1"/>
+    </cs:fontRef>
+    <cs:spPr>
+      <a:solidFill>
+        <a:schemeClr val="phClr"/>
+      </a:solidFill>
+    </cs:spPr>
+  </cs:dataPoint>
+  <cs:dataPoint3D>
+    <cs:lnRef idx="0"/>
+    <cs:fillRef idx="0">
+      <cs:styleClr val="auto"/>
+    </cs:fillRef>
+    <cs:effectRef idx="0"/>
+    <cs:fontRef idx="minor">
+      <a:schemeClr val="dk1"/>
+    </cs:fontRef>
+    <cs:spPr>
+      <a:solidFill>
+        <a:schemeClr val="phClr"/>
+      </a:solidFill>
+    </cs:spPr>
+  </cs:dataPoint3D>
+  <cs:dataPointLine>
+    <cs:lnRef idx="0">
+      <cs:styleClr val="auto"/>
+    </cs:lnRef>
+    <cs:fillRef idx="0"/>
+    <cs:effectRef idx="0"/>
+    <cs:fontRef idx="minor">
+      <a:schemeClr val="dk1"/>
+    </cs:fontRef>
+    <cs:spPr>
+      <a:ln w="38100" cap="rnd">
+        <a:solidFill>
+          <a:schemeClr val="phClr"/>
+        </a:solidFill>
+        <a:round/>
+      </a:ln>
+    </cs:spPr>
+  </cs:dataPointLine>
+  <cs:dataPointMarker>
+    <cs:lnRef idx="0"/>
+    <cs:fillRef idx="0">
+      <cs:styleClr val="auto"/>
+    </cs:fillRef>
+    <cs:effectRef idx="0"/>
+    <cs:fontRef idx="minor">
+      <a:schemeClr val="dk1"/>
+    </cs:fontRef>
+    <cs:spPr>
+      <a:solidFill>
+        <a:schemeClr val="phClr"/>
+      </a:solidFill>
+    </cs:spPr>
+  </cs:dataPointMarker>
+  <cs:dataPointMarkerLayout symbol="circle" size="8"/>
+  <cs:dataPointWireframe>
+    <cs:lnRef idx="0">
+      <cs:styleClr val="auto"/>
+    </cs:lnRef>
+    <cs:fillRef idx="0"/>
+    <cs:effectRef idx="0"/>
+    <cs:fontRef idx="minor">
+      <a:schemeClr val="dk1"/>
+    </cs:fontRef>
+    <cs:spPr>
+      <a:ln w="9525" cap="rnd">
+        <a:solidFill>
+          <a:schemeClr val="phClr"/>
+        </a:solidFill>
+        <a:round/>
+      </a:ln>
+    </cs:spPr>
+  </cs:dataPointWireframe>
+  <cs:dataTable>
+    <cs:lnRef idx="0"/>
+    <cs:fillRef idx="0"/>
+    <cs:effectRef idx="0"/>
+    <cs:fontRef idx="minor">
+      <a:schemeClr val="tx1">
+        <a:lumMod val="65000"/>
+        <a:lumOff val="35000"/>
+      </a:schemeClr>
+    </cs:fontRef>
+    <cs:spPr>
+      <a:ln w="9525">
+        <a:solidFill>
+          <a:schemeClr val="tx1">
+            <a:lumMod val="15000"/>
+            <a:lumOff val="85000"/>
+          </a:schemeClr>
+        </a:solidFill>
+      </a:ln>
+    </cs:spPr>
+    <cs:defRPr sz="1197" kern="1200"/>
+  </cs:dataTable>
+  <cs:downBar>
+    <cs:lnRef idx="0"/>
+    <cs:fillRef idx="0"/>
+    <cs:effectRef idx="0"/>
+    <cs:fontRef idx="minor">
+      <a:schemeClr val="dk1"/>
+    </cs:fontRef>
+    <cs:spPr>
+      <a:solidFill>
+        <a:schemeClr val="dk1">
+          <a:lumMod val="75000"/>
+          <a:lumOff val="25000"/>
+        </a:schemeClr>
+      </a:solidFill>
+      <a:ln w="9525">
+        <a:solidFill>
+          <a:schemeClr val="tx1">
+            <a:lumMod val="50000"/>
+            <a:lumOff val="50000"/>
+          </a:schemeClr>
+        </a:solidFill>
+      </a:ln>
+    </cs:spPr>
+  </cs:downBar>
+  <cs:dropLine>
+    <cs:lnRef idx="0"/>
+    <cs:fillRef idx="0"/>
+    <cs:effectRef idx="0"/>
+    <cs:fontRef idx="minor">
+      <a:schemeClr val="dk1"/>
+    </cs:fontRef>
+    <cs:spPr>
+      <a:ln w="9525">
+        <a:solidFill>
+          <a:schemeClr val="tx1">
+            <a:lumMod val="50000"/>
+            <a:lumOff val="50000"/>
+          </a:schemeClr>
+        </a:solidFill>
+        <a:prstDash val="dash"/>
+      </a:ln>
+    </cs:spPr>
+  </cs:dropLine>
+  <cs:errorBar>
+    <cs:lnRef idx="0"/>
+    <cs:fillRef idx="0"/>
+    <cs:effectRef idx="0"/>
+    <cs:fontRef idx="minor">
+      <a:schemeClr val="dk1"/>
+    </cs:fontRef>
+    <cs:spPr>
+      <a:ln w="9525">
+        <a:solidFill>
+          <a:schemeClr val="tx1">
+            <a:lumMod val="50000"/>
+            <a:lumOff val="50000"/>
+          </a:schemeClr>
+        </a:solidFill>
+        <a:round/>
+      </a:ln>
+    </cs:spPr>
+  </cs:errorBar>
+  <cs:floor>
+    <cs:lnRef idx="0"/>
+    <cs:fillRef idx="0"/>
+    <cs:effectRef idx="0"/>
+    <cs:fontRef idx="minor">
+      <a:schemeClr val="dk1"/>
+    </cs:fontRef>
+  </cs:floor>
+  <cs:gridlineMajor>
+    <cs:lnRef idx="0"/>
+    <cs:fillRef idx="0"/>
+    <cs:effectRef idx="0"/>
+    <cs:fontRef idx="minor">
+      <a:schemeClr val="dk1"/>
+    </cs:fontRef>
+    <cs:spPr>
+      <a:ln w="9525" cap="flat" cmpd="sng" algn="ctr">
+        <a:solidFill>
+          <a:schemeClr val="tx1">
+            <a:lumMod val="15000"/>
+            <a:lumOff val="85000"/>
+          </a:schemeClr>
+        </a:solidFill>
+        <a:round/>
+      </a:ln>
+    </cs:spPr>
+  </cs:gridlineMajor>
+  <cs:gridlineMinor>
+    <cs:lnRef idx="0"/>
+    <cs:fillRef idx="0"/>
+    <cs:effectRef idx="0"/>
+    <cs:fontRef idx="minor">
+      <a:schemeClr val="dk1"/>
+    </cs:fontRef>
+    <cs:spPr>
+      <a:ln w="9525" cap="flat" cmpd="sng" algn="ctr">
+        <a:solidFill>
+          <a:schemeClr val="tx1">
+            <a:lumMod val="5000"/>
+            <a:lumOff val="95000"/>
+          </a:schemeClr>
+        </a:solidFill>
+        <a:round/>
+      </a:ln>
+    </cs:spPr>
+  </cs:gridlineMinor>
+  <cs:hiLoLine>
+    <cs:lnRef idx="0"/>
+    <cs:fillRef idx="0"/>
+    <cs:effectRef idx="0"/>
+    <cs:fontRef idx="minor">
+      <a:schemeClr val="dk1"/>
+    </cs:fontRef>
+    <cs:spPr>
+      <a:ln w="9525">
+        <a:solidFill>
+          <a:schemeClr val="tx1">
+            <a:lumMod val="50000"/>
+            <a:lumOff val="50000"/>
+          </a:schemeClr>
+        </a:solidFill>
+        <a:prstDash val="dash"/>
+      </a:ln>
+    </cs:spPr>
+  </cs:hiLoLine>
+  <cs:leaderLine>
+    <cs:lnRef idx="0"/>
+    <cs:fillRef idx="0"/>
+    <cs:effectRef idx="0"/>
+    <cs:fontRef idx="minor">
+      <a:schemeClr val="dk1"/>
+    </cs:fontRef>
+    <cs:spPr>
+      <a:ln w="9525">
+        <a:solidFill>
+          <a:schemeClr val="tx1">
+            <a:lumMod val="35000"/>
+            <a:lumOff val="65000"/>
+          </a:schemeClr>
+        </a:solidFill>
+      </a:ln>
+    </cs:spPr>
+  </cs:leaderLine>
+  <cs:legend>
+    <cs:lnRef idx="0"/>
+    <cs:fillRef idx="0"/>
+    <cs:effectRef idx="0"/>
+    <cs:fontRef idx="minor">
+      <a:schemeClr val="tx1">
+        <a:lumMod val="65000"/>
+        <a:lumOff val="35000"/>
+      </a:schemeClr>
+    </cs:fontRef>
+    <cs:defRPr sz="1197" kern="1200"/>
+  </cs:legend>
+  <cs:plotArea mods="allowNoFillOverride allowNoLineOverride">
+    <cs:lnRef idx="0"/>
+    <cs:fillRef idx="0"/>
+    <cs:effectRef idx="0"/>
+    <cs:fontRef idx="minor">
+      <a:schemeClr val="dk1"/>
+    </cs:fontRef>
+  </cs:plotArea>
+  <cs:plotArea3D mods="allowNoFillOverride allowNoLineOverride">
+    <cs:lnRef idx="0"/>
+    <cs:fillRef idx="0"/>
+    <cs:effectRef idx="0"/>
+    <cs:fontRef idx="minor">
+      <a:schemeClr val="dk1"/>
+    </cs:fontRef>
+  </cs:plotArea3D>
+  <cs:seriesAxis>
+    <cs:lnRef idx="0"/>
+    <cs:fillRef idx="0"/>
+    <cs:effectRef idx="0"/>
+    <cs:fontRef idx="minor">
+      <a:schemeClr val="tx1">
+        <a:lumMod val="65000"/>
+        <a:lumOff val="35000"/>
+      </a:schemeClr>
+    </cs:fontRef>
+    <cs:spPr>
+      <a:ln w="9525" cap="flat" cmpd="sng" algn="ctr">
+        <a:solidFill>
+          <a:schemeClr val="tx1">
+            <a:lumMod val="15000"/>
+            <a:lumOff val="85000"/>
+          </a:schemeClr>
+        </a:solidFill>
+        <a:round/>
+      </a:ln>
+    </cs:spPr>
+    <cs:defRPr sz="1197" kern="1200"/>
+  </cs:seriesAxis>
+  <cs:seriesLine>
+    <cs:lnRef idx="0"/>
+    <cs:fillRef idx="0"/>
+    <cs:effectRef idx="0"/>
+    <cs:fontRef idx="minor">
+      <a:schemeClr val="dk1"/>
+    </cs:fontRef>
+    <cs:spPr>
+      <a:ln w="9525">
+        <a:solidFill>
+          <a:schemeClr val="tx1">
+            <a:lumMod val="35000"/>
+            <a:lumOff val="65000"/>
+          </a:schemeClr>
+        </a:solidFill>
+        <a:round/>
+      </a:ln>
+    </cs:spPr>
+  </cs:seriesLine>
+  <cs:title>
+    <cs:lnRef idx="0"/>
+    <cs:fillRef idx="0"/>
+    <cs:effectRef idx="0"/>
+    <cs:fontRef idx="major">
+      <a:schemeClr val="tx1">
+        <a:lumMod val="65000"/>
+        <a:lumOff val="35000"/>
+      </a:schemeClr>
+    </cs:fontRef>
+    <cs:defRPr sz="2200" b="0" kern="1200" cap="none" spc="0" normalizeH="0" baseline="0"/>
+  </cs:title>
+  <cs:trendline>
+    <cs:lnRef idx="0">
+      <cs:styleClr val="auto"/>
+    </cs:lnRef>
+    <cs:fillRef idx="0"/>
+    <cs:effectRef idx="0"/>
+    <cs:fontRef idx="minor">
+      <a:schemeClr val="dk1"/>
+    </cs:fontRef>
+    <cs:spPr>
+      <a:ln w="19050" cap="rnd">
+        <a:solidFill>
+          <a:schemeClr val="phClr"/>
+        </a:solidFill>
+        <a:round/>
+      </a:ln>
+    </cs:spPr>
+  </cs:trendline>
+  <cs:trendlineLabel>
+    <cs:lnRef idx="0"/>
+    <cs:fillRef idx="0"/>
+    <cs:effectRef idx="0"/>
+    <cs:fontRef idx="minor">
+      <a:schemeClr val="tx1">
+        <a:lumMod val="65000"/>
+        <a:lumOff val="35000"/>
+      </a:schemeClr>
+    </cs:fontRef>
+    <cs:defRPr sz="1197" kern="1200"/>
+  </cs:trendlineLabel>
+  <cs:upBar>
+    <cs:lnRef idx="0"/>
+    <cs:fillRef idx="0"/>
+    <cs:effectRef idx="0"/>
+    <cs:fontRef idx="minor">
+      <a:schemeClr val="dk1"/>
+    </cs:fontRef>
+    <cs:spPr>
+      <a:solidFill>
+        <a:schemeClr val="lt1"/>
+      </a:solidFill>
+      <a:ln w="9525">
+        <a:solidFill>
+          <a:schemeClr val="tx1">
+            <a:lumMod val="50000"/>
+            <a:lumOff val="50000"/>
+          </a:schemeClr>
+        </a:solidFill>
+      </a:ln>
+    </cs:spPr>
+  </cs:upBar>
+  <cs:valueAxis>
+    <cs:lnRef idx="0"/>
+    <cs:fillRef idx="0"/>
+    <cs:effectRef idx="0"/>
+    <cs:fontRef idx="minor">
+      <a:schemeClr val="tx1">
+        <a:lumMod val="65000"/>
+        <a:lumOff val="35000"/>
+      </a:schemeClr>
+    </cs:fontRef>
+    <cs:defRPr sz="1197" kern="1200"/>
+  </cs:valueAxis>
+  <cs:wall>
+    <cs:lnRef idx="0"/>
+    <cs:fillRef idx="0"/>
+    <cs:effectRef idx="0"/>
+    <cs:fontRef idx="minor">
+      <a:schemeClr val="dk1"/>
+    </cs:fontRef>
   </cs:wall>
 </cs:chartStyle>
 </file>
@@ -11873,6 +13547,931 @@
         <p:spPr>
           <a:xfrm>
             <a:off x="512561" y="406800"/>
+            <a:ext cx="5795474" cy="461665"/>
+          </a:xfrm>
+          <a:prstGeom prst="rect">
+            <a:avLst/>
+          </a:prstGeom>
+          <a:noFill/>
+        </p:spPr>
+        <p:txBody>
+          <a:bodyPr wrap="square" rtlCol="0">
+            <a:spAutoFit/>
+          </a:bodyPr>
+          <a:lstStyle/>
+          <a:p>
+            <a:r>
+              <a:rPr lang="pt-BR" sz="2400" spc="600" dirty="0">
+                <a:solidFill>
+                  <a:schemeClr val="bg1">
+                    <a:lumMod val="65000"/>
+                  </a:schemeClr>
+                </a:solidFill>
+                <a:latin typeface="Agency FB" panose="020B0503020202020204" pitchFamily="34" charset="0"/>
+                <a:ea typeface="Batang" panose="02030600000101010101" pitchFamily="18" charset="-127"/>
+              </a:rPr>
+              <a:t>DIFICULDADES NO RECRUTAMENTO</a:t>
+            </a:r>
+          </a:p>
+        </p:txBody>
+      </p:sp>
+      <p:pic>
+        <p:nvPicPr>
+          <p:cNvPr id="5" name="Imagem 4">
+            <a:extLst>
+              <a:ext uri="{FF2B5EF4-FFF2-40B4-BE49-F238E27FC236}">
+                <a16:creationId xmlns:a16="http://schemas.microsoft.com/office/drawing/2014/main" id="{BB0A6787-3AD8-46A0-920A-BEC272CD647C}"/>
+              </a:ext>
+            </a:extLst>
+          </p:cNvPr>
+          <p:cNvPicPr>
+            <a:picLocks noChangeAspect="1"/>
+          </p:cNvPicPr>
+          <p:nvPr/>
+        </p:nvPicPr>
+        <p:blipFill>
+          <a:blip r:embed="rId2" cstate="print">
+            <a:extLst>
+              <a:ext uri="{28A0092B-C50C-407E-A947-70E740481C1C}">
+                <a14:useLocalDpi xmlns:a14="http://schemas.microsoft.com/office/drawing/2010/main" val="0"/>
+              </a:ext>
+            </a:extLst>
+          </a:blip>
+          <a:stretch>
+            <a:fillRect/>
+          </a:stretch>
+        </p:blipFill>
+        <p:spPr>
+          <a:xfrm>
+            <a:off x="11703860" y="6391392"/>
+            <a:ext cx="366488" cy="366488"/>
+          </a:xfrm>
+          <a:prstGeom prst="rect">
+            <a:avLst/>
+          </a:prstGeom>
+        </p:spPr>
+      </p:pic>
+      <p:sp>
+        <p:nvSpPr>
+          <p:cNvPr id="6" name="Arredondar Retângulo em um Canto Diagonal 53">
+            <a:extLst>
+              <a:ext uri="{FF2B5EF4-FFF2-40B4-BE49-F238E27FC236}">
+                <a16:creationId xmlns:a16="http://schemas.microsoft.com/office/drawing/2014/main" id="{737288A4-C4D9-42D1-AFEE-69604EB63A24}"/>
+              </a:ext>
+            </a:extLst>
+          </p:cNvPr>
+          <p:cNvSpPr/>
+          <p:nvPr/>
+        </p:nvSpPr>
+        <p:spPr>
+          <a:xfrm flipV="1">
+            <a:off x="602012" y="1019777"/>
+            <a:ext cx="10808110" cy="36000"/>
+          </a:xfrm>
+          <a:prstGeom prst="round2DiagRect">
+            <a:avLst/>
+          </a:prstGeom>
+          <a:gradFill flip="none" rotWithShape="1">
+            <a:gsLst>
+              <a:gs pos="0">
+                <a:srgbClr val="6C5CE7"/>
+              </a:gs>
+              <a:gs pos="100000">
+                <a:srgbClr val="81ECEC"/>
+              </a:gs>
+            </a:gsLst>
+            <a:path path="circle">
+              <a:fillToRect l="100000" t="100000"/>
+            </a:path>
+            <a:tileRect r="-100000" b="-100000"/>
+          </a:gradFill>
+          <a:ln>
+            <a:noFill/>
+          </a:ln>
+        </p:spPr>
+        <p:style>
+          <a:lnRef idx="2">
+            <a:schemeClr val="accent1">
+              <a:shade val="50000"/>
+            </a:schemeClr>
+          </a:lnRef>
+          <a:fillRef idx="1">
+            <a:schemeClr val="accent1"/>
+          </a:fillRef>
+          <a:effectRef idx="0">
+            <a:schemeClr val="accent1"/>
+          </a:effectRef>
+          <a:fontRef idx="minor">
+            <a:schemeClr val="lt1"/>
+          </a:fontRef>
+        </p:style>
+        <p:txBody>
+          <a:bodyPr rtlCol="0" anchor="ctr"/>
+          <a:lstStyle/>
+          <a:p>
+            <a:pPr algn="ctr"/>
+            <a:endParaRPr lang="pt-BR" dirty="0"/>
+          </a:p>
+        </p:txBody>
+      </p:sp>
+      <p:graphicFrame>
+        <p:nvGraphicFramePr>
+          <p:cNvPr id="11" name="Gráfico 10">
+            <a:extLst>
+              <a:ext uri="{FF2B5EF4-FFF2-40B4-BE49-F238E27FC236}">
+                <a16:creationId xmlns:a16="http://schemas.microsoft.com/office/drawing/2014/main" id="{80FE3F1A-2D81-4861-A682-B864681A547A}"/>
+              </a:ext>
+            </a:extLst>
+          </p:cNvPr>
+          <p:cNvGraphicFramePr/>
+          <p:nvPr/>
+        </p:nvGraphicFramePr>
+        <p:xfrm>
+          <a:off x="5122035" y="1714500"/>
+          <a:ext cx="6288087" cy="4244623"/>
+        </p:xfrm>
+        <a:graphic>
+          <a:graphicData uri="http://schemas.openxmlformats.org/drawingml/2006/chart">
+            <c:chart xmlns:c="http://schemas.openxmlformats.org/drawingml/2006/chart" xmlns:r="http://schemas.openxmlformats.org/officeDocument/2006/relationships" r:id="rId3"/>
+          </a:graphicData>
+        </a:graphic>
+      </p:graphicFrame>
+      <p:pic>
+        <p:nvPicPr>
+          <p:cNvPr id="14" name="Imagem 13">
+            <a:extLst>
+              <a:ext uri="{FF2B5EF4-FFF2-40B4-BE49-F238E27FC236}">
+                <a16:creationId xmlns:a16="http://schemas.microsoft.com/office/drawing/2014/main" id="{30AE2DC6-9365-4A58-9C0B-7B824A760C0E}"/>
+              </a:ext>
+            </a:extLst>
+          </p:cNvPr>
+          <p:cNvPicPr>
+            <a:picLocks noChangeAspect="1"/>
+          </p:cNvPicPr>
+          <p:nvPr/>
+        </p:nvPicPr>
+        <p:blipFill>
+          <a:blip r:embed="rId4" cstate="print">
+            <a:extLst>
+              <a:ext uri="{28A0092B-C50C-407E-A947-70E740481C1C}">
+                <a14:useLocalDpi xmlns:a14="http://schemas.microsoft.com/office/drawing/2010/main" val="0"/>
+              </a:ext>
+            </a:extLst>
+          </a:blip>
+          <a:stretch>
+            <a:fillRect/>
+          </a:stretch>
+        </p:blipFill>
+        <p:spPr>
+          <a:xfrm>
+            <a:off x="7577726" y="5992987"/>
+            <a:ext cx="398405" cy="398405"/>
+          </a:xfrm>
+          <a:prstGeom prst="rect">
+            <a:avLst/>
+          </a:prstGeom>
+        </p:spPr>
+      </p:pic>
+      <p:pic>
+        <p:nvPicPr>
+          <p:cNvPr id="17" name="Imagem 16" descr="Uma imagem contendo placar, desenho&#10;&#10;Descrição gerada automaticamente">
+            <a:extLst>
+              <a:ext uri="{FF2B5EF4-FFF2-40B4-BE49-F238E27FC236}">
+                <a16:creationId xmlns:a16="http://schemas.microsoft.com/office/drawing/2014/main" id="{08CCADF0-C8B6-4230-910E-247EEFC5CBD3}"/>
+              </a:ext>
+            </a:extLst>
+          </p:cNvPr>
+          <p:cNvPicPr>
+            <a:picLocks noChangeAspect="1"/>
+          </p:cNvPicPr>
+          <p:nvPr/>
+        </p:nvPicPr>
+        <p:blipFill>
+          <a:blip r:embed="rId5" cstate="print">
+            <a:extLst>
+              <a:ext uri="{28A0092B-C50C-407E-A947-70E740481C1C}">
+                <a14:useLocalDpi xmlns:a14="http://schemas.microsoft.com/office/drawing/2010/main" val="0"/>
+              </a:ext>
+            </a:extLst>
+          </a:blip>
+          <a:stretch>
+            <a:fillRect/>
+          </a:stretch>
+        </p:blipFill>
+        <p:spPr>
+          <a:xfrm>
+            <a:off x="-775378" y="5300744"/>
+            <a:ext cx="1557256" cy="1557256"/>
+          </a:xfrm>
+          <a:prstGeom prst="rect">
+            <a:avLst/>
+          </a:prstGeom>
+        </p:spPr>
+      </p:pic>
+      <p:sp>
+        <p:nvSpPr>
+          <p:cNvPr id="19" name="Espaço Reservado para Conteúdo 2">
+            <a:extLst>
+              <a:ext uri="{FF2B5EF4-FFF2-40B4-BE49-F238E27FC236}">
+                <a16:creationId xmlns:a16="http://schemas.microsoft.com/office/drawing/2014/main" id="{3599F602-8998-41C5-90C8-611FB1E52938}"/>
+              </a:ext>
+            </a:extLst>
+          </p:cNvPr>
+          <p:cNvSpPr>
+            <a:spLocks noGrp="1"/>
+          </p:cNvSpPr>
+          <p:nvPr>
+            <p:ph idx="1"/>
+          </p:nvPr>
+        </p:nvSpPr>
+        <p:spPr>
+          <a:xfrm>
+            <a:off x="781878" y="3192622"/>
+            <a:ext cx="3821800" cy="1288378"/>
+          </a:xfrm>
+        </p:spPr>
+        <p:txBody>
+          <a:bodyPr>
+            <a:noAutofit/>
+          </a:bodyPr>
+          <a:lstStyle/>
+          <a:p>
+            <a:pPr marL="0" indent="0" algn="ctr">
+              <a:lnSpc>
+                <a:spcPct val="120000"/>
+              </a:lnSpc>
+              <a:buNone/>
+            </a:pPr>
+            <a:r>
+              <a:rPr lang="pt-BR" sz="1800" dirty="0">
+                <a:solidFill>
+                  <a:schemeClr val="tx1">
+                    <a:lumMod val="75000"/>
+                    <a:lumOff val="25000"/>
+                  </a:schemeClr>
+                </a:solidFill>
+                <a:latin typeface="Lemon/Milk light" panose="020B0303050302020204" pitchFamily="34" charset="0"/>
+              </a:rPr>
+              <a:t>A PLATAFORMA IRÁ DISPONIBILIZAR CURSOS EAD PARA A CAPACITAÇÃO DOS CANDIDATOS</a:t>
+            </a:r>
+          </a:p>
+        </p:txBody>
+      </p:sp>
+    </p:spTree>
+    <p:extLst>
+      <p:ext uri="{BB962C8B-B14F-4D97-AF65-F5344CB8AC3E}">
+        <p14:creationId xmlns:p14="http://schemas.microsoft.com/office/powerpoint/2010/main" val="604053236"/>
+      </p:ext>
+    </p:extLst>
+  </p:cSld>
+  <p:clrMapOvr>
+    <a:masterClrMapping/>
+  </p:clrMapOvr>
+  <mc:AlternateContent xmlns:mc="http://schemas.openxmlformats.org/markup-compatibility/2006" xmlns:p159="http://schemas.microsoft.com/office/powerpoint/2015/09/main">
+    <mc:Choice Requires="p159">
+      <p:transition xmlns:p14="http://schemas.microsoft.com/office/powerpoint/2010/main" spd="slow" p14:dur="2000">
+        <p159:morph option="byObject"/>
+      </p:transition>
+    </mc:Choice>
+    <mc:Fallback xmlns="">
+      <p:transition spd="slow">
+        <p:fade/>
+      </p:transition>
+    </mc:Fallback>
+  </mc:AlternateContent>
+</p:sld>
+</file>
+
+<file path=ppt/slides/slide13.xml><?xml version="1.0" encoding="utf-8"?>
+<p:sld xmlns:a="http://schemas.openxmlformats.org/drawingml/2006/main" xmlns:r="http://schemas.openxmlformats.org/officeDocument/2006/relationships" xmlns:p="http://schemas.openxmlformats.org/presentationml/2006/main">
+  <p:cSld>
+    <p:spTree>
+      <p:nvGrpSpPr>
+        <p:cNvPr id="1" name=""/>
+        <p:cNvGrpSpPr/>
+        <p:nvPr/>
+      </p:nvGrpSpPr>
+      <p:grpSpPr>
+        <a:xfrm>
+          <a:off x="0" y="0"/>
+          <a:ext cx="0" cy="0"/>
+          <a:chOff x="0" y="0"/>
+          <a:chExt cx="0" cy="0"/>
+        </a:xfrm>
+      </p:grpSpPr>
+      <p:sp>
+        <p:nvSpPr>
+          <p:cNvPr id="4" name="CaixaDeTexto 3">
+            <a:extLst>
+              <a:ext uri="{FF2B5EF4-FFF2-40B4-BE49-F238E27FC236}">
+                <a16:creationId xmlns:a16="http://schemas.microsoft.com/office/drawing/2014/main" id="{39489834-BD31-45E8-B1B6-9AA3E64A460A}"/>
+              </a:ext>
+            </a:extLst>
+          </p:cNvPr>
+          <p:cNvSpPr txBox="1"/>
+          <p:nvPr/>
+        </p:nvSpPr>
+        <p:spPr>
+          <a:xfrm>
+            <a:off x="512561" y="406800"/>
+            <a:ext cx="5795474" cy="461665"/>
+          </a:xfrm>
+          <a:prstGeom prst="rect">
+            <a:avLst/>
+          </a:prstGeom>
+          <a:noFill/>
+        </p:spPr>
+        <p:txBody>
+          <a:bodyPr wrap="square" rtlCol="0">
+            <a:spAutoFit/>
+          </a:bodyPr>
+          <a:lstStyle/>
+          <a:p>
+            <a:r>
+              <a:rPr lang="pt-BR" sz="2400" spc="600" dirty="0">
+                <a:solidFill>
+                  <a:schemeClr val="bg1">
+                    <a:lumMod val="65000"/>
+                  </a:schemeClr>
+                </a:solidFill>
+                <a:latin typeface="Agency FB" panose="020B0503020202020204" pitchFamily="34" charset="0"/>
+                <a:ea typeface="Batang" panose="02030600000101010101" pitchFamily="18" charset="-127"/>
+              </a:rPr>
+              <a:t>DIFICULDADES NO RECRUTAMENTO</a:t>
+            </a:r>
+          </a:p>
+        </p:txBody>
+      </p:sp>
+      <p:pic>
+        <p:nvPicPr>
+          <p:cNvPr id="5" name="Imagem 4">
+            <a:extLst>
+              <a:ext uri="{FF2B5EF4-FFF2-40B4-BE49-F238E27FC236}">
+                <a16:creationId xmlns:a16="http://schemas.microsoft.com/office/drawing/2014/main" id="{BB0A6787-3AD8-46A0-920A-BEC272CD647C}"/>
+              </a:ext>
+            </a:extLst>
+          </p:cNvPr>
+          <p:cNvPicPr>
+            <a:picLocks noChangeAspect="1"/>
+          </p:cNvPicPr>
+          <p:nvPr/>
+        </p:nvPicPr>
+        <p:blipFill>
+          <a:blip r:embed="rId2" cstate="print">
+            <a:extLst>
+              <a:ext uri="{28A0092B-C50C-407E-A947-70E740481C1C}">
+                <a14:useLocalDpi xmlns:a14="http://schemas.microsoft.com/office/drawing/2010/main" val="0"/>
+              </a:ext>
+            </a:extLst>
+          </a:blip>
+          <a:stretch>
+            <a:fillRect/>
+          </a:stretch>
+        </p:blipFill>
+        <p:spPr>
+          <a:xfrm>
+            <a:off x="11703860" y="6391392"/>
+            <a:ext cx="366488" cy="366488"/>
+          </a:xfrm>
+          <a:prstGeom prst="rect">
+            <a:avLst/>
+          </a:prstGeom>
+        </p:spPr>
+      </p:pic>
+      <p:sp>
+        <p:nvSpPr>
+          <p:cNvPr id="6" name="Arredondar Retângulo em um Canto Diagonal 53">
+            <a:extLst>
+              <a:ext uri="{FF2B5EF4-FFF2-40B4-BE49-F238E27FC236}">
+                <a16:creationId xmlns:a16="http://schemas.microsoft.com/office/drawing/2014/main" id="{737288A4-C4D9-42D1-AFEE-69604EB63A24}"/>
+              </a:ext>
+            </a:extLst>
+          </p:cNvPr>
+          <p:cNvSpPr/>
+          <p:nvPr/>
+        </p:nvSpPr>
+        <p:spPr>
+          <a:xfrm flipV="1">
+            <a:off x="602012" y="1019777"/>
+            <a:ext cx="10808110" cy="36000"/>
+          </a:xfrm>
+          <a:prstGeom prst="round2DiagRect">
+            <a:avLst/>
+          </a:prstGeom>
+          <a:gradFill flip="none" rotWithShape="1">
+            <a:gsLst>
+              <a:gs pos="0">
+                <a:srgbClr val="6C5CE7"/>
+              </a:gs>
+              <a:gs pos="100000">
+                <a:srgbClr val="81ECEC"/>
+              </a:gs>
+            </a:gsLst>
+            <a:path path="circle">
+              <a:fillToRect l="100000" t="100000"/>
+            </a:path>
+            <a:tileRect r="-100000" b="-100000"/>
+          </a:gradFill>
+          <a:ln>
+            <a:noFill/>
+          </a:ln>
+        </p:spPr>
+        <p:style>
+          <a:lnRef idx="2">
+            <a:schemeClr val="accent1">
+              <a:shade val="50000"/>
+            </a:schemeClr>
+          </a:lnRef>
+          <a:fillRef idx="1">
+            <a:schemeClr val="accent1"/>
+          </a:fillRef>
+          <a:effectRef idx="0">
+            <a:schemeClr val="accent1"/>
+          </a:effectRef>
+          <a:fontRef idx="minor">
+            <a:schemeClr val="lt1"/>
+          </a:fontRef>
+        </p:style>
+        <p:txBody>
+          <a:bodyPr rtlCol="0" anchor="ctr"/>
+          <a:lstStyle/>
+          <a:p>
+            <a:pPr algn="ctr"/>
+            <a:endParaRPr lang="pt-BR" dirty="0"/>
+          </a:p>
+        </p:txBody>
+      </p:sp>
+      <p:graphicFrame>
+        <p:nvGraphicFramePr>
+          <p:cNvPr id="11" name="Gráfico 10">
+            <a:extLst>
+              <a:ext uri="{FF2B5EF4-FFF2-40B4-BE49-F238E27FC236}">
+                <a16:creationId xmlns:a16="http://schemas.microsoft.com/office/drawing/2014/main" id="{80FE3F1A-2D81-4861-A682-B864681A547A}"/>
+              </a:ext>
+            </a:extLst>
+          </p:cNvPr>
+          <p:cNvGraphicFramePr/>
+          <p:nvPr/>
+        </p:nvGraphicFramePr>
+        <p:xfrm>
+          <a:off x="5122035" y="1714500"/>
+          <a:ext cx="6288087" cy="4244623"/>
+        </p:xfrm>
+        <a:graphic>
+          <a:graphicData uri="http://schemas.openxmlformats.org/drawingml/2006/chart">
+            <c:chart xmlns:c="http://schemas.openxmlformats.org/drawingml/2006/chart" xmlns:r="http://schemas.openxmlformats.org/officeDocument/2006/relationships" r:id="rId3"/>
+          </a:graphicData>
+        </a:graphic>
+      </p:graphicFrame>
+      <p:pic>
+        <p:nvPicPr>
+          <p:cNvPr id="14" name="Imagem 13">
+            <a:extLst>
+              <a:ext uri="{FF2B5EF4-FFF2-40B4-BE49-F238E27FC236}">
+                <a16:creationId xmlns:a16="http://schemas.microsoft.com/office/drawing/2014/main" id="{30AE2DC6-9365-4A58-9C0B-7B824A760C0E}"/>
+              </a:ext>
+            </a:extLst>
+          </p:cNvPr>
+          <p:cNvPicPr>
+            <a:picLocks noChangeAspect="1"/>
+          </p:cNvPicPr>
+          <p:nvPr/>
+        </p:nvPicPr>
+        <p:blipFill>
+          <a:blip r:embed="rId4" cstate="print">
+            <a:extLst>
+              <a:ext uri="{28A0092B-C50C-407E-A947-70E740481C1C}">
+                <a14:useLocalDpi xmlns:a14="http://schemas.microsoft.com/office/drawing/2010/main" val="0"/>
+              </a:ext>
+            </a:extLst>
+          </a:blip>
+          <a:stretch>
+            <a:fillRect/>
+          </a:stretch>
+        </p:blipFill>
+        <p:spPr>
+          <a:xfrm>
+            <a:off x="7577726" y="5992987"/>
+            <a:ext cx="398405" cy="398405"/>
+          </a:xfrm>
+          <a:prstGeom prst="rect">
+            <a:avLst/>
+          </a:prstGeom>
+        </p:spPr>
+      </p:pic>
+      <p:pic>
+        <p:nvPicPr>
+          <p:cNvPr id="15" name="Imagem 14">
+            <a:extLst>
+              <a:ext uri="{FF2B5EF4-FFF2-40B4-BE49-F238E27FC236}">
+                <a16:creationId xmlns:a16="http://schemas.microsoft.com/office/drawing/2014/main" id="{A02C192F-38FC-4BF5-9255-00B4052069D9}"/>
+              </a:ext>
+            </a:extLst>
+          </p:cNvPr>
+          <p:cNvPicPr>
+            <a:picLocks noChangeAspect="1"/>
+          </p:cNvPicPr>
+          <p:nvPr/>
+        </p:nvPicPr>
+        <p:blipFill>
+          <a:blip r:embed="rId4" cstate="print">
+            <a:extLst>
+              <a:ext uri="{28A0092B-C50C-407E-A947-70E740481C1C}">
+                <a14:useLocalDpi xmlns:a14="http://schemas.microsoft.com/office/drawing/2010/main" val="0"/>
+              </a:ext>
+            </a:extLst>
+          </a:blip>
+          <a:stretch>
+            <a:fillRect/>
+          </a:stretch>
+        </p:blipFill>
+        <p:spPr>
+          <a:xfrm>
+            <a:off x="9005027" y="6029923"/>
+            <a:ext cx="398405" cy="398405"/>
+          </a:xfrm>
+          <a:prstGeom prst="rect">
+            <a:avLst/>
+          </a:prstGeom>
+        </p:spPr>
+      </p:pic>
+      <p:pic>
+        <p:nvPicPr>
+          <p:cNvPr id="16" name="Imagem 15">
+            <a:extLst>
+              <a:ext uri="{FF2B5EF4-FFF2-40B4-BE49-F238E27FC236}">
+                <a16:creationId xmlns:a16="http://schemas.microsoft.com/office/drawing/2014/main" id="{D04E68FB-1FB6-442F-A2D0-114D3A6B3EB7}"/>
+              </a:ext>
+            </a:extLst>
+          </p:cNvPr>
+          <p:cNvPicPr>
+            <a:picLocks noChangeAspect="1"/>
+          </p:cNvPicPr>
+          <p:nvPr/>
+        </p:nvPicPr>
+        <p:blipFill>
+          <a:blip r:embed="rId4" cstate="print">
+            <a:extLst>
+              <a:ext uri="{28A0092B-C50C-407E-A947-70E740481C1C}">
+                <a14:useLocalDpi xmlns:a14="http://schemas.microsoft.com/office/drawing/2010/main" val="0"/>
+              </a:ext>
+            </a:extLst>
+          </a:blip>
+          <a:stretch>
+            <a:fillRect/>
+          </a:stretch>
+        </p:blipFill>
+        <p:spPr>
+          <a:xfrm>
+            <a:off x="10354443" y="6029923"/>
+            <a:ext cx="398405" cy="398405"/>
+          </a:xfrm>
+          <a:prstGeom prst="rect">
+            <a:avLst/>
+          </a:prstGeom>
+        </p:spPr>
+      </p:pic>
+      <p:pic>
+        <p:nvPicPr>
+          <p:cNvPr id="17" name="Imagem 16" descr="Uma imagem contendo placar, desenho&#10;&#10;Descrição gerada automaticamente">
+            <a:extLst>
+              <a:ext uri="{FF2B5EF4-FFF2-40B4-BE49-F238E27FC236}">
+                <a16:creationId xmlns:a16="http://schemas.microsoft.com/office/drawing/2014/main" id="{08CCADF0-C8B6-4230-910E-247EEFC5CBD3}"/>
+              </a:ext>
+            </a:extLst>
+          </p:cNvPr>
+          <p:cNvPicPr>
+            <a:picLocks noChangeAspect="1"/>
+          </p:cNvPicPr>
+          <p:nvPr/>
+        </p:nvPicPr>
+        <p:blipFill>
+          <a:blip r:embed="rId5" cstate="print">
+            <a:extLst>
+              <a:ext uri="{28A0092B-C50C-407E-A947-70E740481C1C}">
+                <a14:useLocalDpi xmlns:a14="http://schemas.microsoft.com/office/drawing/2010/main" val="0"/>
+              </a:ext>
+            </a:extLst>
+          </a:blip>
+          <a:stretch>
+            <a:fillRect/>
+          </a:stretch>
+        </p:blipFill>
+        <p:spPr>
+          <a:xfrm>
+            <a:off x="-775378" y="5300744"/>
+            <a:ext cx="1557256" cy="1557256"/>
+          </a:xfrm>
+          <a:prstGeom prst="rect">
+            <a:avLst/>
+          </a:prstGeom>
+        </p:spPr>
+      </p:pic>
+      <p:pic>
+        <p:nvPicPr>
+          <p:cNvPr id="10" name="Imagem 9">
+            <a:extLst>
+              <a:ext uri="{FF2B5EF4-FFF2-40B4-BE49-F238E27FC236}">
+                <a16:creationId xmlns:a16="http://schemas.microsoft.com/office/drawing/2014/main" id="{4983F0C2-8CE2-4AD7-AE75-860E99079AF2}"/>
+              </a:ext>
+            </a:extLst>
+          </p:cNvPr>
+          <p:cNvPicPr>
+            <a:picLocks noChangeAspect="1"/>
+          </p:cNvPicPr>
+          <p:nvPr/>
+        </p:nvPicPr>
+        <p:blipFill>
+          <a:blip r:embed="rId6">
+            <a:extLst>
+              <a:ext uri="{28A0092B-C50C-407E-A947-70E740481C1C}">
+                <a14:useLocalDpi xmlns:a14="http://schemas.microsoft.com/office/drawing/2010/main" val="0"/>
+              </a:ext>
+            </a:extLst>
+          </a:blip>
+          <a:srcRect/>
+          <a:stretch/>
+        </p:blipFill>
+        <p:spPr>
+          <a:xfrm>
+            <a:off x="1398415" y="2026086"/>
+            <a:ext cx="2470058" cy="4348249"/>
+          </a:xfrm>
+          <a:prstGeom prst="rect">
+            <a:avLst/>
+          </a:prstGeom>
+        </p:spPr>
+      </p:pic>
+      <p:sp>
+        <p:nvSpPr>
+          <p:cNvPr id="12" name="Espaço Reservado para Conteúdo 2">
+            <a:extLst>
+              <a:ext uri="{FF2B5EF4-FFF2-40B4-BE49-F238E27FC236}">
+                <a16:creationId xmlns:a16="http://schemas.microsoft.com/office/drawing/2014/main" id="{AEAA745F-BB2D-4A30-BF73-DFEBDC11B71B}"/>
+              </a:ext>
+            </a:extLst>
+          </p:cNvPr>
+          <p:cNvSpPr txBox="1">
+            <a:spLocks/>
+          </p:cNvSpPr>
+          <p:nvPr/>
+        </p:nvSpPr>
+        <p:spPr>
+          <a:xfrm>
+            <a:off x="995369" y="1207089"/>
+            <a:ext cx="10021396" cy="491830"/>
+          </a:xfrm>
+          <a:prstGeom prst="rect">
+            <a:avLst/>
+          </a:prstGeom>
+        </p:spPr>
+        <p:txBody>
+          <a:bodyPr vert="horz" lIns="91440" tIns="45720" rIns="91440" bIns="45720" rtlCol="0">
+            <a:noAutofit/>
+          </a:bodyPr>
+          <a:lstStyle>
+            <a:lvl1pPr marL="228600" indent="-228600" algn="l" defTabSz="914400" rtl="0" eaLnBrk="1" latinLnBrk="0" hangingPunct="1">
+              <a:lnSpc>
+                <a:spcPct val="90000"/>
+              </a:lnSpc>
+              <a:spcBef>
+                <a:spcPts val="1000"/>
+              </a:spcBef>
+              <a:buFont typeface="Arial" panose="020B0604020202020204" pitchFamily="34" charset="0"/>
+              <a:buChar char="•"/>
+              <a:defRPr sz="2800" kern="1200">
+                <a:solidFill>
+                  <a:schemeClr val="tx1"/>
+                </a:solidFill>
+                <a:latin typeface="+mn-lt"/>
+                <a:ea typeface="+mn-ea"/>
+                <a:cs typeface="+mn-cs"/>
+              </a:defRPr>
+            </a:lvl1pPr>
+            <a:lvl2pPr marL="685800" indent="-228600" algn="l" defTabSz="914400" rtl="0" eaLnBrk="1" latinLnBrk="0" hangingPunct="1">
+              <a:lnSpc>
+                <a:spcPct val="90000"/>
+              </a:lnSpc>
+              <a:spcBef>
+                <a:spcPts val="500"/>
+              </a:spcBef>
+              <a:buFont typeface="Arial" panose="020B0604020202020204" pitchFamily="34" charset="0"/>
+              <a:buChar char="•"/>
+              <a:defRPr sz="2400" kern="1200">
+                <a:solidFill>
+                  <a:schemeClr val="tx1"/>
+                </a:solidFill>
+                <a:latin typeface="+mn-lt"/>
+                <a:ea typeface="+mn-ea"/>
+                <a:cs typeface="+mn-cs"/>
+              </a:defRPr>
+            </a:lvl2pPr>
+            <a:lvl3pPr marL="1143000" indent="-228600" algn="l" defTabSz="914400" rtl="0" eaLnBrk="1" latinLnBrk="0" hangingPunct="1">
+              <a:lnSpc>
+                <a:spcPct val="90000"/>
+              </a:lnSpc>
+              <a:spcBef>
+                <a:spcPts val="500"/>
+              </a:spcBef>
+              <a:buFont typeface="Arial" panose="020B0604020202020204" pitchFamily="34" charset="0"/>
+              <a:buChar char="•"/>
+              <a:defRPr sz="2000" kern="1200">
+                <a:solidFill>
+                  <a:schemeClr val="tx1"/>
+                </a:solidFill>
+                <a:latin typeface="+mn-lt"/>
+                <a:ea typeface="+mn-ea"/>
+                <a:cs typeface="+mn-cs"/>
+              </a:defRPr>
+            </a:lvl3pPr>
+            <a:lvl4pPr marL="1600200" indent="-228600" algn="l" defTabSz="914400" rtl="0" eaLnBrk="1" latinLnBrk="0" hangingPunct="1">
+              <a:lnSpc>
+                <a:spcPct val="90000"/>
+              </a:lnSpc>
+              <a:spcBef>
+                <a:spcPts val="500"/>
+              </a:spcBef>
+              <a:buFont typeface="Arial" panose="020B0604020202020204" pitchFamily="34" charset="0"/>
+              <a:buChar char="•"/>
+              <a:defRPr sz="1800" kern="1200">
+                <a:solidFill>
+                  <a:schemeClr val="tx1"/>
+                </a:solidFill>
+                <a:latin typeface="+mn-lt"/>
+                <a:ea typeface="+mn-ea"/>
+                <a:cs typeface="+mn-cs"/>
+              </a:defRPr>
+            </a:lvl4pPr>
+            <a:lvl5pPr marL="2057400" indent="-228600" algn="l" defTabSz="914400" rtl="0" eaLnBrk="1" latinLnBrk="0" hangingPunct="1">
+              <a:lnSpc>
+                <a:spcPct val="90000"/>
+              </a:lnSpc>
+              <a:spcBef>
+                <a:spcPts val="500"/>
+              </a:spcBef>
+              <a:buFont typeface="Arial" panose="020B0604020202020204" pitchFamily="34" charset="0"/>
+              <a:buChar char="•"/>
+              <a:defRPr sz="1800" kern="1200">
+                <a:solidFill>
+                  <a:schemeClr val="tx1"/>
+                </a:solidFill>
+                <a:latin typeface="+mn-lt"/>
+                <a:ea typeface="+mn-ea"/>
+                <a:cs typeface="+mn-cs"/>
+              </a:defRPr>
+            </a:lvl5pPr>
+            <a:lvl6pPr marL="2514600" indent="-228600" algn="l" defTabSz="914400" rtl="0" eaLnBrk="1" latinLnBrk="0" hangingPunct="1">
+              <a:lnSpc>
+                <a:spcPct val="90000"/>
+              </a:lnSpc>
+              <a:spcBef>
+                <a:spcPts val="500"/>
+              </a:spcBef>
+              <a:buFont typeface="Arial" panose="020B0604020202020204" pitchFamily="34" charset="0"/>
+              <a:buChar char="•"/>
+              <a:defRPr sz="1800" kern="1200">
+                <a:solidFill>
+                  <a:schemeClr val="tx1"/>
+                </a:solidFill>
+                <a:latin typeface="+mn-lt"/>
+                <a:ea typeface="+mn-ea"/>
+                <a:cs typeface="+mn-cs"/>
+              </a:defRPr>
+            </a:lvl6pPr>
+            <a:lvl7pPr marL="2971800" indent="-228600" algn="l" defTabSz="914400" rtl="0" eaLnBrk="1" latinLnBrk="0" hangingPunct="1">
+              <a:lnSpc>
+                <a:spcPct val="90000"/>
+              </a:lnSpc>
+              <a:spcBef>
+                <a:spcPts val="500"/>
+              </a:spcBef>
+              <a:buFont typeface="Arial" panose="020B0604020202020204" pitchFamily="34" charset="0"/>
+              <a:buChar char="•"/>
+              <a:defRPr sz="1800" kern="1200">
+                <a:solidFill>
+                  <a:schemeClr val="tx1"/>
+                </a:solidFill>
+                <a:latin typeface="+mn-lt"/>
+                <a:ea typeface="+mn-ea"/>
+                <a:cs typeface="+mn-cs"/>
+              </a:defRPr>
+            </a:lvl7pPr>
+            <a:lvl8pPr marL="3429000" indent="-228600" algn="l" defTabSz="914400" rtl="0" eaLnBrk="1" latinLnBrk="0" hangingPunct="1">
+              <a:lnSpc>
+                <a:spcPct val="90000"/>
+              </a:lnSpc>
+              <a:spcBef>
+                <a:spcPts val="500"/>
+              </a:spcBef>
+              <a:buFont typeface="Arial" panose="020B0604020202020204" pitchFamily="34" charset="0"/>
+              <a:buChar char="•"/>
+              <a:defRPr sz="1800" kern="1200">
+                <a:solidFill>
+                  <a:schemeClr val="tx1"/>
+                </a:solidFill>
+                <a:latin typeface="+mn-lt"/>
+                <a:ea typeface="+mn-ea"/>
+                <a:cs typeface="+mn-cs"/>
+              </a:defRPr>
+            </a:lvl8pPr>
+            <a:lvl9pPr marL="3886200" indent="-228600" algn="l" defTabSz="914400" rtl="0" eaLnBrk="1" latinLnBrk="0" hangingPunct="1">
+              <a:lnSpc>
+                <a:spcPct val="90000"/>
+              </a:lnSpc>
+              <a:spcBef>
+                <a:spcPts val="500"/>
+              </a:spcBef>
+              <a:buFont typeface="Arial" panose="020B0604020202020204" pitchFamily="34" charset="0"/>
+              <a:buChar char="•"/>
+              <a:defRPr sz="1800" kern="1200">
+                <a:solidFill>
+                  <a:schemeClr val="tx1"/>
+                </a:solidFill>
+                <a:latin typeface="+mn-lt"/>
+                <a:ea typeface="+mn-ea"/>
+                <a:cs typeface="+mn-cs"/>
+              </a:defRPr>
+            </a:lvl9pPr>
+          </a:lstStyle>
+          <a:p>
+            <a:pPr marL="0" indent="0" algn="ctr">
+              <a:lnSpc>
+                <a:spcPct val="120000"/>
+              </a:lnSpc>
+              <a:buFont typeface="Arial" panose="020B0604020202020204" pitchFamily="34" charset="0"/>
+              <a:buNone/>
+            </a:pPr>
+            <a:r>
+              <a:rPr lang="pt-BR" sz="1800" dirty="0">
+                <a:solidFill>
+                  <a:schemeClr val="bg2">
+                    <a:lumMod val="50000"/>
+                  </a:schemeClr>
+                </a:solidFill>
+                <a:latin typeface="Lemon/Milk light" panose="020B0303050302020204" pitchFamily="34" charset="0"/>
+              </a:rPr>
+              <a:t>PLATAFORMA DE CADASTRO DE VAGAS EXCLUSIVA PARA PCD</a:t>
+            </a:r>
+          </a:p>
+        </p:txBody>
+      </p:sp>
+    </p:spTree>
+    <p:extLst>
+      <p:ext uri="{BB962C8B-B14F-4D97-AF65-F5344CB8AC3E}">
+        <p14:creationId xmlns:p14="http://schemas.microsoft.com/office/powerpoint/2010/main" val="1052529833"/>
+      </p:ext>
+    </p:extLst>
+  </p:cSld>
+  <p:clrMapOvr>
+    <a:masterClrMapping/>
+  </p:clrMapOvr>
+  <mc:AlternateContent xmlns:mc="http://schemas.openxmlformats.org/markup-compatibility/2006" xmlns:p159="http://schemas.microsoft.com/office/powerpoint/2015/09/main">
+    <mc:Choice Requires="p159">
+      <p:transition xmlns:p14="http://schemas.microsoft.com/office/powerpoint/2010/main" spd="slow" p14:dur="2000">
+        <p159:morph option="byObject"/>
+      </p:transition>
+    </mc:Choice>
+    <mc:Fallback xmlns="">
+      <p:transition spd="slow">
+        <p:fade/>
+      </p:transition>
+    </mc:Fallback>
+  </mc:AlternateContent>
+</p:sld>
+</file>
+
+<file path=ppt/slides/slide14.xml><?xml version="1.0" encoding="utf-8"?>
+<p:sld xmlns:a="http://schemas.openxmlformats.org/drawingml/2006/main" xmlns:r="http://schemas.openxmlformats.org/officeDocument/2006/relationships" xmlns:p="http://schemas.openxmlformats.org/presentationml/2006/main">
+  <p:cSld>
+    <p:spTree>
+      <p:nvGrpSpPr>
+        <p:cNvPr id="1" name=""/>
+        <p:cNvGrpSpPr/>
+        <p:nvPr/>
+      </p:nvGrpSpPr>
+      <p:grpSpPr>
+        <a:xfrm>
+          <a:off x="0" y="0"/>
+          <a:ext cx="0" cy="0"/>
+          <a:chOff x="0" y="0"/>
+          <a:chExt cx="0" cy="0"/>
+        </a:xfrm>
+      </p:grpSpPr>
+      <p:sp>
+        <p:nvSpPr>
+          <p:cNvPr id="4" name="CaixaDeTexto 3">
+            <a:extLst>
+              <a:ext uri="{FF2B5EF4-FFF2-40B4-BE49-F238E27FC236}">
+                <a16:creationId xmlns:a16="http://schemas.microsoft.com/office/drawing/2014/main" id="{39489834-BD31-45E8-B1B6-9AA3E64A460A}"/>
+              </a:ext>
+            </a:extLst>
+          </p:cNvPr>
+          <p:cNvSpPr txBox="1"/>
+          <p:nvPr/>
+        </p:nvSpPr>
+        <p:spPr>
+          <a:xfrm>
+            <a:off x="512561" y="406800"/>
             <a:ext cx="4315360" cy="461665"/>
           </a:xfrm>
           <a:prstGeom prst="rect">
@@ -12030,72 +14629,6 @@
           </a:prstGeom>
         </p:spPr>
       </p:pic>
-      <p:pic>
-        <p:nvPicPr>
-          <p:cNvPr id="3" name="Imagem 2">
-            <a:extLst>
-              <a:ext uri="{FF2B5EF4-FFF2-40B4-BE49-F238E27FC236}">
-                <a16:creationId xmlns:a16="http://schemas.microsoft.com/office/drawing/2014/main" id="{5171B872-4C15-44FC-BF0D-784613CBF443}"/>
-              </a:ext>
-            </a:extLst>
-          </p:cNvPr>
-          <p:cNvPicPr>
-            <a:picLocks noChangeAspect="1"/>
-          </p:cNvPicPr>
-          <p:nvPr/>
-        </p:nvPicPr>
-        <p:blipFill>
-          <a:blip r:embed="rId4"/>
-          <a:stretch>
-            <a:fillRect/>
-          </a:stretch>
-        </p:blipFill>
-        <p:spPr>
-          <a:xfrm>
-            <a:off x="8422998" y="1589906"/>
-            <a:ext cx="2417280" cy="4288722"/>
-          </a:xfrm>
-          <a:prstGeom prst="rect">
-            <a:avLst/>
-          </a:prstGeom>
-        </p:spPr>
-      </p:pic>
-      <p:pic>
-        <p:nvPicPr>
-          <p:cNvPr id="7" name="Imagem 6">
-            <a:extLst>
-              <a:ext uri="{FF2B5EF4-FFF2-40B4-BE49-F238E27FC236}">
-                <a16:creationId xmlns:a16="http://schemas.microsoft.com/office/drawing/2014/main" id="{42901CFB-B0AF-47E1-8297-EF8445AB3BD8}"/>
-              </a:ext>
-            </a:extLst>
-          </p:cNvPr>
-          <p:cNvPicPr>
-            <a:picLocks noChangeAspect="1"/>
-          </p:cNvPicPr>
-          <p:nvPr/>
-        </p:nvPicPr>
-        <p:blipFill>
-          <a:blip r:embed="rId5" cstate="print">
-            <a:extLst>
-              <a:ext uri="{28A0092B-C50C-407E-A947-70E740481C1C}">
-                <a14:useLocalDpi xmlns:a14="http://schemas.microsoft.com/office/drawing/2010/main" val="0"/>
-              </a:ext>
-            </a:extLst>
-          </a:blip>
-          <a:stretch>
-            <a:fillRect/>
-          </a:stretch>
-        </p:blipFill>
-        <p:spPr>
-          <a:xfrm>
-            <a:off x="7452786" y="3579827"/>
-            <a:ext cx="209773" cy="209773"/>
-          </a:xfrm>
-          <a:prstGeom prst="rect">
-            <a:avLst/>
-          </a:prstGeom>
-        </p:spPr>
-      </p:pic>
     </p:spTree>
     <p:extLst>
       <p:ext uri="{BB962C8B-B14F-4D97-AF65-F5344CB8AC3E}">
@@ -12118,85 +14651,10 @@
       </p:transition>
     </mc:Fallback>
   </mc:AlternateContent>
-  <p:timing>
-    <p:tnLst>
-      <p:par>
-        <p:cTn id="1" dur="indefinite" restart="never" nodeType="tmRoot">
-          <p:childTnLst>
-            <p:seq concurrent="1" nextAc="seek">
-              <p:cTn id="2" dur="indefinite" nodeType="mainSeq">
-                <p:childTnLst>
-                  <p:par>
-                    <p:cTn id="3" fill="hold">
-                      <p:stCondLst>
-                        <p:cond delay="indefinite"/>
-                      </p:stCondLst>
-                      <p:childTnLst>
-                        <p:par>
-                          <p:cTn id="4" fill="hold">
-                            <p:stCondLst>
-                              <p:cond delay="0"/>
-                            </p:stCondLst>
-                            <p:childTnLst>
-                              <p:par>
-                                <p:cTn id="5" presetID="1" presetClass="entr" presetSubtype="0" fill="hold" nodeType="clickEffect">
-                                  <p:stCondLst>
-                                    <p:cond delay="0"/>
-                                  </p:stCondLst>
-                                  <p:childTnLst>
-                                    <p:set>
-                                      <p:cBhvr>
-                                        <p:cTn id="6" dur="1" fill="hold">
-                                          <p:stCondLst>
-                                            <p:cond delay="0"/>
-                                          </p:stCondLst>
-                                        </p:cTn>
-                                        <p:tgtEl>
-                                          <p:spTgt spid="7"/>
-                                        </p:tgtEl>
-                                        <p:attrNameLst>
-                                          <p:attrName>style.visibility</p:attrName>
-                                        </p:attrNameLst>
-                                      </p:cBhvr>
-                                      <p:to>
-                                        <p:strVal val="visible"/>
-                                      </p:to>
-                                    </p:set>
-                                  </p:childTnLst>
-                                </p:cTn>
-                              </p:par>
-                            </p:childTnLst>
-                          </p:cTn>
-                        </p:par>
-                      </p:childTnLst>
-                    </p:cTn>
-                  </p:par>
-                </p:childTnLst>
-              </p:cTn>
-              <p:prevCondLst>
-                <p:cond evt="onPrev" delay="0">
-                  <p:tgtEl>
-                    <p:sldTgt/>
-                  </p:tgtEl>
-                </p:cond>
-              </p:prevCondLst>
-              <p:nextCondLst>
-                <p:cond evt="onNext" delay="0">
-                  <p:tgtEl>
-                    <p:sldTgt/>
-                  </p:tgtEl>
-                </p:cond>
-              </p:nextCondLst>
-            </p:seq>
-          </p:childTnLst>
-        </p:cTn>
-      </p:par>
-    </p:tnLst>
-  </p:timing>
 </p:sld>
 </file>
 
-<file path=ppt/slides/slide13.xml><?xml version="1.0" encoding="utf-8"?>
+<file path=ppt/slides/slide15.xml><?xml version="1.0" encoding="utf-8"?>
 <p:sld xmlns:a="http://schemas.openxmlformats.org/drawingml/2006/main" xmlns:r="http://schemas.openxmlformats.org/officeDocument/2006/relationships" xmlns:p="http://schemas.openxmlformats.org/presentationml/2006/main">
   <p:cSld>
     <p:spTree>
@@ -12355,10 +14813,401 @@
           </a:p>
         </p:txBody>
       </p:sp>
+      <p:graphicFrame>
+        <p:nvGraphicFramePr>
+          <p:cNvPr id="9" name="Tabela 9">
+            <a:extLst>
+              <a:ext uri="{FF2B5EF4-FFF2-40B4-BE49-F238E27FC236}">
+                <a16:creationId xmlns:a16="http://schemas.microsoft.com/office/drawing/2014/main" id="{790C534C-5EFB-4CB1-A9E8-075A76756574}"/>
+              </a:ext>
+            </a:extLst>
+          </p:cNvPr>
+          <p:cNvGraphicFramePr>
+            <a:graphicFrameLocks noGrp="1"/>
+          </p:cNvGraphicFramePr>
+          <p:nvPr>
+            <p:extLst>
+              <p:ext uri="{D42A27DB-BD31-4B8C-83A1-F6EECF244321}">
+                <p14:modId xmlns:p14="http://schemas.microsoft.com/office/powerpoint/2010/main" val="2734939452"/>
+              </p:ext>
+            </p:extLst>
+          </p:nvPr>
+        </p:nvGraphicFramePr>
+        <p:xfrm>
+          <a:off x="1539460" y="2075155"/>
+          <a:ext cx="9113080" cy="3484774"/>
+        </p:xfrm>
+        <a:graphic>
+          <a:graphicData uri="http://schemas.openxmlformats.org/drawingml/2006/table">
+            <a:tbl>
+              <a:tblPr firstRow="1" bandRow="1">
+                <a:tableStyleId>{5C22544A-7EE6-4342-B048-85BDC9FD1C3A}</a:tableStyleId>
+              </a:tblPr>
+              <a:tblGrid>
+                <a:gridCol w="2278270">
+                  <a:extLst>
+                    <a:ext uri="{9D8B030D-6E8A-4147-A177-3AD203B41FA5}">
+                      <a16:colId xmlns:a16="http://schemas.microsoft.com/office/drawing/2014/main" val="2444875886"/>
+                    </a:ext>
+                  </a:extLst>
+                </a:gridCol>
+                <a:gridCol w="2278270">
+                  <a:extLst>
+                    <a:ext uri="{9D8B030D-6E8A-4147-A177-3AD203B41FA5}">
+                      <a16:colId xmlns:a16="http://schemas.microsoft.com/office/drawing/2014/main" val="3822382992"/>
+                    </a:ext>
+                  </a:extLst>
+                </a:gridCol>
+                <a:gridCol w="2278270">
+                  <a:extLst>
+                    <a:ext uri="{9D8B030D-6E8A-4147-A177-3AD203B41FA5}">
+                      <a16:colId xmlns:a16="http://schemas.microsoft.com/office/drawing/2014/main" val="1064491593"/>
+                    </a:ext>
+                  </a:extLst>
+                </a:gridCol>
+                <a:gridCol w="2278270">
+                  <a:extLst>
+                    <a:ext uri="{9D8B030D-6E8A-4147-A177-3AD203B41FA5}">
+                      <a16:colId xmlns:a16="http://schemas.microsoft.com/office/drawing/2014/main" val="1679282400"/>
+                    </a:ext>
+                  </a:extLst>
+                </a:gridCol>
+              </a:tblGrid>
+              <a:tr h="1050434">
+                <a:tc>
+                  <a:txBody>
+                    <a:bodyPr/>
+                    <a:lstStyle/>
+                    <a:p>
+                      <a:pPr algn="ctr">
+                        <a:lnSpc>
+                          <a:spcPct val="150000"/>
+                        </a:lnSpc>
+                      </a:pPr>
+                      <a:r>
+                        <a:rPr lang="pt-BR" dirty="0">
+                          <a:latin typeface="Lemon/Milk light" panose="020B0303050302020204" pitchFamily="34" charset="0"/>
+                        </a:rPr>
+                        <a:t>Quantidade de Funcionários</a:t>
+                      </a:r>
+                    </a:p>
+                  </a:txBody>
+                  <a:tcPr>
+                    <a:solidFill>
+                      <a:srgbClr val="04B2D9"/>
+                    </a:solidFill>
+                  </a:tcPr>
+                </a:tc>
+                <a:tc>
+                  <a:txBody>
+                    <a:bodyPr/>
+                    <a:lstStyle/>
+                    <a:p>
+                      <a:pPr algn="ctr">
+                        <a:lnSpc>
+                          <a:spcPct val="150000"/>
+                        </a:lnSpc>
+                      </a:pPr>
+                      <a:r>
+                        <a:rPr lang="pt-BR" dirty="0">
+                          <a:latin typeface="Lemon/Milk light" panose="020B0303050302020204" pitchFamily="34" charset="0"/>
+                        </a:rPr>
+                        <a:t>Percentagem por lei</a:t>
+                      </a:r>
+                    </a:p>
+                  </a:txBody>
+                  <a:tcPr>
+                    <a:solidFill>
+                      <a:srgbClr val="04B2D9"/>
+                    </a:solidFill>
+                  </a:tcPr>
+                </a:tc>
+                <a:tc>
+                  <a:txBody>
+                    <a:bodyPr/>
+                    <a:lstStyle/>
+                    <a:p>
+                      <a:pPr algn="ctr">
+                        <a:lnSpc>
+                          <a:spcPct val="150000"/>
+                        </a:lnSpc>
+                      </a:pPr>
+                      <a:r>
+                        <a:rPr lang="pt-BR" dirty="0">
+                          <a:latin typeface="Lemon/Milk light" panose="020B0303050302020204" pitchFamily="34" charset="0"/>
+                        </a:rPr>
+                        <a:t>Quantidade variante</a:t>
+                      </a:r>
+                    </a:p>
+                  </a:txBody>
+                  <a:tcPr>
+                    <a:solidFill>
+                      <a:srgbClr val="04B2D9"/>
+                    </a:solidFill>
+                  </a:tcPr>
+                </a:tc>
+                <a:tc>
+                  <a:txBody>
+                    <a:bodyPr/>
+                    <a:lstStyle/>
+                    <a:p>
+                      <a:pPr algn="ctr">
+                        <a:lnSpc>
+                          <a:spcPct val="150000"/>
+                        </a:lnSpc>
+                      </a:pPr>
+                      <a:r>
+                        <a:rPr lang="pt-BR" dirty="0">
+                          <a:latin typeface="Lemon/Milk light" panose="020B0303050302020204" pitchFamily="34" charset="0"/>
+                        </a:rPr>
+                        <a:t>Plano oferecido</a:t>
+                      </a:r>
+                    </a:p>
+                  </a:txBody>
+                  <a:tcPr>
+                    <a:solidFill>
+                      <a:srgbClr val="04B2D9"/>
+                    </a:solidFill>
+                  </a:tcPr>
+                </a:tc>
+                <a:extLst>
+                  <a:ext uri="{0D108BD9-81ED-4DB2-BD59-A6C34878D82A}">
+                    <a16:rowId xmlns:a16="http://schemas.microsoft.com/office/drawing/2014/main" val="1082666076"/>
+                  </a:ext>
+                </a:extLst>
+              </a:tr>
+              <a:tr h="608585">
+                <a:tc>
+                  <a:txBody>
+                    <a:bodyPr/>
+                    <a:lstStyle/>
+                    <a:p>
+                      <a:r>
+                        <a:rPr lang="pt-BR" dirty="0"/>
+                        <a:t>100 a 200</a:t>
+                      </a:r>
+                    </a:p>
+                  </a:txBody>
+                  <a:tcPr/>
+                </a:tc>
+                <a:tc>
+                  <a:txBody>
+                    <a:bodyPr/>
+                    <a:lstStyle/>
+                    <a:p>
+                      <a:r>
+                        <a:rPr lang="pt-BR" dirty="0"/>
+                        <a:t>2%</a:t>
+                      </a:r>
+                    </a:p>
+                  </a:txBody>
+                  <a:tcPr/>
+                </a:tc>
+                <a:tc>
+                  <a:txBody>
+                    <a:bodyPr/>
+                    <a:lstStyle/>
+                    <a:p>
+                      <a:r>
+                        <a:rPr lang="pt-BR" dirty="0"/>
+                        <a:t>2 a 4</a:t>
+                      </a:r>
+                    </a:p>
+                  </a:txBody>
+                  <a:tcPr/>
+                </a:tc>
+                <a:tc>
+                  <a:txBody>
+                    <a:bodyPr/>
+                    <a:lstStyle/>
+                    <a:p>
+                      <a:endParaRPr lang="pt-BR" dirty="0"/>
+                    </a:p>
+                  </a:txBody>
+                  <a:tcPr/>
+                </a:tc>
+                <a:extLst>
+                  <a:ext uri="{0D108BD9-81ED-4DB2-BD59-A6C34878D82A}">
+                    <a16:rowId xmlns:a16="http://schemas.microsoft.com/office/drawing/2014/main" val="3945223811"/>
+                  </a:ext>
+                </a:extLst>
+              </a:tr>
+              <a:tr h="608585">
+                <a:tc>
+                  <a:txBody>
+                    <a:bodyPr/>
+                    <a:lstStyle/>
+                    <a:p>
+                      <a:r>
+                        <a:rPr lang="pt-BR" dirty="0"/>
+                        <a:t>201 a 500</a:t>
+                      </a:r>
+                    </a:p>
+                  </a:txBody>
+                  <a:tcPr/>
+                </a:tc>
+                <a:tc>
+                  <a:txBody>
+                    <a:bodyPr/>
+                    <a:lstStyle/>
+                    <a:p>
+                      <a:r>
+                        <a:rPr lang="pt-BR" dirty="0"/>
+                        <a:t>3%</a:t>
+                      </a:r>
+                    </a:p>
+                  </a:txBody>
+                  <a:tcPr/>
+                </a:tc>
+                <a:tc>
+                  <a:txBody>
+                    <a:bodyPr/>
+                    <a:lstStyle/>
+                    <a:p>
+                      <a:r>
+                        <a:rPr lang="pt-BR" dirty="0"/>
+                        <a:t>6 a 15</a:t>
+                      </a:r>
+                    </a:p>
+                  </a:txBody>
+                  <a:tcPr/>
+                </a:tc>
+                <a:tc>
+                  <a:txBody>
+                    <a:bodyPr/>
+                    <a:lstStyle/>
+                    <a:p>
+                      <a:endParaRPr lang="pt-BR" dirty="0"/>
+                    </a:p>
+                  </a:txBody>
+                  <a:tcPr/>
+                </a:tc>
+                <a:extLst>
+                  <a:ext uri="{0D108BD9-81ED-4DB2-BD59-A6C34878D82A}">
+                    <a16:rowId xmlns:a16="http://schemas.microsoft.com/office/drawing/2014/main" val="2822655437"/>
+                  </a:ext>
+                </a:extLst>
+              </a:tr>
+              <a:tr h="608585">
+                <a:tc>
+                  <a:txBody>
+                    <a:bodyPr/>
+                    <a:lstStyle/>
+                    <a:p>
+                      <a:r>
+                        <a:rPr lang="pt-BR" dirty="0"/>
+                        <a:t>501 a 1000</a:t>
+                      </a:r>
+                    </a:p>
+                  </a:txBody>
+                  <a:tcPr/>
+                </a:tc>
+                <a:tc>
+                  <a:txBody>
+                    <a:bodyPr/>
+                    <a:lstStyle/>
+                    <a:p>
+                      <a:r>
+                        <a:rPr lang="pt-BR" dirty="0"/>
+                        <a:t>4%</a:t>
+                      </a:r>
+                    </a:p>
+                  </a:txBody>
+                  <a:tcPr/>
+                </a:tc>
+                <a:tc>
+                  <a:txBody>
+                    <a:bodyPr/>
+                    <a:lstStyle/>
+                    <a:p>
+                      <a:r>
+                        <a:rPr lang="pt-BR" dirty="0"/>
+                        <a:t>20 a 40</a:t>
+                      </a:r>
+                    </a:p>
+                  </a:txBody>
+                  <a:tcPr/>
+                </a:tc>
+                <a:tc>
+                  <a:txBody>
+                    <a:bodyPr/>
+                    <a:lstStyle/>
+                    <a:p>
+                      <a:endParaRPr lang="pt-BR" dirty="0"/>
+                    </a:p>
+                  </a:txBody>
+                  <a:tcPr/>
+                </a:tc>
+                <a:extLst>
+                  <a:ext uri="{0D108BD9-81ED-4DB2-BD59-A6C34878D82A}">
+                    <a16:rowId xmlns:a16="http://schemas.microsoft.com/office/drawing/2014/main" val="3362938952"/>
+                  </a:ext>
+                </a:extLst>
+              </a:tr>
+              <a:tr h="608585">
+                <a:tc>
+                  <a:txBody>
+                    <a:bodyPr/>
+                    <a:lstStyle/>
+                    <a:p>
+                      <a:r>
+                        <a:rPr lang="pt-BR" dirty="0"/>
+                        <a:t>1001 em diante</a:t>
+                      </a:r>
+                    </a:p>
+                  </a:txBody>
+                  <a:tcPr/>
+                </a:tc>
+                <a:tc>
+                  <a:txBody>
+                    <a:bodyPr/>
+                    <a:lstStyle/>
+                    <a:p>
+                      <a:r>
+                        <a:rPr lang="pt-BR" dirty="0"/>
+                        <a:t>5%</a:t>
+                      </a:r>
+                    </a:p>
+                  </a:txBody>
+                  <a:tcPr/>
+                </a:tc>
+                <a:tc>
+                  <a:txBody>
+                    <a:bodyPr/>
+                    <a:lstStyle/>
+                    <a:p>
+                      <a:r>
+                        <a:rPr lang="pt-BR" dirty="0"/>
+                        <a:t>50 em diante</a:t>
+                      </a:r>
+                    </a:p>
+                  </a:txBody>
+                  <a:tcPr/>
+                </a:tc>
+                <a:tc>
+                  <a:txBody>
+                    <a:bodyPr/>
+                    <a:lstStyle/>
+                    <a:p>
+                      <a:endParaRPr lang="pt-BR" dirty="0"/>
+                    </a:p>
+                  </a:txBody>
+                  <a:tcPr/>
+                </a:tc>
+                <a:extLst>
+                  <a:ext uri="{0D108BD9-81ED-4DB2-BD59-A6C34878D82A}">
+                    <a16:rowId xmlns:a16="http://schemas.microsoft.com/office/drawing/2014/main" val="3310850210"/>
+                  </a:ext>
+                </a:extLst>
+              </a:tr>
+            </a:tbl>
+          </a:graphicData>
+        </a:graphic>
+      </p:graphicFrame>
     </p:spTree>
     <p:extLst>
       <p:ext uri="{BB962C8B-B14F-4D97-AF65-F5344CB8AC3E}">
-        <p14:creationId xmlns:p14="http://schemas.microsoft.com/office/powerpoint/2010/main" val="941697809"/>
+        <p14:creationId xmlns:p14="http://schemas.microsoft.com/office/powerpoint/2010/main" val="1731708892"/>
       </p:ext>
     </p:extLst>
   </p:cSld>
@@ -12380,7 +15229,7 @@
 </p:sld>
 </file>
 
-<file path=ppt/slides/slide14.xml><?xml version="1.0" encoding="utf-8"?>
+<file path=ppt/slides/slide16.xml><?xml version="1.0" encoding="utf-8"?>
 <p:sld xmlns:a="http://schemas.openxmlformats.org/drawingml/2006/main" xmlns:r="http://schemas.openxmlformats.org/officeDocument/2006/relationships" xmlns:p="http://schemas.openxmlformats.org/presentationml/2006/main">
   <p:cSld>
     <p:bg>
@@ -12542,6 +15391,167 @@
 </file>
 
 <file path=ppt/slides/slide2.xml><?xml version="1.0" encoding="utf-8"?>
+<p:sld xmlns:a="http://schemas.openxmlformats.org/drawingml/2006/main" xmlns:r="http://schemas.openxmlformats.org/officeDocument/2006/relationships" xmlns:p="http://schemas.openxmlformats.org/presentationml/2006/main">
+  <p:cSld>
+    <p:bg>
+      <p:bgPr>
+        <a:solidFill>
+          <a:srgbClr val="04B2D9"/>
+        </a:solidFill>
+        <a:effectLst/>
+      </p:bgPr>
+    </p:bg>
+    <p:spTree>
+      <p:nvGrpSpPr>
+        <p:cNvPr id="1" name=""/>
+        <p:cNvGrpSpPr/>
+        <p:nvPr/>
+      </p:nvGrpSpPr>
+      <p:grpSpPr>
+        <a:xfrm>
+          <a:off x="0" y="0"/>
+          <a:ext cx="0" cy="0"/>
+          <a:chOff x="0" y="0"/>
+          <a:chExt cx="0" cy="0"/>
+        </a:xfrm>
+      </p:grpSpPr>
+      <p:pic>
+        <p:nvPicPr>
+          <p:cNvPr id="3" name="Gráfico 2">
+            <a:extLst>
+              <a:ext uri="{FF2B5EF4-FFF2-40B4-BE49-F238E27FC236}">
+                <a16:creationId xmlns:a16="http://schemas.microsoft.com/office/drawing/2014/main" id="{8AD3F224-F494-483C-B0FB-82109813008A}"/>
+              </a:ext>
+            </a:extLst>
+          </p:cNvPr>
+          <p:cNvPicPr>
+            <a:picLocks noChangeAspect="1"/>
+          </p:cNvPicPr>
+          <p:nvPr/>
+        </p:nvPicPr>
+        <p:blipFill>
+          <a:blip r:embed="rId2">
+            <a:extLst>
+              <a:ext uri="{28A0092B-C50C-407E-A947-70E740481C1C}">
+                <a14:useLocalDpi xmlns:a14="http://schemas.microsoft.com/office/drawing/2010/main" val="0"/>
+              </a:ext>
+              <a:ext uri="{96DAC541-7B7A-43D3-8B79-37D633B846F1}">
+                <asvg:svgBlip xmlns:asvg="http://schemas.microsoft.com/office/drawing/2016/SVG/main" r:embed="rId3"/>
+              </a:ext>
+            </a:extLst>
+          </a:blip>
+          <a:stretch>
+            <a:fillRect/>
+          </a:stretch>
+        </p:blipFill>
+        <p:spPr>
+          <a:xfrm>
+            <a:off x="2491956" y="2366755"/>
+            <a:ext cx="7208088" cy="2124489"/>
+          </a:xfrm>
+          <a:prstGeom prst="rect">
+            <a:avLst/>
+          </a:prstGeom>
+        </p:spPr>
+      </p:pic>
+      <p:pic>
+        <p:nvPicPr>
+          <p:cNvPr id="6" name="Imagem 5" descr="Uma imagem contendo placar, desenho&#10;&#10;Descrição gerada automaticamente">
+            <a:extLst>
+              <a:ext uri="{FF2B5EF4-FFF2-40B4-BE49-F238E27FC236}">
+                <a16:creationId xmlns:a16="http://schemas.microsoft.com/office/drawing/2014/main" id="{6AB1E191-F912-454C-8521-8F6D38824AAE}"/>
+              </a:ext>
+            </a:extLst>
+          </p:cNvPr>
+          <p:cNvPicPr>
+            <a:picLocks noChangeAspect="1"/>
+          </p:cNvPicPr>
+          <p:nvPr/>
+        </p:nvPicPr>
+        <p:blipFill>
+          <a:blip r:embed="rId4" cstate="print">
+            <a:extLst>
+              <a:ext uri="{28A0092B-C50C-407E-A947-70E740481C1C}">
+                <a14:useLocalDpi xmlns:a14="http://schemas.microsoft.com/office/drawing/2010/main" val="0"/>
+              </a:ext>
+            </a:extLst>
+          </a:blip>
+          <a:stretch>
+            <a:fillRect/>
+          </a:stretch>
+        </p:blipFill>
+        <p:spPr>
+          <a:xfrm>
+            <a:off x="-2451359" y="-2471658"/>
+            <a:ext cx="4943315" cy="4943315"/>
+          </a:xfrm>
+          <a:prstGeom prst="rect">
+            <a:avLst/>
+          </a:prstGeom>
+        </p:spPr>
+      </p:pic>
+      <p:pic>
+        <p:nvPicPr>
+          <p:cNvPr id="7" name="Imagem 6" descr="Uma imagem contendo placar, desenho&#10;&#10;Descrição gerada automaticamente">
+            <a:extLst>
+              <a:ext uri="{FF2B5EF4-FFF2-40B4-BE49-F238E27FC236}">
+                <a16:creationId xmlns:a16="http://schemas.microsoft.com/office/drawing/2014/main" id="{00D55DF7-B53B-43FA-A2D5-AC26F6EA4629}"/>
+              </a:ext>
+            </a:extLst>
+          </p:cNvPr>
+          <p:cNvPicPr>
+            <a:picLocks noChangeAspect="1"/>
+          </p:cNvPicPr>
+          <p:nvPr/>
+        </p:nvPicPr>
+        <p:blipFill>
+          <a:blip r:embed="rId4" cstate="print">
+            <a:extLst>
+              <a:ext uri="{28A0092B-C50C-407E-A947-70E740481C1C}">
+                <a14:useLocalDpi xmlns:a14="http://schemas.microsoft.com/office/drawing/2010/main" val="0"/>
+              </a:ext>
+            </a:extLst>
+          </a:blip>
+          <a:stretch>
+            <a:fillRect/>
+          </a:stretch>
+        </p:blipFill>
+        <p:spPr>
+          <a:xfrm rot="10800000">
+            <a:off x="9611505" y="4277505"/>
+            <a:ext cx="5160989" cy="5160989"/>
+          </a:xfrm>
+          <a:prstGeom prst="rect">
+            <a:avLst/>
+          </a:prstGeom>
+        </p:spPr>
+      </p:pic>
+    </p:spTree>
+    <p:extLst>
+      <p:ext uri="{BB962C8B-B14F-4D97-AF65-F5344CB8AC3E}">
+        <p14:creationId xmlns:p14="http://schemas.microsoft.com/office/powerpoint/2010/main" val="986855739"/>
+      </p:ext>
+    </p:extLst>
+  </p:cSld>
+  <p:clrMapOvr>
+    <a:masterClrMapping/>
+  </p:clrMapOvr>
+  <mc:AlternateContent xmlns:mc="http://schemas.openxmlformats.org/markup-compatibility/2006" xmlns:p14="http://schemas.microsoft.com/office/powerpoint/2010/main">
+    <mc:Choice Requires="p14">
+      <p:transition spd="med" p14:dur="700">
+        <p:fade/>
+      </p:transition>
+    </mc:Choice>
+    <mc:Fallback xmlns="">
+      <p:transition spd="med">
+        <p:fade/>
+      </p:transition>
+    </mc:Fallback>
+  </mc:AlternateContent>
+</p:sld>
+</file>
+
+<file path=ppt/slides/slide3.xml><?xml version="1.0" encoding="utf-8"?>
 <p:sld xmlns:a="http://schemas.openxmlformats.org/drawingml/2006/main" xmlns:r="http://schemas.openxmlformats.org/officeDocument/2006/relationships" xmlns:p="http://schemas.openxmlformats.org/presentationml/2006/main">
   <p:cSld>
     <p:spTree>
@@ -13070,7 +16080,7 @@
 </p:sld>
 </file>
 
-<file path=ppt/slides/slide3.xml><?xml version="1.0" encoding="utf-8"?>
+<file path=ppt/slides/slide4.xml><?xml version="1.0" encoding="utf-8"?>
 <p:sld xmlns:a="http://schemas.openxmlformats.org/drawingml/2006/main" xmlns:r="http://schemas.openxmlformats.org/officeDocument/2006/relationships" xmlns:p="http://schemas.openxmlformats.org/presentationml/2006/main">
   <p:cSld>
     <p:spTree>
@@ -13295,10 +16305,10 @@
       </p:pic>
       <p:sp>
         <p:nvSpPr>
-          <p:cNvPr id="18" name="Espaço Reservado para Conteúdo 2">
+          <p:cNvPr id="8" name="Espaço Reservado para Conteúdo 2">
             <a:extLst>
               <a:ext uri="{FF2B5EF4-FFF2-40B4-BE49-F238E27FC236}">
-                <a16:creationId xmlns:a16="http://schemas.microsoft.com/office/drawing/2014/main" id="{EACC0BB7-2C07-46CC-B6F0-E8D7652F4CEC}"/>
+                <a16:creationId xmlns:a16="http://schemas.microsoft.com/office/drawing/2014/main" id="{33403FE5-C222-49EB-8D4D-EBC9D47B7370}"/>
               </a:ext>
             </a:extLst>
           </p:cNvPr>
@@ -13531,7 +16541,7 @@
 </p:sld>
 </file>
 
-<file path=ppt/slides/slide4.xml><?xml version="1.0" encoding="utf-8"?>
+<file path=ppt/slides/slide5.xml><?xml version="1.0" encoding="utf-8"?>
 <p:sld xmlns:a="http://schemas.openxmlformats.org/drawingml/2006/main" xmlns:r="http://schemas.openxmlformats.org/officeDocument/2006/relationships" xmlns:p="http://schemas.openxmlformats.org/presentationml/2006/main">
   <p:cSld>
     <p:spTree>
@@ -14075,7 +17085,7 @@
 </p:sld>
 </file>
 
-<file path=ppt/slides/slide5.xml><?xml version="1.0" encoding="utf-8"?>
+<file path=ppt/slides/slide6.xml><?xml version="1.0" encoding="utf-8"?>
 <p:sld xmlns:a="http://schemas.openxmlformats.org/drawingml/2006/main" xmlns:r="http://schemas.openxmlformats.org/officeDocument/2006/relationships" xmlns:p="http://schemas.openxmlformats.org/presentationml/2006/main">
   <p:cSld>
     <p:spTree>
@@ -14328,12 +17338,48 @@
           </a:prstGeom>
         </p:spPr>
       </p:pic>
+      <p:pic>
+        <p:nvPicPr>
+          <p:cNvPr id="3" name="Imagem 2" descr="Uma imagem contendo screenshot, texto&#10;&#10;Descrição gerada automaticamente">
+            <a:extLst>
+              <a:ext uri="{FF2B5EF4-FFF2-40B4-BE49-F238E27FC236}">
+                <a16:creationId xmlns:a16="http://schemas.microsoft.com/office/drawing/2014/main" id="{030B4A90-C4B4-4C72-8EF5-B3FC87920A3F}"/>
+              </a:ext>
+            </a:extLst>
+          </p:cNvPr>
+          <p:cNvPicPr>
+            <a:picLocks noChangeAspect="1"/>
+          </p:cNvPicPr>
+          <p:nvPr/>
+        </p:nvPicPr>
+        <p:blipFill>
+          <a:blip r:embed="rId6">
+            <a:extLst>
+              <a:ext uri="{28A0092B-C50C-407E-A947-70E740481C1C}">
+                <a14:useLocalDpi xmlns:a14="http://schemas.microsoft.com/office/drawing/2010/main" val="0"/>
+              </a:ext>
+            </a:extLst>
+          </a:blip>
+          <a:stretch>
+            <a:fillRect/>
+          </a:stretch>
+        </p:blipFill>
+        <p:spPr>
+          <a:xfrm>
+            <a:off x="1388726" y="2009030"/>
+            <a:ext cx="2489436" cy="4382362"/>
+          </a:xfrm>
+          <a:prstGeom prst="rect">
+            <a:avLst/>
+          </a:prstGeom>
+        </p:spPr>
+      </p:pic>
       <p:sp>
         <p:nvSpPr>
-          <p:cNvPr id="18" name="Espaço Reservado para Conteúdo 2">
+          <p:cNvPr id="12" name="Espaço Reservado para Conteúdo 2">
             <a:extLst>
               <a:ext uri="{FF2B5EF4-FFF2-40B4-BE49-F238E27FC236}">
-                <a16:creationId xmlns:a16="http://schemas.microsoft.com/office/drawing/2014/main" id="{EACC0BB7-2C07-46CC-B6F0-E8D7652F4CEC}"/>
+                <a16:creationId xmlns:a16="http://schemas.microsoft.com/office/drawing/2014/main" id="{9DF025B2-0F36-40CD-97C5-618FCB7661DD}"/>
               </a:ext>
             </a:extLst>
           </p:cNvPr>
@@ -14344,8 +17390,8 @@
         </p:nvSpPr>
         <p:spPr>
           <a:xfrm>
-            <a:off x="121283" y="6366170"/>
-            <a:ext cx="2350086" cy="491830"/>
+            <a:off x="995369" y="1207089"/>
+            <a:ext cx="10021396" cy="491830"/>
           </a:xfrm>
           <a:prstGeom prst="rect">
             <a:avLst/>
@@ -14536,7 +17582,7 @@
                 </a:solidFill>
                 <a:latin typeface="Lemon/Milk light" panose="020B0303050302020204" pitchFamily="34" charset="0"/>
               </a:rPr>
-              <a:t>Fonte: curriculum</a:t>
+              <a:t>Disponibilizamos currículos gerados em modo texto e gráfico para download</a:t>
             </a:r>
           </a:p>
         </p:txBody>
@@ -14563,85 +17609,10 @@
       </p:transition>
     </mc:Fallback>
   </mc:AlternateContent>
-  <p:timing>
-    <p:tnLst>
-      <p:par>
-        <p:cTn id="1" dur="indefinite" restart="never" nodeType="tmRoot">
-          <p:childTnLst>
-            <p:seq concurrent="1" nextAc="seek">
-              <p:cTn id="2" dur="indefinite" nodeType="mainSeq">
-                <p:childTnLst>
-                  <p:par>
-                    <p:cTn id="3" fill="hold">
-                      <p:stCondLst>
-                        <p:cond delay="indefinite"/>
-                      </p:stCondLst>
-                      <p:childTnLst>
-                        <p:par>
-                          <p:cTn id="4" fill="hold">
-                            <p:stCondLst>
-                              <p:cond delay="0"/>
-                            </p:stCondLst>
-                            <p:childTnLst>
-                              <p:par>
-                                <p:cTn id="5" presetID="1" presetClass="entr" presetSubtype="0" fill="hold" nodeType="clickEffect">
-                                  <p:stCondLst>
-                                    <p:cond delay="0"/>
-                                  </p:stCondLst>
-                                  <p:childTnLst>
-                                    <p:set>
-                                      <p:cBhvr>
-                                        <p:cTn id="6" dur="1" fill="hold">
-                                          <p:stCondLst>
-                                            <p:cond delay="0"/>
-                                          </p:stCondLst>
-                                        </p:cTn>
-                                        <p:tgtEl>
-                                          <p:spTgt spid="13"/>
-                                        </p:tgtEl>
-                                        <p:attrNameLst>
-                                          <p:attrName>style.visibility</p:attrName>
-                                        </p:attrNameLst>
-                                      </p:cBhvr>
-                                      <p:to>
-                                        <p:strVal val="visible"/>
-                                      </p:to>
-                                    </p:set>
-                                  </p:childTnLst>
-                                </p:cTn>
-                              </p:par>
-                            </p:childTnLst>
-                          </p:cTn>
-                        </p:par>
-                      </p:childTnLst>
-                    </p:cTn>
-                  </p:par>
-                </p:childTnLst>
-              </p:cTn>
-              <p:prevCondLst>
-                <p:cond evt="onPrev" delay="0">
-                  <p:tgtEl>
-                    <p:sldTgt/>
-                  </p:tgtEl>
-                </p:cond>
-              </p:prevCondLst>
-              <p:nextCondLst>
-                <p:cond evt="onNext" delay="0">
-                  <p:tgtEl>
-                    <p:sldTgt/>
-                  </p:tgtEl>
-                </p:cond>
-              </p:nextCondLst>
-            </p:seq>
-          </p:childTnLst>
-        </p:cTn>
-      </p:par>
-    </p:tnLst>
-  </p:timing>
 </p:sld>
 </file>
 
-<file path=ppt/slides/slide6.xml><?xml version="1.0" encoding="utf-8"?>
+<file path=ppt/slides/slide7.xml><?xml version="1.0" encoding="utf-8"?>
 <p:sld xmlns:a="http://schemas.openxmlformats.org/drawingml/2006/main" xmlns:r="http://schemas.openxmlformats.org/officeDocument/2006/relationships" xmlns:p="http://schemas.openxmlformats.org/presentationml/2006/main">
   <p:cSld>
     <p:spTree>
@@ -14930,12 +17901,47 @@
           </a:prstGeom>
         </p:spPr>
       </p:pic>
+      <p:pic>
+        <p:nvPicPr>
+          <p:cNvPr id="12" name="Imagem 11">
+            <a:extLst>
+              <a:ext uri="{FF2B5EF4-FFF2-40B4-BE49-F238E27FC236}">
+                <a16:creationId xmlns:a16="http://schemas.microsoft.com/office/drawing/2014/main" id="{429F540F-9914-4305-9401-ABF59FAF61ED}"/>
+              </a:ext>
+            </a:extLst>
+          </p:cNvPr>
+          <p:cNvPicPr>
+            <a:picLocks noChangeAspect="1"/>
+          </p:cNvPicPr>
+          <p:nvPr/>
+        </p:nvPicPr>
+        <p:blipFill>
+          <a:blip r:embed="rId6">
+            <a:extLst>
+              <a:ext uri="{28A0092B-C50C-407E-A947-70E740481C1C}">
+                <a14:useLocalDpi xmlns:a14="http://schemas.microsoft.com/office/drawing/2010/main" val="0"/>
+              </a:ext>
+            </a:extLst>
+          </a:blip>
+          <a:srcRect/>
+          <a:stretch/>
+        </p:blipFill>
+        <p:spPr>
+          <a:xfrm>
+            <a:off x="1398415" y="2009030"/>
+            <a:ext cx="2470058" cy="4382362"/>
+          </a:xfrm>
+          <a:prstGeom prst="rect">
+            <a:avLst/>
+          </a:prstGeom>
+        </p:spPr>
+      </p:pic>
       <p:sp>
         <p:nvSpPr>
-          <p:cNvPr id="18" name="Espaço Reservado para Conteúdo 2">
+          <p:cNvPr id="15" name="Espaço Reservado para Conteúdo 2">
             <a:extLst>
               <a:ext uri="{FF2B5EF4-FFF2-40B4-BE49-F238E27FC236}">
-                <a16:creationId xmlns:a16="http://schemas.microsoft.com/office/drawing/2014/main" id="{EACC0BB7-2C07-46CC-B6F0-E8D7652F4CEC}"/>
+                <a16:creationId xmlns:a16="http://schemas.microsoft.com/office/drawing/2014/main" id="{C8202F18-6A75-49A3-AFE2-CB521ADDDE19}"/>
               </a:ext>
             </a:extLst>
           </p:cNvPr>
@@ -14946,8 +17952,8 @@
         </p:nvSpPr>
         <p:spPr>
           <a:xfrm>
-            <a:off x="121283" y="6366170"/>
-            <a:ext cx="2350086" cy="491830"/>
+            <a:off x="995369" y="1207089"/>
+            <a:ext cx="10021396" cy="491830"/>
           </a:xfrm>
           <a:prstGeom prst="rect">
             <a:avLst/>
@@ -15122,7 +18128,7 @@
             </a:lvl9pPr>
           </a:lstStyle>
           <a:p>
-            <a:pPr marL="0" indent="0">
+            <a:pPr marL="0" indent="0" algn="ctr">
               <a:lnSpc>
                 <a:spcPct val="120000"/>
               </a:lnSpc>
@@ -15138,7 +18144,7 @@
                 </a:solidFill>
                 <a:latin typeface="Lemon/Milk light" panose="020B0303050302020204" pitchFamily="34" charset="0"/>
               </a:rPr>
-              <a:t>Fonte: curriculum</a:t>
+              <a:t>TRAZEMOS A VAGA PERFEITA AUTOMATICAMENTE</a:t>
             </a:r>
           </a:p>
         </p:txBody>
@@ -15288,7 +18294,7 @@
 </p:sld>
 </file>
 
-<file path=ppt/slides/slide7.xml><?xml version="1.0" encoding="utf-8"?>
+<file path=ppt/slides/slide8.xml><?xml version="1.0" encoding="utf-8"?>
 <p:sld xmlns:a="http://schemas.openxmlformats.org/drawingml/2006/main" xmlns:r="http://schemas.openxmlformats.org/officeDocument/2006/relationships" xmlns:p="http://schemas.openxmlformats.org/presentationml/2006/main">
   <p:cSld>
     <p:spTree>
@@ -15826,6 +18832,219 @@
           </a:p>
         </p:txBody>
       </p:sp>
+      <p:sp>
+        <p:nvSpPr>
+          <p:cNvPr id="12" name="Espaço Reservado para Conteúdo 2">
+            <a:extLst>
+              <a:ext uri="{FF2B5EF4-FFF2-40B4-BE49-F238E27FC236}">
+                <a16:creationId xmlns:a16="http://schemas.microsoft.com/office/drawing/2014/main" id="{6E21D5D1-5E04-44F6-A66C-4E4E63B3F8C0}"/>
+              </a:ext>
+            </a:extLst>
+          </p:cNvPr>
+          <p:cNvSpPr txBox="1">
+            <a:spLocks/>
+          </p:cNvSpPr>
+          <p:nvPr/>
+        </p:nvSpPr>
+        <p:spPr>
+          <a:xfrm>
+            <a:off x="781878" y="3183085"/>
+            <a:ext cx="3828422" cy="491830"/>
+          </a:xfrm>
+          <a:prstGeom prst="rect">
+            <a:avLst/>
+          </a:prstGeom>
+        </p:spPr>
+        <p:txBody>
+          <a:bodyPr vert="horz" lIns="91440" tIns="45720" rIns="91440" bIns="45720" rtlCol="0">
+            <a:noAutofit/>
+          </a:bodyPr>
+          <a:lstStyle>
+            <a:lvl1pPr marL="228600" indent="-228600" algn="l" defTabSz="914400" rtl="0" eaLnBrk="1" latinLnBrk="0" hangingPunct="1">
+              <a:lnSpc>
+                <a:spcPct val="90000"/>
+              </a:lnSpc>
+              <a:spcBef>
+                <a:spcPts val="1000"/>
+              </a:spcBef>
+              <a:buFont typeface="Arial" panose="020B0604020202020204" pitchFamily="34" charset="0"/>
+              <a:buChar char="•"/>
+              <a:defRPr sz="2800" kern="1200">
+                <a:solidFill>
+                  <a:schemeClr val="tx1"/>
+                </a:solidFill>
+                <a:latin typeface="+mn-lt"/>
+                <a:ea typeface="+mn-ea"/>
+                <a:cs typeface="+mn-cs"/>
+              </a:defRPr>
+            </a:lvl1pPr>
+            <a:lvl2pPr marL="685800" indent="-228600" algn="l" defTabSz="914400" rtl="0" eaLnBrk="1" latinLnBrk="0" hangingPunct="1">
+              <a:lnSpc>
+                <a:spcPct val="90000"/>
+              </a:lnSpc>
+              <a:spcBef>
+                <a:spcPts val="500"/>
+              </a:spcBef>
+              <a:buFont typeface="Arial" panose="020B0604020202020204" pitchFamily="34" charset="0"/>
+              <a:buChar char="•"/>
+              <a:defRPr sz="2400" kern="1200">
+                <a:solidFill>
+                  <a:schemeClr val="tx1"/>
+                </a:solidFill>
+                <a:latin typeface="+mn-lt"/>
+                <a:ea typeface="+mn-ea"/>
+                <a:cs typeface="+mn-cs"/>
+              </a:defRPr>
+            </a:lvl2pPr>
+            <a:lvl3pPr marL="1143000" indent="-228600" algn="l" defTabSz="914400" rtl="0" eaLnBrk="1" latinLnBrk="0" hangingPunct="1">
+              <a:lnSpc>
+                <a:spcPct val="90000"/>
+              </a:lnSpc>
+              <a:spcBef>
+                <a:spcPts val="500"/>
+              </a:spcBef>
+              <a:buFont typeface="Arial" panose="020B0604020202020204" pitchFamily="34" charset="0"/>
+              <a:buChar char="•"/>
+              <a:defRPr sz="2000" kern="1200">
+                <a:solidFill>
+                  <a:schemeClr val="tx1"/>
+                </a:solidFill>
+                <a:latin typeface="+mn-lt"/>
+                <a:ea typeface="+mn-ea"/>
+                <a:cs typeface="+mn-cs"/>
+              </a:defRPr>
+            </a:lvl3pPr>
+            <a:lvl4pPr marL="1600200" indent="-228600" algn="l" defTabSz="914400" rtl="0" eaLnBrk="1" latinLnBrk="0" hangingPunct="1">
+              <a:lnSpc>
+                <a:spcPct val="90000"/>
+              </a:lnSpc>
+              <a:spcBef>
+                <a:spcPts val="500"/>
+              </a:spcBef>
+              <a:buFont typeface="Arial" panose="020B0604020202020204" pitchFamily="34" charset="0"/>
+              <a:buChar char="•"/>
+              <a:defRPr sz="1800" kern="1200">
+                <a:solidFill>
+                  <a:schemeClr val="tx1"/>
+                </a:solidFill>
+                <a:latin typeface="+mn-lt"/>
+                <a:ea typeface="+mn-ea"/>
+                <a:cs typeface="+mn-cs"/>
+              </a:defRPr>
+            </a:lvl4pPr>
+            <a:lvl5pPr marL="2057400" indent="-228600" algn="l" defTabSz="914400" rtl="0" eaLnBrk="1" latinLnBrk="0" hangingPunct="1">
+              <a:lnSpc>
+                <a:spcPct val="90000"/>
+              </a:lnSpc>
+              <a:spcBef>
+                <a:spcPts val="500"/>
+              </a:spcBef>
+              <a:buFont typeface="Arial" panose="020B0604020202020204" pitchFamily="34" charset="0"/>
+              <a:buChar char="•"/>
+              <a:defRPr sz="1800" kern="1200">
+                <a:solidFill>
+                  <a:schemeClr val="tx1"/>
+                </a:solidFill>
+                <a:latin typeface="+mn-lt"/>
+                <a:ea typeface="+mn-ea"/>
+                <a:cs typeface="+mn-cs"/>
+              </a:defRPr>
+            </a:lvl5pPr>
+            <a:lvl6pPr marL="2514600" indent="-228600" algn="l" defTabSz="914400" rtl="0" eaLnBrk="1" latinLnBrk="0" hangingPunct="1">
+              <a:lnSpc>
+                <a:spcPct val="90000"/>
+              </a:lnSpc>
+              <a:spcBef>
+                <a:spcPts val="500"/>
+              </a:spcBef>
+              <a:buFont typeface="Arial" panose="020B0604020202020204" pitchFamily="34" charset="0"/>
+              <a:buChar char="•"/>
+              <a:defRPr sz="1800" kern="1200">
+                <a:solidFill>
+                  <a:schemeClr val="tx1"/>
+                </a:solidFill>
+                <a:latin typeface="+mn-lt"/>
+                <a:ea typeface="+mn-ea"/>
+                <a:cs typeface="+mn-cs"/>
+              </a:defRPr>
+            </a:lvl6pPr>
+            <a:lvl7pPr marL="2971800" indent="-228600" algn="l" defTabSz="914400" rtl="0" eaLnBrk="1" latinLnBrk="0" hangingPunct="1">
+              <a:lnSpc>
+                <a:spcPct val="90000"/>
+              </a:lnSpc>
+              <a:spcBef>
+                <a:spcPts val="500"/>
+              </a:spcBef>
+              <a:buFont typeface="Arial" panose="020B0604020202020204" pitchFamily="34" charset="0"/>
+              <a:buChar char="•"/>
+              <a:defRPr sz="1800" kern="1200">
+                <a:solidFill>
+                  <a:schemeClr val="tx1"/>
+                </a:solidFill>
+                <a:latin typeface="+mn-lt"/>
+                <a:ea typeface="+mn-ea"/>
+                <a:cs typeface="+mn-cs"/>
+              </a:defRPr>
+            </a:lvl7pPr>
+            <a:lvl8pPr marL="3429000" indent="-228600" algn="l" defTabSz="914400" rtl="0" eaLnBrk="1" latinLnBrk="0" hangingPunct="1">
+              <a:lnSpc>
+                <a:spcPct val="90000"/>
+              </a:lnSpc>
+              <a:spcBef>
+                <a:spcPts val="500"/>
+              </a:spcBef>
+              <a:buFont typeface="Arial" panose="020B0604020202020204" pitchFamily="34" charset="0"/>
+              <a:buChar char="•"/>
+              <a:defRPr sz="1800" kern="1200">
+                <a:solidFill>
+                  <a:schemeClr val="tx1"/>
+                </a:solidFill>
+                <a:latin typeface="+mn-lt"/>
+                <a:ea typeface="+mn-ea"/>
+                <a:cs typeface="+mn-cs"/>
+              </a:defRPr>
+            </a:lvl8pPr>
+            <a:lvl9pPr marL="3886200" indent="-228600" algn="l" defTabSz="914400" rtl="0" eaLnBrk="1" latinLnBrk="0" hangingPunct="1">
+              <a:lnSpc>
+                <a:spcPct val="90000"/>
+              </a:lnSpc>
+              <a:spcBef>
+                <a:spcPts val="500"/>
+              </a:spcBef>
+              <a:buFont typeface="Arial" panose="020B0604020202020204" pitchFamily="34" charset="0"/>
+              <a:buChar char="•"/>
+              <a:defRPr sz="1800" kern="1200">
+                <a:solidFill>
+                  <a:schemeClr val="tx1"/>
+                </a:solidFill>
+                <a:latin typeface="+mn-lt"/>
+                <a:ea typeface="+mn-ea"/>
+                <a:cs typeface="+mn-cs"/>
+              </a:defRPr>
+            </a:lvl9pPr>
+          </a:lstStyle>
+          <a:p>
+            <a:pPr marL="0" indent="0" algn="ctr">
+              <a:lnSpc>
+                <a:spcPct val="120000"/>
+              </a:lnSpc>
+              <a:buFont typeface="Arial" panose="020B0604020202020204" pitchFamily="34" charset="0"/>
+              <a:buNone/>
+            </a:pPr>
+            <a:r>
+              <a:rPr lang="pt-BR" sz="1800" dirty="0">
+                <a:solidFill>
+                  <a:schemeClr val="bg2">
+                    <a:lumMod val="50000"/>
+                  </a:schemeClr>
+                </a:solidFill>
+                <a:latin typeface="Lemon/Milk light" panose="020B0303050302020204" pitchFamily="34" charset="0"/>
+              </a:rPr>
+              <a:t>OS CANDIDATOS NÃO IRÃO PAGAR POR NENHUMA FUNÇÃO DO SISTEMA, TODA A MONETIZAÇÃO SERÁ FEITA PELA PARTE DA EMPRESA</a:t>
+            </a:r>
+          </a:p>
+        </p:txBody>
+      </p:sp>
     </p:spTree>
     <p:extLst>
       <p:ext uri="{BB962C8B-B14F-4D97-AF65-F5344CB8AC3E}">
@@ -16016,7 +19235,7 @@
 </p:sld>
 </file>
 
-<file path=ppt/slides/slide8.xml><?xml version="1.0" encoding="utf-8"?>
+<file path=ppt/slides/slide9.xml><?xml version="1.0" encoding="utf-8"?>
 <p:sld xmlns:a="http://schemas.openxmlformats.org/drawingml/2006/main" xmlns:r="http://schemas.openxmlformats.org/officeDocument/2006/relationships" xmlns:p="http://schemas.openxmlformats.org/presentationml/2006/main">
   <p:cSld>
     <p:spTree>
@@ -16377,12 +19596,47 @@
           </a:prstGeom>
         </p:spPr>
       </p:pic>
+      <p:pic>
+        <p:nvPicPr>
+          <p:cNvPr id="19" name="Imagem 18">
+            <a:extLst>
+              <a:ext uri="{FF2B5EF4-FFF2-40B4-BE49-F238E27FC236}">
+                <a16:creationId xmlns:a16="http://schemas.microsoft.com/office/drawing/2014/main" id="{18331E5E-C0F1-4B72-9EE9-C3B838BADAD8}"/>
+              </a:ext>
+            </a:extLst>
+          </p:cNvPr>
+          <p:cNvPicPr>
+            <a:picLocks noChangeAspect="1"/>
+          </p:cNvPicPr>
+          <p:nvPr/>
+        </p:nvPicPr>
+        <p:blipFill>
+          <a:blip r:embed="rId6">
+            <a:extLst>
+              <a:ext uri="{28A0092B-C50C-407E-A947-70E740481C1C}">
+                <a14:useLocalDpi xmlns:a14="http://schemas.microsoft.com/office/drawing/2010/main" val="0"/>
+              </a:ext>
+            </a:extLst>
+          </a:blip>
+          <a:srcRect/>
+          <a:stretch/>
+        </p:blipFill>
+        <p:spPr>
+          <a:xfrm>
+            <a:off x="1398415" y="2026086"/>
+            <a:ext cx="2470058" cy="4348249"/>
+          </a:xfrm>
+          <a:prstGeom prst="rect">
+            <a:avLst/>
+          </a:prstGeom>
+        </p:spPr>
+      </p:pic>
       <p:sp>
         <p:nvSpPr>
-          <p:cNvPr id="18" name="Espaço Reservado para Conteúdo 2">
+          <p:cNvPr id="20" name="Espaço Reservado para Conteúdo 2">
             <a:extLst>
               <a:ext uri="{FF2B5EF4-FFF2-40B4-BE49-F238E27FC236}">
-                <a16:creationId xmlns:a16="http://schemas.microsoft.com/office/drawing/2014/main" id="{EACC0BB7-2C07-46CC-B6F0-E8D7652F4CEC}"/>
+                <a16:creationId xmlns:a16="http://schemas.microsoft.com/office/drawing/2014/main" id="{65BC00AA-FA5F-4E87-8B83-06EF84CCD91B}"/>
               </a:ext>
             </a:extLst>
           </p:cNvPr>
@@ -16393,8 +19647,8 @@
         </p:nvSpPr>
         <p:spPr>
           <a:xfrm>
-            <a:off x="121283" y="6366170"/>
-            <a:ext cx="2350086" cy="491830"/>
+            <a:off x="995369" y="1207089"/>
+            <a:ext cx="10021396" cy="491830"/>
           </a:xfrm>
           <a:prstGeom prst="rect">
             <a:avLst/>
@@ -16569,7 +19823,7 @@
             </a:lvl9pPr>
           </a:lstStyle>
           <a:p>
-            <a:pPr marL="0" indent="0">
+            <a:pPr marL="0" indent="0" algn="ctr">
               <a:lnSpc>
                 <a:spcPct val="120000"/>
               </a:lnSpc>
@@ -16585,7 +19839,7 @@
                 </a:solidFill>
                 <a:latin typeface="Lemon/Milk light" panose="020B0303050302020204" pitchFamily="34" charset="0"/>
               </a:rPr>
-              <a:t>Fonte: curriculum</a:t>
+              <a:t>PLATAFORMA DE BUSCA DE EMPREGO</a:t>
             </a:r>
           </a:p>
         </p:txBody>
@@ -16822,488 +20076,6 @@
       </p:par>
     </p:tnLst>
   </p:timing>
-</p:sld>
-</file>
-
-<file path=ppt/slides/slide9.xml><?xml version="1.0" encoding="utf-8"?>
-<p:sld xmlns:a="http://schemas.openxmlformats.org/drawingml/2006/main" xmlns:r="http://schemas.openxmlformats.org/officeDocument/2006/relationships" xmlns:p="http://schemas.openxmlformats.org/presentationml/2006/main">
-  <p:cSld>
-    <p:spTree>
-      <p:nvGrpSpPr>
-        <p:cNvPr id="1" name=""/>
-        <p:cNvGrpSpPr/>
-        <p:nvPr/>
-      </p:nvGrpSpPr>
-      <p:grpSpPr>
-        <a:xfrm>
-          <a:off x="0" y="0"/>
-          <a:ext cx="0" cy="0"/>
-          <a:chOff x="0" y="0"/>
-          <a:chExt cx="0" cy="0"/>
-        </a:xfrm>
-      </p:grpSpPr>
-      <p:sp>
-        <p:nvSpPr>
-          <p:cNvPr id="4" name="CaixaDeTexto 3">
-            <a:extLst>
-              <a:ext uri="{FF2B5EF4-FFF2-40B4-BE49-F238E27FC236}">
-                <a16:creationId xmlns:a16="http://schemas.microsoft.com/office/drawing/2014/main" id="{39489834-BD31-45E8-B1B6-9AA3E64A460A}"/>
-              </a:ext>
-            </a:extLst>
-          </p:cNvPr>
-          <p:cNvSpPr txBox="1"/>
-          <p:nvPr/>
-        </p:nvSpPr>
-        <p:spPr>
-          <a:xfrm>
-            <a:off x="512561" y="406800"/>
-            <a:ext cx="6731202" cy="461665"/>
-          </a:xfrm>
-          <a:prstGeom prst="rect">
-            <a:avLst/>
-          </a:prstGeom>
-          <a:noFill/>
-        </p:spPr>
-        <p:txBody>
-          <a:bodyPr wrap="square" rtlCol="0">
-            <a:spAutoFit/>
-          </a:bodyPr>
-          <a:lstStyle/>
-          <a:p>
-            <a:r>
-              <a:rPr lang="pt-BR" sz="2400" spc="600" dirty="0">
-                <a:solidFill>
-                  <a:schemeClr val="bg1">
-                    <a:lumMod val="65000"/>
-                  </a:schemeClr>
-                </a:solidFill>
-                <a:latin typeface="Agency FB" panose="020B0503020202020204" pitchFamily="34" charset="0"/>
-                <a:ea typeface="Batang" panose="02030600000101010101" pitchFamily="18" charset="-127"/>
-              </a:rPr>
-              <a:t>DIFICULDADES NA BUSCA POR EMPREGO</a:t>
-            </a:r>
-          </a:p>
-        </p:txBody>
-      </p:sp>
-      <p:pic>
-        <p:nvPicPr>
-          <p:cNvPr id="5" name="Imagem 4">
-            <a:extLst>
-              <a:ext uri="{FF2B5EF4-FFF2-40B4-BE49-F238E27FC236}">
-                <a16:creationId xmlns:a16="http://schemas.microsoft.com/office/drawing/2014/main" id="{BB0A6787-3AD8-46A0-920A-BEC272CD647C}"/>
-              </a:ext>
-            </a:extLst>
-          </p:cNvPr>
-          <p:cNvPicPr>
-            <a:picLocks noChangeAspect="1"/>
-          </p:cNvPicPr>
-          <p:nvPr/>
-        </p:nvPicPr>
-        <p:blipFill>
-          <a:blip r:embed="rId2" cstate="print">
-            <a:extLst>
-              <a:ext uri="{28A0092B-C50C-407E-A947-70E740481C1C}">
-                <a14:useLocalDpi xmlns:a14="http://schemas.microsoft.com/office/drawing/2010/main" val="0"/>
-              </a:ext>
-            </a:extLst>
-          </a:blip>
-          <a:stretch>
-            <a:fillRect/>
-          </a:stretch>
-        </p:blipFill>
-        <p:spPr>
-          <a:xfrm>
-            <a:off x="11703860" y="6391392"/>
-            <a:ext cx="366488" cy="366488"/>
-          </a:xfrm>
-          <a:prstGeom prst="rect">
-            <a:avLst/>
-          </a:prstGeom>
-        </p:spPr>
-      </p:pic>
-      <p:sp>
-        <p:nvSpPr>
-          <p:cNvPr id="6" name="Arredondar Retângulo em um Canto Diagonal 53">
-            <a:extLst>
-              <a:ext uri="{FF2B5EF4-FFF2-40B4-BE49-F238E27FC236}">
-                <a16:creationId xmlns:a16="http://schemas.microsoft.com/office/drawing/2014/main" id="{737288A4-C4D9-42D1-AFEE-69604EB63A24}"/>
-              </a:ext>
-            </a:extLst>
-          </p:cNvPr>
-          <p:cNvSpPr/>
-          <p:nvPr/>
-        </p:nvSpPr>
-        <p:spPr>
-          <a:xfrm flipV="1">
-            <a:off x="602012" y="1019777"/>
-            <a:ext cx="10808110" cy="36000"/>
-          </a:xfrm>
-          <a:prstGeom prst="round2DiagRect">
-            <a:avLst/>
-          </a:prstGeom>
-          <a:gradFill flip="none" rotWithShape="1">
-            <a:gsLst>
-              <a:gs pos="0">
-                <a:srgbClr val="6C5CE7"/>
-              </a:gs>
-              <a:gs pos="100000">
-                <a:srgbClr val="81ECEC"/>
-              </a:gs>
-            </a:gsLst>
-            <a:path path="circle">
-              <a:fillToRect l="100000" t="100000"/>
-            </a:path>
-            <a:tileRect r="-100000" b="-100000"/>
-          </a:gradFill>
-          <a:ln>
-            <a:noFill/>
-          </a:ln>
-        </p:spPr>
-        <p:style>
-          <a:lnRef idx="2">
-            <a:schemeClr val="accent1">
-              <a:shade val="50000"/>
-            </a:schemeClr>
-          </a:lnRef>
-          <a:fillRef idx="1">
-            <a:schemeClr val="accent1"/>
-          </a:fillRef>
-          <a:effectRef idx="0">
-            <a:schemeClr val="accent1"/>
-          </a:effectRef>
-          <a:fontRef idx="minor">
-            <a:schemeClr val="lt1"/>
-          </a:fontRef>
-        </p:style>
-        <p:txBody>
-          <a:bodyPr rtlCol="0" anchor="ctr"/>
-          <a:lstStyle/>
-          <a:p>
-            <a:pPr algn="ctr"/>
-            <a:endParaRPr lang="pt-BR" dirty="0"/>
-          </a:p>
-        </p:txBody>
-      </p:sp>
-      <p:sp>
-        <p:nvSpPr>
-          <p:cNvPr id="12" name="Espaço Reservado para Conteúdo 2">
-            <a:extLst>
-              <a:ext uri="{FF2B5EF4-FFF2-40B4-BE49-F238E27FC236}">
-                <a16:creationId xmlns:a16="http://schemas.microsoft.com/office/drawing/2014/main" id="{13633960-F1BC-4BF2-85DC-0A2EFF112244}"/>
-              </a:ext>
-            </a:extLst>
-          </p:cNvPr>
-          <p:cNvSpPr>
-            <a:spLocks noGrp="1"/>
-          </p:cNvSpPr>
-          <p:nvPr>
-            <p:ph idx="1"/>
-          </p:nvPr>
-        </p:nvSpPr>
-        <p:spPr>
-          <a:xfrm>
-            <a:off x="391184" y="1357170"/>
-            <a:ext cx="11229765" cy="1288378"/>
-          </a:xfrm>
-        </p:spPr>
-        <p:txBody>
-          <a:bodyPr>
-            <a:noAutofit/>
-          </a:bodyPr>
-          <a:lstStyle/>
-          <a:p>
-            <a:pPr marL="0" indent="0" algn="ctr">
-              <a:lnSpc>
-                <a:spcPct val="120000"/>
-              </a:lnSpc>
-              <a:buNone/>
-            </a:pPr>
-            <a:r>
-              <a:rPr lang="pt-BR" sz="1800" dirty="0">
-                <a:solidFill>
-                  <a:schemeClr val="tx1">
-                    <a:lumMod val="75000"/>
-                    <a:lumOff val="25000"/>
-                  </a:schemeClr>
-                </a:solidFill>
-                <a:latin typeface="Lemon/Milk light" panose="020B0303050302020204" pitchFamily="34" charset="0"/>
-              </a:rPr>
-              <a:t>Nossa plataforma resolve Todos os maiores problemas Apontados na busca por um emprego</a:t>
-            </a:r>
-          </a:p>
-        </p:txBody>
-      </p:sp>
-      <p:pic>
-        <p:nvPicPr>
-          <p:cNvPr id="17" name="Imagem 16" descr="Uma imagem contendo placar, desenho&#10;&#10;Descrição gerada automaticamente">
-            <a:extLst>
-              <a:ext uri="{FF2B5EF4-FFF2-40B4-BE49-F238E27FC236}">
-                <a16:creationId xmlns:a16="http://schemas.microsoft.com/office/drawing/2014/main" id="{08CCADF0-C8B6-4230-910E-247EEFC5CBD3}"/>
-              </a:ext>
-            </a:extLst>
-          </p:cNvPr>
-          <p:cNvPicPr>
-            <a:picLocks noChangeAspect="1"/>
-          </p:cNvPicPr>
-          <p:nvPr/>
-        </p:nvPicPr>
-        <p:blipFill>
-          <a:blip r:embed="rId3" cstate="print">
-            <a:extLst>
-              <a:ext uri="{28A0092B-C50C-407E-A947-70E740481C1C}">
-                <a14:useLocalDpi xmlns:a14="http://schemas.microsoft.com/office/drawing/2010/main" val="0"/>
-              </a:ext>
-            </a:extLst>
-          </a:blip>
-          <a:stretch>
-            <a:fillRect/>
-          </a:stretch>
-        </p:blipFill>
-        <p:spPr>
-          <a:xfrm>
-            <a:off x="-775378" y="5300744"/>
-            <a:ext cx="1557256" cy="1557256"/>
-          </a:xfrm>
-          <a:prstGeom prst="rect">
-            <a:avLst/>
-          </a:prstGeom>
-        </p:spPr>
-      </p:pic>
-      <p:sp>
-        <p:nvSpPr>
-          <p:cNvPr id="18" name="Espaço Reservado para Conteúdo 2">
-            <a:extLst>
-              <a:ext uri="{FF2B5EF4-FFF2-40B4-BE49-F238E27FC236}">
-                <a16:creationId xmlns:a16="http://schemas.microsoft.com/office/drawing/2014/main" id="{EACC0BB7-2C07-46CC-B6F0-E8D7652F4CEC}"/>
-              </a:ext>
-            </a:extLst>
-          </p:cNvPr>
-          <p:cNvSpPr txBox="1">
-            <a:spLocks/>
-          </p:cNvSpPr>
-          <p:nvPr/>
-        </p:nvSpPr>
-        <p:spPr>
-          <a:xfrm>
-            <a:off x="121283" y="6366170"/>
-            <a:ext cx="2350086" cy="491830"/>
-          </a:xfrm>
-          <a:prstGeom prst="rect">
-            <a:avLst/>
-          </a:prstGeom>
-        </p:spPr>
-        <p:txBody>
-          <a:bodyPr vert="horz" lIns="91440" tIns="45720" rIns="91440" bIns="45720" rtlCol="0">
-            <a:noAutofit/>
-          </a:bodyPr>
-          <a:lstStyle>
-            <a:lvl1pPr marL="228600" indent="-228600" algn="l" defTabSz="914400" rtl="0" eaLnBrk="1" latinLnBrk="0" hangingPunct="1">
-              <a:lnSpc>
-                <a:spcPct val="90000"/>
-              </a:lnSpc>
-              <a:spcBef>
-                <a:spcPts val="1000"/>
-              </a:spcBef>
-              <a:buFont typeface="Arial" panose="020B0604020202020204" pitchFamily="34" charset="0"/>
-              <a:buChar char="•"/>
-              <a:defRPr sz="2800" kern="1200">
-                <a:solidFill>
-                  <a:schemeClr val="tx1"/>
-                </a:solidFill>
-                <a:latin typeface="+mn-lt"/>
-                <a:ea typeface="+mn-ea"/>
-                <a:cs typeface="+mn-cs"/>
-              </a:defRPr>
-            </a:lvl1pPr>
-            <a:lvl2pPr marL="685800" indent="-228600" algn="l" defTabSz="914400" rtl="0" eaLnBrk="1" latinLnBrk="0" hangingPunct="1">
-              <a:lnSpc>
-                <a:spcPct val="90000"/>
-              </a:lnSpc>
-              <a:spcBef>
-                <a:spcPts val="500"/>
-              </a:spcBef>
-              <a:buFont typeface="Arial" panose="020B0604020202020204" pitchFamily="34" charset="0"/>
-              <a:buChar char="•"/>
-              <a:defRPr sz="2400" kern="1200">
-                <a:solidFill>
-                  <a:schemeClr val="tx1"/>
-                </a:solidFill>
-                <a:latin typeface="+mn-lt"/>
-                <a:ea typeface="+mn-ea"/>
-                <a:cs typeface="+mn-cs"/>
-              </a:defRPr>
-            </a:lvl2pPr>
-            <a:lvl3pPr marL="1143000" indent="-228600" algn="l" defTabSz="914400" rtl="0" eaLnBrk="1" latinLnBrk="0" hangingPunct="1">
-              <a:lnSpc>
-                <a:spcPct val="90000"/>
-              </a:lnSpc>
-              <a:spcBef>
-                <a:spcPts val="500"/>
-              </a:spcBef>
-              <a:buFont typeface="Arial" panose="020B0604020202020204" pitchFamily="34" charset="0"/>
-              <a:buChar char="•"/>
-              <a:defRPr sz="2000" kern="1200">
-                <a:solidFill>
-                  <a:schemeClr val="tx1"/>
-                </a:solidFill>
-                <a:latin typeface="+mn-lt"/>
-                <a:ea typeface="+mn-ea"/>
-                <a:cs typeface="+mn-cs"/>
-              </a:defRPr>
-            </a:lvl3pPr>
-            <a:lvl4pPr marL="1600200" indent="-228600" algn="l" defTabSz="914400" rtl="0" eaLnBrk="1" latinLnBrk="0" hangingPunct="1">
-              <a:lnSpc>
-                <a:spcPct val="90000"/>
-              </a:lnSpc>
-              <a:spcBef>
-                <a:spcPts val="500"/>
-              </a:spcBef>
-              <a:buFont typeface="Arial" panose="020B0604020202020204" pitchFamily="34" charset="0"/>
-              <a:buChar char="•"/>
-              <a:defRPr sz="1800" kern="1200">
-                <a:solidFill>
-                  <a:schemeClr val="tx1"/>
-                </a:solidFill>
-                <a:latin typeface="+mn-lt"/>
-                <a:ea typeface="+mn-ea"/>
-                <a:cs typeface="+mn-cs"/>
-              </a:defRPr>
-            </a:lvl4pPr>
-            <a:lvl5pPr marL="2057400" indent="-228600" algn="l" defTabSz="914400" rtl="0" eaLnBrk="1" latinLnBrk="0" hangingPunct="1">
-              <a:lnSpc>
-                <a:spcPct val="90000"/>
-              </a:lnSpc>
-              <a:spcBef>
-                <a:spcPts val="500"/>
-              </a:spcBef>
-              <a:buFont typeface="Arial" panose="020B0604020202020204" pitchFamily="34" charset="0"/>
-              <a:buChar char="•"/>
-              <a:defRPr sz="1800" kern="1200">
-                <a:solidFill>
-                  <a:schemeClr val="tx1"/>
-                </a:solidFill>
-                <a:latin typeface="+mn-lt"/>
-                <a:ea typeface="+mn-ea"/>
-                <a:cs typeface="+mn-cs"/>
-              </a:defRPr>
-            </a:lvl5pPr>
-            <a:lvl6pPr marL="2514600" indent="-228600" algn="l" defTabSz="914400" rtl="0" eaLnBrk="1" latinLnBrk="0" hangingPunct="1">
-              <a:lnSpc>
-                <a:spcPct val="90000"/>
-              </a:lnSpc>
-              <a:spcBef>
-                <a:spcPts val="500"/>
-              </a:spcBef>
-              <a:buFont typeface="Arial" panose="020B0604020202020204" pitchFamily="34" charset="0"/>
-              <a:buChar char="•"/>
-              <a:defRPr sz="1800" kern="1200">
-                <a:solidFill>
-                  <a:schemeClr val="tx1"/>
-                </a:solidFill>
-                <a:latin typeface="+mn-lt"/>
-                <a:ea typeface="+mn-ea"/>
-                <a:cs typeface="+mn-cs"/>
-              </a:defRPr>
-            </a:lvl6pPr>
-            <a:lvl7pPr marL="2971800" indent="-228600" algn="l" defTabSz="914400" rtl="0" eaLnBrk="1" latinLnBrk="0" hangingPunct="1">
-              <a:lnSpc>
-                <a:spcPct val="90000"/>
-              </a:lnSpc>
-              <a:spcBef>
-                <a:spcPts val="500"/>
-              </a:spcBef>
-              <a:buFont typeface="Arial" panose="020B0604020202020204" pitchFamily="34" charset="0"/>
-              <a:buChar char="•"/>
-              <a:defRPr sz="1800" kern="1200">
-                <a:solidFill>
-                  <a:schemeClr val="tx1"/>
-                </a:solidFill>
-                <a:latin typeface="+mn-lt"/>
-                <a:ea typeface="+mn-ea"/>
-                <a:cs typeface="+mn-cs"/>
-              </a:defRPr>
-            </a:lvl7pPr>
-            <a:lvl8pPr marL="3429000" indent="-228600" algn="l" defTabSz="914400" rtl="0" eaLnBrk="1" latinLnBrk="0" hangingPunct="1">
-              <a:lnSpc>
-                <a:spcPct val="90000"/>
-              </a:lnSpc>
-              <a:spcBef>
-                <a:spcPts val="500"/>
-              </a:spcBef>
-              <a:buFont typeface="Arial" panose="020B0604020202020204" pitchFamily="34" charset="0"/>
-              <a:buChar char="•"/>
-              <a:defRPr sz="1800" kern="1200">
-                <a:solidFill>
-                  <a:schemeClr val="tx1"/>
-                </a:solidFill>
-                <a:latin typeface="+mn-lt"/>
-                <a:ea typeface="+mn-ea"/>
-                <a:cs typeface="+mn-cs"/>
-              </a:defRPr>
-            </a:lvl8pPr>
-            <a:lvl9pPr marL="3886200" indent="-228600" algn="l" defTabSz="914400" rtl="0" eaLnBrk="1" latinLnBrk="0" hangingPunct="1">
-              <a:lnSpc>
-                <a:spcPct val="90000"/>
-              </a:lnSpc>
-              <a:spcBef>
-                <a:spcPts val="500"/>
-              </a:spcBef>
-              <a:buFont typeface="Arial" panose="020B0604020202020204" pitchFamily="34" charset="0"/>
-              <a:buChar char="•"/>
-              <a:defRPr sz="1800" kern="1200">
-                <a:solidFill>
-                  <a:schemeClr val="tx1"/>
-                </a:solidFill>
-                <a:latin typeface="+mn-lt"/>
-                <a:ea typeface="+mn-ea"/>
-                <a:cs typeface="+mn-cs"/>
-              </a:defRPr>
-            </a:lvl9pPr>
-          </a:lstStyle>
-          <a:p>
-            <a:pPr marL="0" indent="0">
-              <a:lnSpc>
-                <a:spcPct val="120000"/>
-              </a:lnSpc>
-              <a:buFont typeface="Arial" panose="020B0604020202020204" pitchFamily="34" charset="0"/>
-              <a:buNone/>
-            </a:pPr>
-            <a:r>
-              <a:rPr lang="pt-BR" sz="1800" dirty="0">
-                <a:solidFill>
-                  <a:schemeClr val="bg2">
-                    <a:lumMod val="50000"/>
-                  </a:schemeClr>
-                </a:solidFill>
-                <a:latin typeface="Lemon/Milk light" panose="020B0303050302020204" pitchFamily="34" charset="0"/>
-              </a:rPr>
-              <a:t>Fonte: curriculum</a:t>
-            </a:r>
-          </a:p>
-        </p:txBody>
-      </p:sp>
-    </p:spTree>
-    <p:extLst>
-      <p:ext uri="{BB962C8B-B14F-4D97-AF65-F5344CB8AC3E}">
-        <p14:creationId xmlns:p14="http://schemas.microsoft.com/office/powerpoint/2010/main" val="4264520004"/>
-      </p:ext>
-    </p:extLst>
-  </p:cSld>
-  <p:clrMapOvr>
-    <a:masterClrMapping/>
-  </p:clrMapOvr>
-  <mc:AlternateContent xmlns:mc="http://schemas.openxmlformats.org/markup-compatibility/2006" xmlns:p159="http://schemas.microsoft.com/office/powerpoint/2015/09/main">
-    <mc:Choice Requires="p159">
-      <p:transition xmlns:p14="http://schemas.microsoft.com/office/powerpoint/2010/main" spd="slow" p14:dur="2000">
-        <p159:morph option="byObject"/>
-      </p:transition>
-    </mc:Choice>
-    <mc:Fallback xmlns="">
-      <p:transition spd="slow">
-        <p:fade/>
-      </p:transition>
-    </mc:Fallback>
-  </mc:AlternateContent>
 </p:sld>
 </file>
 
